--- a/imbd2022final-ProjectB/111052_projectB_report.pptx
+++ b/imbd2022final-ProjectB/111052_projectB_report.pptx
@@ -4478,7 +4478,7 @@
           <a:p>
             <a:fld id="{8F95CBA7-D196-41FC-9E46-64BF000A7932}" type="datetimeFigureOut">
               <a:rPr lang="zh-TW" altLang="en-US" smtClean="0"/>
-              <a:t>2022/11/16</a:t>
+              <a:t>2022/11/17</a:t>
             </a:fld>
             <a:endParaRPr lang="zh-TW" altLang="en-US"/>
           </a:p>
@@ -4693,7 +4693,7 @@
             <a:fld id="{899A2414-F3B7-49E8-9C05-649A95BB42B2}" type="datetimeFigureOut">
               <a:rPr lang="zh-TW" altLang="en-US" smtClean="0"/>
               <a:pPr/>
-              <a:t>2022/11/16</a:t>
+              <a:t>2022/11/17</a:t>
             </a:fld>
             <a:endParaRPr lang="zh-TW" altLang="en-US"/>
           </a:p>
@@ -4865,7 +4865,7 @@
             <a:fld id="{899A2414-F3B7-49E8-9C05-649A95BB42B2}" type="datetimeFigureOut">
               <a:rPr lang="zh-TW" altLang="en-US" smtClean="0"/>
               <a:pPr/>
-              <a:t>2022/11/16</a:t>
+              <a:t>2022/11/17</a:t>
             </a:fld>
             <a:endParaRPr lang="zh-TW" altLang="en-US"/>
           </a:p>
@@ -5047,7 +5047,7 @@
             <a:fld id="{899A2414-F3B7-49E8-9C05-649A95BB42B2}" type="datetimeFigureOut">
               <a:rPr lang="zh-TW" altLang="en-US" smtClean="0"/>
               <a:pPr/>
-              <a:t>2022/11/16</a:t>
+              <a:t>2022/11/17</a:t>
             </a:fld>
             <a:endParaRPr lang="zh-TW" altLang="en-US"/>
           </a:p>
@@ -5448,7 +5448,7 @@
             <a:fld id="{899A2414-F3B7-49E8-9C05-649A95BB42B2}" type="datetimeFigureOut">
               <a:rPr lang="zh-TW" altLang="en-US" smtClean="0"/>
               <a:pPr/>
-              <a:t>2022/11/16</a:t>
+              <a:t>2022/11/17</a:t>
             </a:fld>
             <a:endParaRPr lang="zh-TW" altLang="en-US"/>
           </a:p>
@@ -5682,7 +5682,7 @@
             <a:fld id="{899A2414-F3B7-49E8-9C05-649A95BB42B2}" type="datetimeFigureOut">
               <a:rPr lang="zh-TW" altLang="en-US" smtClean="0"/>
               <a:pPr/>
-              <a:t>2022/11/16</a:t>
+              <a:t>2022/11/17</a:t>
             </a:fld>
             <a:endParaRPr lang="zh-TW" altLang="en-US"/>
           </a:p>
@@ -6051,7 +6051,7 @@
             <a:fld id="{899A2414-F3B7-49E8-9C05-649A95BB42B2}" type="datetimeFigureOut">
               <a:rPr lang="zh-TW" altLang="en-US" smtClean="0"/>
               <a:pPr/>
-              <a:t>2022/11/16</a:t>
+              <a:t>2022/11/17</a:t>
             </a:fld>
             <a:endParaRPr lang="zh-TW" altLang="en-US"/>
           </a:p>
@@ -6171,7 +6171,7 @@
             <a:fld id="{899A2414-F3B7-49E8-9C05-649A95BB42B2}" type="datetimeFigureOut">
               <a:rPr lang="zh-TW" altLang="en-US" smtClean="0"/>
               <a:pPr/>
-              <a:t>2022/11/16</a:t>
+              <a:t>2022/11/17</a:t>
             </a:fld>
             <a:endParaRPr lang="zh-TW" altLang="en-US"/>
           </a:p>
@@ -6268,7 +6268,7 @@
             <a:fld id="{899A2414-F3B7-49E8-9C05-649A95BB42B2}" type="datetimeFigureOut">
               <a:rPr lang="zh-TW" altLang="en-US" smtClean="0"/>
               <a:pPr/>
-              <a:t>2022/11/16</a:t>
+              <a:t>2022/11/17</a:t>
             </a:fld>
             <a:endParaRPr lang="zh-TW" altLang="en-US"/>
           </a:p>
@@ -6547,7 +6547,7 @@
             <a:fld id="{899A2414-F3B7-49E8-9C05-649A95BB42B2}" type="datetimeFigureOut">
               <a:rPr lang="zh-TW" altLang="en-US" smtClean="0"/>
               <a:pPr/>
-              <a:t>2022/11/16</a:t>
+              <a:t>2022/11/17</a:t>
             </a:fld>
             <a:endParaRPr lang="zh-TW" altLang="en-US"/>
           </a:p>
@@ -6806,7 +6806,7 @@
             <a:fld id="{899A2414-F3B7-49E8-9C05-649A95BB42B2}" type="datetimeFigureOut">
               <a:rPr lang="zh-TW" altLang="en-US" smtClean="0"/>
               <a:pPr/>
-              <a:t>2022/11/16</a:t>
+              <a:t>2022/11/17</a:t>
             </a:fld>
             <a:endParaRPr lang="zh-TW" altLang="en-US"/>
           </a:p>
@@ -7021,7 +7021,7 @@
             <a:fld id="{899A2414-F3B7-49E8-9C05-649A95BB42B2}" type="datetimeFigureOut">
               <a:rPr lang="zh-TW" altLang="en-US" smtClean="0"/>
               <a:pPr/>
-              <a:t>2022/11/16</a:t>
+              <a:t>2022/11/17</a:t>
             </a:fld>
             <a:endParaRPr lang="zh-TW" altLang="en-US"/>
           </a:p>
@@ -25822,7 +25822,7 @@
           <p:nvPr>
             <p:extLst>
               <p:ext uri="{D42A27DB-BD31-4B8C-83A1-F6EECF244321}">
-                <p14:modId xmlns:p14="http://schemas.microsoft.com/office/powerpoint/2010/main" val="101673126"/>
+                <p14:modId xmlns:p14="http://schemas.microsoft.com/office/powerpoint/2010/main" val="141520003"/>
               </p:ext>
             </p:extLst>
           </p:nvPr>
@@ -26013,7 +26013,7 @@
                           <a:ea typeface="新細明體" panose="02020500000000000000" pitchFamily="18" charset="-120"/>
                           <a:cs typeface="新細明體" panose="02020500000000000000" pitchFamily="18" charset="-120"/>
                         </a:rPr>
-                        <a:t> dense_6 (Dense)             (None, 128)               768       </a:t>
+                        <a:t> dense (Dense)             (None, 128)               768       </a:t>
                       </a:r>
                       <a:endParaRPr lang="zh-TW" sz="800" kern="100" dirty="0">
                         <a:effectLst/>
@@ -26053,7 +26053,7 @@
                           <a:ea typeface="新細明體" panose="02020500000000000000" pitchFamily="18" charset="-120"/>
                           <a:cs typeface="新細明體" panose="02020500000000000000" pitchFamily="18" charset="-120"/>
                         </a:rPr>
-                        <a:t> dense_7 (Dense)             (None, 4)                 516       </a:t>
+                        <a:t> dense_1 (Dense)             (None, 4)                 516       </a:t>
                       </a:r>
                       <a:endParaRPr lang="zh-TW" sz="800" kern="100" dirty="0">
                         <a:effectLst/>
@@ -26093,7 +26093,7 @@
                           <a:ea typeface="新細明體" panose="02020500000000000000" pitchFamily="18" charset="-120"/>
                           <a:cs typeface="新細明體" panose="02020500000000000000" pitchFamily="18" charset="-120"/>
                         </a:rPr>
-                        <a:t> dense_8 (Dense)             (None, 1)                 5         </a:t>
+                        <a:t> dense_2 (Dense)             (None, 1)                 5         </a:t>
                       </a:r>
                       <a:endParaRPr lang="zh-TW" sz="800" kern="100" dirty="0">
                         <a:effectLst/>
@@ -26298,8 +26298,8 @@
         </p:nvCxnSpPr>
         <p:spPr>
           <a:xfrm rot="10800000" flipV="1">
-            <a:off x="3577062" y="3856005"/>
-            <a:ext cx="2518940" cy="808069"/>
+            <a:off x="3577062" y="3856001"/>
+            <a:ext cx="2518940" cy="808073"/>
           </a:xfrm>
           <a:prstGeom prst="bentConnector2">
             <a:avLst/>

--- a/imbd2022final-ProjectB/111052_projectB_report.pptx
+++ b/imbd2022final-ProjectB/111052_projectB_report.pptx
@@ -1007,7 +1007,7 @@
               <a:latin typeface="微軟正黑體" panose="020B0604030504040204" pitchFamily="34" charset="-120"/>
               <a:ea typeface="微軟正黑體" panose="020B0604030504040204" pitchFamily="34" charset="-120"/>
             </a:rPr>
-            <a:t>train1_data_preprocessing.py</a:t>
+            <a:t>train1_preprocessing.py</a:t>
           </a:r>
           <a:r>
             <a:rPr lang="zh-TW" altLang="en-US" sz="800" b="1" dirty="0">
@@ -1021,7 +1021,7 @@
               <a:latin typeface="微軟正黑體" panose="020B0604030504040204" pitchFamily="34" charset="-120"/>
               <a:ea typeface="微軟正黑體" panose="020B0604030504040204" pitchFamily="34" charset="-120"/>
             </a:rPr>
-            <a:t>train2_data_preprocessing.py</a:t>
+            <a:t>train2_preprocessing.py</a:t>
           </a:r>
         </a:p>
         <a:p>
@@ -1159,7 +1159,7 @@
               <a:latin typeface="微軟正黑體" panose="020B0604030504040204" pitchFamily="34" charset="-120"/>
               <a:ea typeface="微軟正黑體" panose="020B0604030504040204" pitchFamily="34" charset="-120"/>
             </a:rPr>
-            <a:t>test_data_preprocessing.py</a:t>
+            <a:t>test_preprocessing.py</a:t>
           </a:r>
         </a:p>
         <a:p>
@@ -1625,7 +1625,7 @@
               <a:latin typeface="微軟正黑體" panose="020B0604030504040204" pitchFamily="34" charset="-120"/>
               <a:ea typeface="微軟正黑體" panose="020B0604030504040204" pitchFamily="34" charset="-120"/>
             </a:rPr>
-            <a:t>train1_data_preprocessing.py</a:t>
+            <a:t>train1_preprocessing.py</a:t>
           </a:r>
           <a:r>
             <a:rPr lang="zh-TW" altLang="en-US" sz="800" b="1" kern="1200" dirty="0">
@@ -1639,7 +1639,7 @@
               <a:latin typeface="微軟正黑體" panose="020B0604030504040204" pitchFamily="34" charset="-120"/>
               <a:ea typeface="微軟正黑體" panose="020B0604030504040204" pitchFamily="34" charset="-120"/>
             </a:rPr>
-            <a:t>train2_data_preprocessing.py</a:t>
+            <a:t>train2_preprocessing.py</a:t>
           </a:r>
         </a:p>
         <a:p>
@@ -1862,7 +1862,7 @@
               <a:latin typeface="微軟正黑體" panose="020B0604030504040204" pitchFamily="34" charset="-120"/>
               <a:ea typeface="微軟正黑體" panose="020B0604030504040204" pitchFamily="34" charset="-120"/>
             </a:rPr>
-            <a:t>test_data_preprocessing.py</a:t>
+            <a:t>test_preprocessing.py</a:t>
           </a:r>
         </a:p>
         <a:p>
@@ -7884,7 +7884,7 @@
           <p:nvPr>
             <p:extLst>
               <p:ext uri="{D42A27DB-BD31-4B8C-83A1-F6EECF244321}">
-                <p14:modId xmlns:p14="http://schemas.microsoft.com/office/powerpoint/2010/main" val="1303430852"/>
+                <p14:modId xmlns:p14="http://schemas.microsoft.com/office/powerpoint/2010/main" val="2304300751"/>
               </p:ext>
             </p:extLst>
           </p:nvPr>

--- a/imbd2022final-ProjectB/111052_projectB_report.pptx
+++ b/imbd2022final-ProjectB/111052_projectB_report.pptx
@@ -7943,7 +7943,7 @@
           <a:p>
             <a:r>
               <a:rPr lang="zh-TW" altLang="en-US" dirty="0"/>
-              <a:t>四、改善方向</a:t>
+              <a:t>四、驗證集結果與改善方向</a:t>
             </a:r>
           </a:p>
         </p:txBody>
@@ -7964,10 +7964,16 @@
           <a:lstStyle/>
           <a:p>
             <a:r>
-              <a:rPr lang="zh-TW" altLang="en-US" dirty="0"/>
-              <a:t>程式碼最佳化</a:t>
+              <a:rPr lang="en-US" altLang="zh-TW" dirty="0"/>
+              <a:t>Test RMSE:</a:t>
             </a:r>
-            <a:endParaRPr lang="en-US" altLang="zh-TW" dirty="0"/>
+          </a:p>
+          <a:p>
+            <a:pPr lvl="1"/>
+            <a:r>
+              <a:rPr lang="en-US" altLang="zh-TW" dirty="0"/>
+              <a:t>0.0012</a:t>
+            </a:r>
           </a:p>
           <a:p>
             <a:endParaRPr lang="en-US" altLang="zh-TW" dirty="0"/>
@@ -7975,7 +7981,23 @@
           <a:p>
             <a:r>
               <a:rPr lang="zh-TW" altLang="en-US" dirty="0"/>
-              <a:t>建立更多特徵</a:t>
+              <a:t>改善方向：</a:t>
+            </a:r>
+            <a:endParaRPr lang="en-US" altLang="zh-TW" dirty="0"/>
+          </a:p>
+          <a:p>
+            <a:pPr lvl="1"/>
+            <a:r>
+              <a:rPr lang="zh-TW" altLang="en-US" dirty="0"/>
+              <a:t>程式碼最佳化</a:t>
+            </a:r>
+            <a:endParaRPr lang="en-US" altLang="zh-TW" dirty="0"/>
+          </a:p>
+          <a:p>
+            <a:pPr lvl="1"/>
+            <a:r>
+              <a:rPr lang="zh-TW" altLang="en-US" dirty="0"/>
+              <a:t>使用更多特徵</a:t>
             </a:r>
           </a:p>
         </p:txBody>

--- a/imbd2022final-ProjectB/111052_projectB_report.pptx
+++ b/imbd2022final-ProjectB/111052_projectB_report.pptx
@@ -7970,10 +7970,7 @@
           </a:p>
           <a:p>
             <a:pPr lvl="1"/>
-            <a:r>
-              <a:rPr lang="en-US" altLang="zh-TW" dirty="0"/>
-              <a:t>0.0012</a:t>
-            </a:r>
+            <a:endParaRPr lang="en-US" altLang="zh-TW" dirty="0"/>
           </a:p>
           <a:p>
             <a:endParaRPr lang="en-US" altLang="zh-TW" dirty="0"/>
@@ -23784,15 +23781,43 @@
           <a:p>
             <a:r>
               <a:rPr lang="zh-TW" altLang="en-US" sz="2400" dirty="0"/>
-              <a:t>觀察得出下列特徵與磨耗最大值相關係數較高</a:t>
+              <a:t>觀察得出下列特徵與</a:t>
             </a:r>
-            <a:endParaRPr lang="en-US" altLang="zh-TW" sz="2400" dirty="0"/>
+            <a:r>
+              <a:rPr lang="zh-TW" altLang="en-US" sz="2400" u="sng" dirty="0"/>
+              <a:t>磨耗最大值</a:t>
+            </a:r>
+            <a:r>
+              <a:rPr lang="zh-TW" altLang="en-US" sz="2400" dirty="0"/>
+              <a:t>相關係數</a:t>
+            </a:r>
+            <a:r>
+              <a:rPr lang="zh-TW" altLang="en-US" sz="2400" u="sng" dirty="0"/>
+              <a:t>較高</a:t>
+            </a:r>
+            <a:endParaRPr lang="en-US" altLang="zh-TW" sz="2400" u="sng" dirty="0"/>
           </a:p>
           <a:p>
             <a:pPr lvl="1"/>
             <a:r>
               <a:rPr lang="en-US" altLang="zh-TW" sz="1800" dirty="0" err="1"/>
               <a:t>n_spike_B</a:t>
+            </a:r>
+            <a:r>
+              <a:rPr lang="zh-TW" altLang="en-US" sz="1800" dirty="0"/>
+              <a:t>、</a:t>
+            </a:r>
+            <a:r>
+              <a:rPr lang="en-US" altLang="zh-TW" sz="1800" dirty="0" err="1"/>
+              <a:t>n_spike_C</a:t>
+            </a:r>
+            <a:r>
+              <a:rPr lang="zh-TW" altLang="en-US" sz="1800" dirty="0"/>
+              <a:t>、</a:t>
+            </a:r>
+            <a:r>
+              <a:rPr lang="en-US" altLang="zh-TW" sz="1800" dirty="0" err="1"/>
+              <a:t>n_spike_D</a:t>
             </a:r>
             <a:r>
               <a:rPr lang="zh-TW" altLang="en-US" sz="1800" dirty="0"/>
@@ -23804,59 +23829,15 @@
             <a:pPr lvl="1"/>
             <a:r>
               <a:rPr lang="en-US" altLang="zh-TW" sz="1800" dirty="0" err="1"/>
-              <a:t>n_spike</a:t>
-            </a:r>
-            <a:r>
-              <a:rPr lang="en-US" altLang="zh-TW" sz="1800" dirty="0"/>
-              <a:t>_ C</a:t>
+              <a:t>n_spike_B</a:t>
             </a:r>
             <a:r>
               <a:rPr lang="zh-TW" altLang="en-US" sz="1800" dirty="0"/>
-              <a:t>總位移</a:t>
+              <a:t>、</a:t>
             </a:r>
-            <a:endParaRPr lang="en-US" altLang="zh-TW" sz="1800" dirty="0"/>
-          </a:p>
-          <a:p>
-            <a:pPr lvl="1"/>
             <a:r>
               <a:rPr lang="en-US" altLang="zh-TW" sz="1800" dirty="0" err="1"/>
-              <a:t>n_spike</a:t>
-            </a:r>
-            <a:r>
-              <a:rPr lang="en-US" altLang="zh-TW" sz="1800" dirty="0"/>
-              <a:t>_ D</a:t>
-            </a:r>
-            <a:r>
-              <a:rPr lang="zh-TW" altLang="en-US" sz="1800" dirty="0"/>
-              <a:t>總位移</a:t>
-            </a:r>
-            <a:endParaRPr lang="en-US" altLang="zh-TW" sz="1800" dirty="0"/>
-          </a:p>
-          <a:p>
-            <a:pPr lvl="1"/>
-            <a:r>
-              <a:rPr lang="en-US" altLang="zh-TW" sz="1800" dirty="0" err="1"/>
-              <a:t>n_spike</a:t>
-            </a:r>
-            <a:r>
-              <a:rPr lang="en-US" altLang="zh-TW" sz="1800" dirty="0"/>
-              <a:t>_ B</a:t>
-            </a:r>
-            <a:r>
-              <a:rPr lang="zh-TW" altLang="en-US" sz="1800" dirty="0"/>
-              <a:t>低雜訊總位移</a:t>
-            </a:r>
-            <a:endParaRPr lang="en-US" altLang="zh-TW" sz="1800" dirty="0"/>
-          </a:p>
-          <a:p>
-            <a:pPr lvl="1"/>
-            <a:r>
-              <a:rPr lang="en-US" altLang="zh-TW" sz="1800" dirty="0" err="1"/>
-              <a:t>n_spike</a:t>
-            </a:r>
-            <a:r>
-              <a:rPr lang="en-US" altLang="zh-TW" sz="1800" dirty="0"/>
-              <a:t>_ C</a:t>
+              <a:t>n_spike_C</a:t>
             </a:r>
             <a:r>
               <a:rPr lang="zh-TW" altLang="en-US" sz="1800" dirty="0"/>
@@ -23872,7 +23853,7 @@
             </a:r>
             <a:r>
               <a:rPr lang="zh-TW" altLang="en-US" sz="1800" dirty="0"/>
-              <a:t>與</a:t>
+              <a:t>絕對值與</a:t>
             </a:r>
             <a:r>
               <a:rPr lang="en-US" altLang="zh-TW" sz="1800" dirty="0" err="1"/>
@@ -23880,19 +23861,15 @@
             </a:r>
             <a:r>
               <a:rPr lang="zh-TW" altLang="en-US" sz="1800" dirty="0"/>
-              <a:t>相減總位移</a:t>
+              <a:t>、</a:t>
             </a:r>
-            <a:endParaRPr lang="en-US" altLang="zh-TW" sz="1800" dirty="0"/>
-          </a:p>
-          <a:p>
-            <a:pPr lvl="1"/>
             <a:r>
               <a:rPr lang="en-US" altLang="zh-TW" sz="1800" dirty="0" err="1"/>
               <a:t>n_sg_D</a:t>
             </a:r>
             <a:r>
               <a:rPr lang="zh-TW" altLang="en-US" sz="1800" dirty="0"/>
-              <a:t>與</a:t>
+              <a:t>絕對值與</a:t>
             </a:r>
             <a:r>
               <a:rPr lang="en-US" altLang="zh-TW" sz="1800" dirty="0" err="1"/>
@@ -23900,19 +23877,15 @@
             </a:r>
             <a:r>
               <a:rPr lang="zh-TW" altLang="en-US" sz="1800" dirty="0"/>
-              <a:t>相減總位移</a:t>
+              <a:t>相、</a:t>
             </a:r>
-            <a:endParaRPr lang="en-US" altLang="zh-TW" sz="1800" dirty="0"/>
-          </a:p>
-          <a:p>
-            <a:pPr lvl="1"/>
             <a:r>
               <a:rPr lang="en-US" altLang="zh-TW" sz="1800" dirty="0" err="1"/>
               <a:t>n_sg_F</a:t>
             </a:r>
             <a:r>
               <a:rPr lang="zh-TW" altLang="en-US" sz="1800" dirty="0"/>
-              <a:t>與</a:t>
+              <a:t>絕對值與</a:t>
             </a:r>
             <a:r>
               <a:rPr lang="en-US" altLang="zh-TW" sz="1800" dirty="0" err="1"/>
@@ -23926,6 +23899,68 @@
           </a:p>
           <a:p>
             <a:pPr lvl="1"/>
+            <a:r>
+              <a:rPr lang="en-US" altLang="zh-TW" sz="1800" dirty="0" err="1"/>
+              <a:t>n_sg_B</a:t>
+            </a:r>
+            <a:r>
+              <a:rPr lang="zh-TW" altLang="en-US" sz="1800" dirty="0"/>
+              <a:t>絕對值與</a:t>
+            </a:r>
+            <a:r>
+              <a:rPr lang="en-US" altLang="zh-TW" sz="1800" dirty="0" err="1"/>
+              <a:t>n_spike_B</a:t>
+            </a:r>
+            <a:r>
+              <a:rPr lang="zh-TW" altLang="en-US" sz="1800" dirty="0"/>
+              <a:t>、</a:t>
+            </a:r>
+            <a:r>
+              <a:rPr lang="en-US" altLang="zh-TW" sz="1800" dirty="0" err="1"/>
+              <a:t>n_sg_D</a:t>
+            </a:r>
+            <a:r>
+              <a:rPr lang="zh-TW" altLang="en-US" sz="1800" dirty="0"/>
+              <a:t>絕對值與</a:t>
+            </a:r>
+            <a:r>
+              <a:rPr lang="en-US" altLang="zh-TW" sz="1800" dirty="0" err="1"/>
+              <a:t>n_spike_C</a:t>
+            </a:r>
+            <a:r>
+              <a:rPr lang="zh-TW" altLang="en-US" sz="1800" dirty="0"/>
+              <a:t>相、</a:t>
+            </a:r>
+            <a:r>
+              <a:rPr lang="en-US" altLang="zh-TW" sz="1800" dirty="0" err="1"/>
+              <a:t>n_sg_F</a:t>
+            </a:r>
+            <a:r>
+              <a:rPr lang="zh-TW" altLang="en-US" sz="1800" dirty="0"/>
+              <a:t>絕對值與</a:t>
+            </a:r>
+            <a:r>
+              <a:rPr lang="en-US" altLang="zh-TW" sz="1800" dirty="0" err="1"/>
+              <a:t>n_spike_D</a:t>
+            </a:r>
+            <a:r>
+              <a:rPr lang="zh-TW" altLang="en-US" sz="1800" dirty="0"/>
+              <a:t>相乘累加</a:t>
+            </a:r>
+            <a:endParaRPr lang="en-US" altLang="zh-TW" sz="1800" dirty="0"/>
+          </a:p>
+          <a:p>
+            <a:pPr marL="457200" lvl="1" indent="0">
+              <a:buNone/>
+            </a:pPr>
+            <a:endParaRPr lang="en-US" altLang="zh-TW" sz="1800" dirty="0"/>
+          </a:p>
+          <a:p>
+            <a:pPr lvl="1"/>
+            <a:endParaRPr lang="en-US" altLang="zh-TW" sz="1800" dirty="0"/>
+          </a:p>
+          <a:p>
+            <a:pPr lvl="1"/>
             <a:endParaRPr lang="en-US" altLang="zh-TW" sz="1800" dirty="0"/>
           </a:p>
           <a:p>
@@ -23935,7 +23970,7 @@
             </a:r>
             <a:r>
               <a:rPr lang="en-US" altLang="zh-TW" sz="2400" dirty="0"/>
-              <a:t>shape(70, 8)</a:t>
+              <a:t>shape(70, 15)</a:t>
             </a:r>
             <a:r>
               <a:rPr lang="zh-TW" altLang="en-US" sz="2400" dirty="0"/>
@@ -25844,7 +25879,7 @@
           <p:nvPr>
             <p:extLst>
               <p:ext uri="{D42A27DB-BD31-4B8C-83A1-F6EECF244321}">
-                <p14:modId xmlns:p14="http://schemas.microsoft.com/office/powerpoint/2010/main" val="141520003"/>
+                <p14:modId xmlns:p14="http://schemas.microsoft.com/office/powerpoint/2010/main" val="246608790"/>
               </p:ext>
             </p:extLst>
           </p:nvPr>
@@ -25955,7 +25990,7 @@
                           <a:ea typeface="新細明體" panose="02020500000000000000" pitchFamily="18" charset="-120"/>
                           <a:cs typeface="新細明體" panose="02020500000000000000" pitchFamily="18" charset="-120"/>
                         </a:rPr>
-                        <a:t>Model: "sequential_0"</a:t>
+                        <a:t>Model: "sequential"</a:t>
                       </a:r>
                       <a:endParaRPr lang="zh-TW" sz="800" kern="100" dirty="0">
                         <a:effectLst/>

--- a/imbd2022final-ProjectB/111052_projectB_report.pptx
+++ b/imbd2022final-ProjectB/111052_projectB_report.pptx
@@ -4478,7 +4478,7 @@
           <a:p>
             <a:fld id="{8F95CBA7-D196-41FC-9E46-64BF000A7932}" type="datetimeFigureOut">
               <a:rPr lang="zh-TW" altLang="en-US" smtClean="0"/>
-              <a:t>2022/11/17</a:t>
+              <a:t>2022/11/18</a:t>
             </a:fld>
             <a:endParaRPr lang="zh-TW" altLang="en-US"/>
           </a:p>
@@ -4693,7 +4693,7 @@
             <a:fld id="{899A2414-F3B7-49E8-9C05-649A95BB42B2}" type="datetimeFigureOut">
               <a:rPr lang="zh-TW" altLang="en-US" smtClean="0"/>
               <a:pPr/>
-              <a:t>2022/11/17</a:t>
+              <a:t>2022/11/18</a:t>
             </a:fld>
             <a:endParaRPr lang="zh-TW" altLang="en-US"/>
           </a:p>
@@ -4865,7 +4865,7 @@
             <a:fld id="{899A2414-F3B7-49E8-9C05-649A95BB42B2}" type="datetimeFigureOut">
               <a:rPr lang="zh-TW" altLang="en-US" smtClean="0"/>
               <a:pPr/>
-              <a:t>2022/11/17</a:t>
+              <a:t>2022/11/18</a:t>
             </a:fld>
             <a:endParaRPr lang="zh-TW" altLang="en-US"/>
           </a:p>
@@ -5047,7 +5047,7 @@
             <a:fld id="{899A2414-F3B7-49E8-9C05-649A95BB42B2}" type="datetimeFigureOut">
               <a:rPr lang="zh-TW" altLang="en-US" smtClean="0"/>
               <a:pPr/>
-              <a:t>2022/11/17</a:t>
+              <a:t>2022/11/18</a:t>
             </a:fld>
             <a:endParaRPr lang="zh-TW" altLang="en-US"/>
           </a:p>
@@ -5448,7 +5448,7 @@
             <a:fld id="{899A2414-F3B7-49E8-9C05-649A95BB42B2}" type="datetimeFigureOut">
               <a:rPr lang="zh-TW" altLang="en-US" smtClean="0"/>
               <a:pPr/>
-              <a:t>2022/11/17</a:t>
+              <a:t>2022/11/18</a:t>
             </a:fld>
             <a:endParaRPr lang="zh-TW" altLang="en-US"/>
           </a:p>
@@ -5682,7 +5682,7 @@
             <a:fld id="{899A2414-F3B7-49E8-9C05-649A95BB42B2}" type="datetimeFigureOut">
               <a:rPr lang="zh-TW" altLang="en-US" smtClean="0"/>
               <a:pPr/>
-              <a:t>2022/11/17</a:t>
+              <a:t>2022/11/18</a:t>
             </a:fld>
             <a:endParaRPr lang="zh-TW" altLang="en-US"/>
           </a:p>
@@ -6051,7 +6051,7 @@
             <a:fld id="{899A2414-F3B7-49E8-9C05-649A95BB42B2}" type="datetimeFigureOut">
               <a:rPr lang="zh-TW" altLang="en-US" smtClean="0"/>
               <a:pPr/>
-              <a:t>2022/11/17</a:t>
+              <a:t>2022/11/18</a:t>
             </a:fld>
             <a:endParaRPr lang="zh-TW" altLang="en-US"/>
           </a:p>
@@ -6171,7 +6171,7 @@
             <a:fld id="{899A2414-F3B7-49E8-9C05-649A95BB42B2}" type="datetimeFigureOut">
               <a:rPr lang="zh-TW" altLang="en-US" smtClean="0"/>
               <a:pPr/>
-              <a:t>2022/11/17</a:t>
+              <a:t>2022/11/18</a:t>
             </a:fld>
             <a:endParaRPr lang="zh-TW" altLang="en-US"/>
           </a:p>
@@ -6268,7 +6268,7 @@
             <a:fld id="{899A2414-F3B7-49E8-9C05-649A95BB42B2}" type="datetimeFigureOut">
               <a:rPr lang="zh-TW" altLang="en-US" smtClean="0"/>
               <a:pPr/>
-              <a:t>2022/11/17</a:t>
+              <a:t>2022/11/18</a:t>
             </a:fld>
             <a:endParaRPr lang="zh-TW" altLang="en-US"/>
           </a:p>
@@ -6547,7 +6547,7 @@
             <a:fld id="{899A2414-F3B7-49E8-9C05-649A95BB42B2}" type="datetimeFigureOut">
               <a:rPr lang="zh-TW" altLang="en-US" smtClean="0"/>
               <a:pPr/>
-              <a:t>2022/11/17</a:t>
+              <a:t>2022/11/18</a:t>
             </a:fld>
             <a:endParaRPr lang="zh-TW" altLang="en-US"/>
           </a:p>
@@ -6806,7 +6806,7 @@
             <a:fld id="{899A2414-F3B7-49E8-9C05-649A95BB42B2}" type="datetimeFigureOut">
               <a:rPr lang="zh-TW" altLang="en-US" smtClean="0"/>
               <a:pPr/>
-              <a:t>2022/11/17</a:t>
+              <a:t>2022/11/18</a:t>
             </a:fld>
             <a:endParaRPr lang="zh-TW" altLang="en-US"/>
           </a:p>
@@ -7021,7 +7021,7 @@
             <a:fld id="{899A2414-F3B7-49E8-9C05-649A95BB42B2}" type="datetimeFigureOut">
               <a:rPr lang="zh-TW" altLang="en-US" smtClean="0"/>
               <a:pPr/>
-              <a:t>2022/11/17</a:t>
+              <a:t>2022/11/18</a:t>
             </a:fld>
             <a:endParaRPr lang="zh-TW" altLang="en-US"/>
           </a:p>
@@ -23800,154 +23800,162 @@
           <a:p>
             <a:pPr lvl="1"/>
             <a:r>
-              <a:rPr lang="en-US" altLang="zh-TW" sz="1800" dirty="0" err="1"/>
+              <a:rPr lang="zh-TW" altLang="en-US" sz="1800" u="sng" dirty="0"/>
+              <a:t>總位移</a:t>
+            </a:r>
+            <a:endParaRPr lang="en-US" altLang="zh-TW" sz="1800" u="sng" dirty="0"/>
+          </a:p>
+          <a:p>
+            <a:pPr lvl="2"/>
+            <a:r>
+              <a:rPr lang="en-US" altLang="zh-TW" sz="1400" dirty="0" err="1"/>
               <a:t>n_spike_B</a:t>
             </a:r>
             <a:r>
-              <a:rPr lang="zh-TW" altLang="en-US" sz="1800" dirty="0"/>
+              <a:rPr lang="zh-TW" altLang="en-US" sz="1400" dirty="0"/>
               <a:t>、</a:t>
             </a:r>
             <a:r>
-              <a:rPr lang="en-US" altLang="zh-TW" sz="1800" dirty="0" err="1"/>
+              <a:rPr lang="en-US" altLang="zh-TW" sz="1400" dirty="0" err="1"/>
               <a:t>n_spike_C</a:t>
             </a:r>
             <a:r>
-              <a:rPr lang="zh-TW" altLang="en-US" sz="1800" dirty="0"/>
+              <a:rPr lang="zh-TW" altLang="en-US" sz="1400" dirty="0"/>
               <a:t>、</a:t>
             </a:r>
             <a:r>
-              <a:rPr lang="en-US" altLang="zh-TW" sz="1800" dirty="0" err="1"/>
+              <a:rPr lang="en-US" altLang="zh-TW" sz="1400" dirty="0" err="1"/>
               <a:t>n_spike_D</a:t>
             </a:r>
-            <a:r>
-              <a:rPr lang="zh-TW" altLang="en-US" sz="1800" dirty="0"/>
-              <a:t>總位移</a:t>
-            </a:r>
-            <a:endParaRPr lang="en-US" altLang="zh-TW" sz="1800" dirty="0"/>
+            <a:endParaRPr lang="en-US" altLang="zh-TW" sz="1400" u="sng" dirty="0"/>
           </a:p>
           <a:p>
             <a:pPr lvl="1"/>
             <a:r>
-              <a:rPr lang="en-US" altLang="zh-TW" sz="1800" dirty="0" err="1"/>
+              <a:rPr lang="zh-TW" altLang="en-US" sz="1800" u="sng" dirty="0"/>
+              <a:t>低雜訊總位移</a:t>
+            </a:r>
+            <a:endParaRPr lang="en-US" altLang="zh-TW" sz="1800" u="sng" dirty="0"/>
+          </a:p>
+          <a:p>
+            <a:pPr lvl="2"/>
+            <a:r>
+              <a:rPr lang="en-US" altLang="zh-TW" sz="1400" dirty="0" err="1"/>
               <a:t>n_spike_B</a:t>
             </a:r>
             <a:r>
-              <a:rPr lang="zh-TW" altLang="en-US" sz="1800" dirty="0"/>
+              <a:rPr lang="zh-TW" altLang="en-US" sz="1400" dirty="0"/>
               <a:t>、</a:t>
             </a:r>
             <a:r>
-              <a:rPr lang="en-US" altLang="zh-TW" sz="1800" dirty="0" err="1"/>
+              <a:rPr lang="en-US" altLang="zh-TW" sz="1400" dirty="0" err="1"/>
               <a:t>n_spike_C</a:t>
             </a:r>
-            <a:r>
-              <a:rPr lang="zh-TW" altLang="en-US" sz="1800" dirty="0"/>
-              <a:t>低雜訊總位移</a:t>
-            </a:r>
-            <a:endParaRPr lang="en-US" altLang="zh-TW" sz="1800" dirty="0"/>
+            <a:endParaRPr lang="en-US" altLang="zh-TW" sz="1400" u="sng" dirty="0"/>
           </a:p>
           <a:p>
             <a:pPr lvl="1"/>
             <a:r>
-              <a:rPr lang="en-US" altLang="zh-TW" sz="1800" dirty="0" err="1"/>
+              <a:rPr lang="zh-TW" altLang="en-US" sz="1800" u="sng" dirty="0"/>
+              <a:t>相減總位移</a:t>
+            </a:r>
+            <a:endParaRPr lang="en-US" altLang="zh-TW" sz="1800" u="sng" dirty="0"/>
+          </a:p>
+          <a:p>
+            <a:pPr lvl="2"/>
+            <a:r>
+              <a:rPr lang="en-US" altLang="zh-TW" sz="1400" dirty="0" err="1"/>
               <a:t>n_sg_B</a:t>
             </a:r>
             <a:r>
-              <a:rPr lang="zh-TW" altLang="en-US" sz="1800" dirty="0"/>
+              <a:rPr lang="zh-TW" altLang="en-US" sz="1400" dirty="0"/>
               <a:t>絕對值與</a:t>
             </a:r>
             <a:r>
-              <a:rPr lang="en-US" altLang="zh-TW" sz="1800" dirty="0" err="1"/>
+              <a:rPr lang="en-US" altLang="zh-TW" sz="1400" dirty="0" err="1"/>
               <a:t>n_spike_B</a:t>
             </a:r>
             <a:r>
-              <a:rPr lang="zh-TW" altLang="en-US" sz="1800" dirty="0"/>
+              <a:rPr lang="zh-TW" altLang="en-US" sz="1400" dirty="0"/>
               <a:t>、</a:t>
             </a:r>
             <a:r>
-              <a:rPr lang="en-US" altLang="zh-TW" sz="1800" dirty="0" err="1"/>
+              <a:rPr lang="en-US" altLang="zh-TW" sz="1400" dirty="0" err="1"/>
               <a:t>n_sg_D</a:t>
             </a:r>
             <a:r>
-              <a:rPr lang="zh-TW" altLang="en-US" sz="1800" dirty="0"/>
+              <a:rPr lang="zh-TW" altLang="en-US" sz="1400" dirty="0"/>
               <a:t>絕對值與</a:t>
             </a:r>
             <a:r>
-              <a:rPr lang="en-US" altLang="zh-TW" sz="1800" dirty="0" err="1"/>
+              <a:rPr lang="en-US" altLang="zh-TW" sz="1400" dirty="0" err="1"/>
               <a:t>n_spike_C</a:t>
             </a:r>
             <a:r>
-              <a:rPr lang="zh-TW" altLang="en-US" sz="1800" dirty="0"/>
-              <a:t>相、</a:t>
+              <a:rPr lang="zh-TW" altLang="en-US" sz="1400" dirty="0"/>
+              <a:t>相絕對值與</a:t>
             </a:r>
             <a:r>
-              <a:rPr lang="en-US" altLang="zh-TW" sz="1800" dirty="0" err="1"/>
-              <a:t>n_sg_F</a:t>
-            </a:r>
-            <a:r>
-              <a:rPr lang="zh-TW" altLang="en-US" sz="1800" dirty="0"/>
-              <a:t>絕對值與</a:t>
-            </a:r>
-            <a:r>
-              <a:rPr lang="en-US" altLang="zh-TW" sz="1800" dirty="0" err="1"/>
+              <a:rPr lang="en-US" altLang="zh-TW" sz="1400" dirty="0" err="1"/>
               <a:t>n_spike_D</a:t>
             </a:r>
-            <a:r>
-              <a:rPr lang="zh-TW" altLang="en-US" sz="1800" dirty="0"/>
-              <a:t>相減總位移</a:t>
-            </a:r>
-            <a:endParaRPr lang="en-US" altLang="zh-TW" sz="1800" dirty="0"/>
+            <a:endParaRPr lang="en-US" altLang="zh-TW" sz="1400" u="sng" dirty="0"/>
           </a:p>
           <a:p>
             <a:pPr lvl="1"/>
             <a:r>
-              <a:rPr lang="en-US" altLang="zh-TW" sz="1800" dirty="0" err="1"/>
+              <a:rPr lang="zh-TW" altLang="en-US" sz="1800" u="sng" dirty="0"/>
+              <a:t>相乘累加</a:t>
+            </a:r>
+            <a:endParaRPr lang="en-US" altLang="zh-TW" sz="1800" u="sng" dirty="0"/>
+          </a:p>
+          <a:p>
+            <a:pPr lvl="2"/>
+            <a:r>
+              <a:rPr lang="en-US" altLang="zh-TW" sz="1400" dirty="0" err="1"/>
               <a:t>n_sg_B</a:t>
             </a:r>
             <a:r>
-              <a:rPr lang="zh-TW" altLang="en-US" sz="1800" dirty="0"/>
+              <a:rPr lang="zh-TW" altLang="en-US" sz="1400" dirty="0"/>
               <a:t>絕對值與</a:t>
             </a:r>
             <a:r>
-              <a:rPr lang="en-US" altLang="zh-TW" sz="1800" dirty="0" err="1"/>
+              <a:rPr lang="en-US" altLang="zh-TW" sz="1400" dirty="0" err="1"/>
               <a:t>n_spike_B</a:t>
             </a:r>
             <a:r>
-              <a:rPr lang="zh-TW" altLang="en-US" sz="1800" dirty="0"/>
+              <a:rPr lang="zh-TW" altLang="en-US" sz="1400" dirty="0"/>
               <a:t>、</a:t>
             </a:r>
             <a:r>
-              <a:rPr lang="en-US" altLang="zh-TW" sz="1800" dirty="0" err="1"/>
+              <a:rPr lang="en-US" altLang="zh-TW" sz="1400" dirty="0" err="1"/>
               <a:t>n_sg_D</a:t>
             </a:r>
             <a:r>
-              <a:rPr lang="zh-TW" altLang="en-US" sz="1800" dirty="0"/>
+              <a:rPr lang="zh-TW" altLang="en-US" sz="1400" dirty="0"/>
               <a:t>絕對值與</a:t>
             </a:r>
             <a:r>
-              <a:rPr lang="en-US" altLang="zh-TW" sz="1800" dirty="0" err="1"/>
+              <a:rPr lang="en-US" altLang="zh-TW" sz="1400" dirty="0" err="1"/>
               <a:t>n_spike_C</a:t>
             </a:r>
             <a:r>
-              <a:rPr lang="zh-TW" altLang="en-US" sz="1800" dirty="0"/>
+              <a:rPr lang="zh-TW" altLang="en-US" sz="1400" dirty="0"/>
               <a:t>相、</a:t>
             </a:r>
             <a:r>
-              <a:rPr lang="en-US" altLang="zh-TW" sz="1800" dirty="0" err="1"/>
+              <a:rPr lang="en-US" altLang="zh-TW" sz="1400" dirty="0" err="1"/>
               <a:t>n_sg_F</a:t>
             </a:r>
             <a:r>
-              <a:rPr lang="zh-TW" altLang="en-US" sz="1800" dirty="0"/>
+              <a:rPr lang="zh-TW" altLang="en-US" sz="1400" dirty="0"/>
               <a:t>絕對值與</a:t>
             </a:r>
             <a:r>
-              <a:rPr lang="en-US" altLang="zh-TW" sz="1800" dirty="0" err="1"/>
+              <a:rPr lang="en-US" altLang="zh-TW" sz="1400" dirty="0" err="1"/>
               <a:t>n_spike_D</a:t>
             </a:r>
-            <a:r>
-              <a:rPr lang="zh-TW" altLang="en-US" sz="1800" dirty="0"/>
-              <a:t>相乘累加</a:t>
-            </a:r>
-            <a:endParaRPr lang="en-US" altLang="zh-TW" sz="1800" dirty="0"/>
+            <a:endParaRPr lang="en-US" altLang="zh-TW" sz="1400" u="sng" dirty="0"/>
           </a:p>
           <a:p>
             <a:pPr marL="457200" lvl="1" indent="0">
@@ -24135,7 +24143,7 @@
             </a:r>
             <a:r>
               <a:rPr lang="en-US" altLang="zh-TW" sz="1800" dirty="0"/>
-              <a:t>0.0005</a:t>
+              <a:t>0.003</a:t>
             </a:r>
           </a:p>
           <a:p>
@@ -24148,9 +24156,10 @@
               <a:t>：</a:t>
             </a:r>
             <a:r>
-              <a:rPr lang="en-US" altLang="zh-TW" sz="1800" dirty="0"/>
-              <a:t>15</a:t>
+              <a:rPr lang="en-US" altLang="zh-TW" sz="1800"/>
+              <a:t>20</a:t>
             </a:r>
+            <a:endParaRPr lang="en-US" altLang="zh-TW" sz="1800" dirty="0"/>
           </a:p>
           <a:p>
             <a:r>

--- a/imbd2022final-ProjectB/111052_projectB_report.pptx
+++ b/imbd2022final-ProjectB/111052_projectB_report.pptx
@@ -15001,7 +15001,7 @@
           <p:nvPr>
             <p:extLst>
               <p:ext uri="{D42A27DB-BD31-4B8C-83A1-F6EECF244321}">
-                <p14:modId xmlns:p14="http://schemas.microsoft.com/office/powerpoint/2010/main" val="4045978705"/>
+                <p14:modId xmlns:p14="http://schemas.microsoft.com/office/powerpoint/2010/main" val="2271757962"/>
               </p:ext>
             </p:extLst>
           </p:nvPr>
@@ -22411,7 +22411,7 @@
             </a:r>
             <a:r>
               <a:rPr lang="zh-TW" altLang="en-US" sz="1800" dirty="0"/>
-              <a:t>特徵，得出經前處理後的</a:t>
+              <a:t>特徵，得出經處理後的</a:t>
             </a:r>
             <a:r>
               <a:rPr lang="en-US" altLang="zh-TW" sz="1800" dirty="0" err="1"/>
@@ -22455,37 +22455,37 @@
       </p:sp>
       <p:graphicFrame>
         <p:nvGraphicFramePr>
-          <p:cNvPr id="4" name="內容版面配置區 4">
+          <p:cNvPr id="5" name="表格 4">
             <a:extLst>
               <a:ext uri="{FF2B5EF4-FFF2-40B4-BE49-F238E27FC236}">
-                <a16:creationId xmlns:a16="http://schemas.microsoft.com/office/drawing/2014/main" id="{B7963AB5-64AD-01ED-2279-1DD7F95D97FC}"/>
+                <a16:creationId xmlns:a16="http://schemas.microsoft.com/office/drawing/2014/main" id="{D63B638C-519D-432E-BB00-D4B4F63F3FF9}"/>
               </a:ext>
             </a:extLst>
           </p:cNvPr>
           <p:cNvGraphicFramePr>
-            <a:graphicFrameLocks/>
+            <a:graphicFrameLocks noGrp="1"/>
           </p:cNvGraphicFramePr>
           <p:nvPr>
             <p:extLst>
               <p:ext uri="{D42A27DB-BD31-4B8C-83A1-F6EECF244321}">
-                <p14:modId xmlns:p14="http://schemas.microsoft.com/office/powerpoint/2010/main" val="615506861"/>
+                <p14:modId xmlns:p14="http://schemas.microsoft.com/office/powerpoint/2010/main" val="655183841"/>
               </p:ext>
             </p:extLst>
           </p:nvPr>
         </p:nvGraphicFramePr>
         <p:xfrm>
-          <a:off x="1048253" y="2319741"/>
-          <a:ext cx="6185235" cy="762000"/>
+          <a:off x="1132421" y="2254251"/>
+          <a:ext cx="7459489" cy="1371600"/>
         </p:xfrm>
         <a:graphic>
           <a:graphicData uri="http://schemas.openxmlformats.org/drawingml/2006/table">
             <a:tbl>
               <a:tblPr firstRow="1" firstCol="1" bandRow="1"/>
               <a:tblGrid>
-                <a:gridCol w="6185235">
+                <a:gridCol w="7459489">
                   <a:extLst>
                     <a:ext uri="{9D8B030D-6E8A-4147-A177-3AD203B41FA5}">
-                      <a16:colId xmlns:a16="http://schemas.microsoft.com/office/drawing/2014/main" val="346532129"/>
+                      <a16:colId xmlns:a16="http://schemas.microsoft.com/office/drawing/2014/main" val="4221356408"/>
                     </a:ext>
                   </a:extLst>
                 </a:gridCol>
@@ -22506,7 +22506,7 @@
                           <a:ea typeface="新細明體" panose="02020500000000000000" pitchFamily="18" charset="-120"/>
                           <a:cs typeface="Times New Roman" panose="02020603050405020304" pitchFamily="18" charset="0"/>
                         </a:rPr>
-                        <a:t>work_B</a:t>
+                        <a:t>temp_list</a:t>
                       </a:r>
                       <a:r>
                         <a:rPr lang="en-US" sz="1000" kern="0" dirty="0">
@@ -22547,14 +22547,170 @@
                       <a:r>
                         <a:rPr lang="en-US" sz="1000" b="1" kern="0" dirty="0">
                           <a:solidFill>
-                            <a:srgbClr val="000080"/>
-                          </a:solidFill>
-                          <a:effectLst/>
-                          <a:latin typeface="Consolas" panose="020B0609020204030204" pitchFamily="49" charset="0"/>
-                          <a:ea typeface="新細明體" panose="02020500000000000000" pitchFamily="18" charset="-120"/>
-                          <a:cs typeface="Times New Roman" panose="02020603050405020304" pitchFamily="18" charset="0"/>
-                        </a:rPr>
-                        <a:t>[[</a:t>
+                            <a:srgbClr val="880088"/>
+                          </a:solidFill>
+                          <a:effectLst/>
+                          <a:latin typeface="Consolas" panose="020B0609020204030204" pitchFamily="49" charset="0"/>
+                          <a:ea typeface="新細明體" panose="02020500000000000000" pitchFamily="18" charset="-120"/>
+                          <a:cs typeface="Times New Roman" panose="02020603050405020304" pitchFamily="18" charset="0"/>
+                        </a:rPr>
+                        <a:t>list</a:t>
+                      </a:r>
+                      <a:r>
+                        <a:rPr lang="en-US" sz="1000" b="1" kern="0" dirty="0">
+                          <a:solidFill>
+                            <a:srgbClr val="000080"/>
+                          </a:solidFill>
+                          <a:effectLst/>
+                          <a:latin typeface="Consolas" panose="020B0609020204030204" pitchFamily="49" charset="0"/>
+                          <a:ea typeface="新細明體" panose="02020500000000000000" pitchFamily="18" charset="-120"/>
+                          <a:cs typeface="Times New Roman" panose="02020603050405020304" pitchFamily="18" charset="0"/>
+                        </a:rPr>
+                        <a:t>(</a:t>
+                      </a:r>
+                      <a:r>
+                        <a:rPr lang="en-US" sz="1000" b="1" kern="0" dirty="0">
+                          <a:solidFill>
+                            <a:srgbClr val="880088"/>
+                          </a:solidFill>
+                          <a:effectLst/>
+                          <a:latin typeface="Consolas" panose="020B0609020204030204" pitchFamily="49" charset="0"/>
+                          <a:ea typeface="新細明體" panose="02020500000000000000" pitchFamily="18" charset="-120"/>
+                          <a:cs typeface="Times New Roman" panose="02020603050405020304" pitchFamily="18" charset="0"/>
+                        </a:rPr>
+                        <a:t>abs</a:t>
+                      </a:r>
+                      <a:r>
+                        <a:rPr lang="en-US" sz="1000" b="1" kern="0" dirty="0">
+                          <a:solidFill>
+                            <a:srgbClr val="000080"/>
+                          </a:solidFill>
+                          <a:effectLst/>
+                          <a:latin typeface="Consolas" panose="020B0609020204030204" pitchFamily="49" charset="0"/>
+                          <a:ea typeface="新細明體" panose="02020500000000000000" pitchFamily="18" charset="-120"/>
+                          <a:cs typeface="Times New Roman" panose="02020603050405020304" pitchFamily="18" charset="0"/>
+                        </a:rPr>
+                        <a:t>(</a:t>
+                      </a:r>
+                      <a:r>
+                        <a:rPr lang="en-US" sz="1000" kern="0" dirty="0" err="1">
+                          <a:solidFill>
+                            <a:srgbClr val="000000"/>
+                          </a:solidFill>
+                          <a:effectLst/>
+                          <a:latin typeface="Consolas" panose="020B0609020204030204" pitchFamily="49" charset="0"/>
+                          <a:ea typeface="新細明體" panose="02020500000000000000" pitchFamily="18" charset="-120"/>
+                          <a:cs typeface="Times New Roman" panose="02020603050405020304" pitchFamily="18" charset="0"/>
+                        </a:rPr>
+                        <a:t>np</a:t>
+                      </a:r>
+                      <a:r>
+                        <a:rPr lang="en-US" sz="1000" b="1" kern="0" dirty="0" err="1">
+                          <a:solidFill>
+                            <a:srgbClr val="000080"/>
+                          </a:solidFill>
+                          <a:effectLst/>
+                          <a:latin typeface="Consolas" panose="020B0609020204030204" pitchFamily="49" charset="0"/>
+                          <a:ea typeface="新細明體" panose="02020500000000000000" pitchFamily="18" charset="-120"/>
+                          <a:cs typeface="Times New Roman" panose="02020603050405020304" pitchFamily="18" charset="0"/>
+                        </a:rPr>
+                        <a:t>.</a:t>
+                      </a:r>
+                      <a:r>
+                        <a:rPr lang="en-US" sz="1000" kern="0" dirty="0" err="1">
+                          <a:solidFill>
+                            <a:srgbClr val="000000"/>
+                          </a:solidFill>
+                          <a:effectLst/>
+                          <a:latin typeface="Consolas" panose="020B0609020204030204" pitchFamily="49" charset="0"/>
+                          <a:ea typeface="新細明體" panose="02020500000000000000" pitchFamily="18" charset="-120"/>
+                          <a:cs typeface="Times New Roman" panose="02020603050405020304" pitchFamily="18" charset="0"/>
+                        </a:rPr>
+                        <a:t>around</a:t>
+                      </a:r>
+                      <a:r>
+                        <a:rPr lang="en-US" sz="1000" b="1" kern="0" dirty="0">
+                          <a:solidFill>
+                            <a:srgbClr val="000080"/>
+                          </a:solidFill>
+                          <a:effectLst/>
+                          <a:latin typeface="Consolas" panose="020B0609020204030204" pitchFamily="49" charset="0"/>
+                          <a:ea typeface="新細明體" panose="02020500000000000000" pitchFamily="18" charset="-120"/>
+                          <a:cs typeface="Times New Roman" panose="02020603050405020304" pitchFamily="18" charset="0"/>
+                        </a:rPr>
+                        <a:t>(</a:t>
+                      </a:r>
+                      <a:r>
+                        <a:rPr lang="en-US" sz="1000" kern="0" dirty="0">
+                          <a:solidFill>
+                            <a:srgbClr val="000000"/>
+                          </a:solidFill>
+                          <a:effectLst/>
+                          <a:latin typeface="Consolas" panose="020B0609020204030204" pitchFamily="49" charset="0"/>
+                          <a:ea typeface="新細明體" panose="02020500000000000000" pitchFamily="18" charset="-120"/>
+                          <a:cs typeface="Times New Roman" panose="02020603050405020304" pitchFamily="18" charset="0"/>
+                        </a:rPr>
+                        <a:t>sg</a:t>
+                      </a:r>
+                      <a:r>
+                        <a:rPr lang="en-US" sz="1000" b="1" kern="0" dirty="0">
+                          <a:solidFill>
+                            <a:srgbClr val="000080"/>
+                          </a:solidFill>
+                          <a:effectLst/>
+                          <a:latin typeface="Consolas" panose="020B0609020204030204" pitchFamily="49" charset="0"/>
+                          <a:ea typeface="新細明體" panose="02020500000000000000" pitchFamily="18" charset="-120"/>
+                          <a:cs typeface="Times New Roman" panose="02020603050405020304" pitchFamily="18" charset="0"/>
+                        </a:rPr>
+                        <a:t>[</a:t>
+                      </a:r>
+                      <a:r>
+                        <a:rPr lang="en-US" sz="1000" kern="0" dirty="0">
+                          <a:solidFill>
+                            <a:srgbClr val="808080"/>
+                          </a:solidFill>
+                          <a:effectLst/>
+                          <a:latin typeface="Consolas" panose="020B0609020204030204" pitchFamily="49" charset="0"/>
+                          <a:ea typeface="新細明體" panose="02020500000000000000" pitchFamily="18" charset="-120"/>
+                          <a:cs typeface="Times New Roman" panose="02020603050405020304" pitchFamily="18" charset="0"/>
+                        </a:rPr>
+                        <a:t>'</a:t>
+                      </a:r>
+                      <a:r>
+                        <a:rPr lang="en-US" sz="1000" kern="0" dirty="0" err="1">
+                          <a:solidFill>
+                            <a:srgbClr val="808080"/>
+                          </a:solidFill>
+                          <a:effectLst/>
+                          <a:latin typeface="Consolas" panose="020B0609020204030204" pitchFamily="49" charset="0"/>
+                          <a:ea typeface="新細明體" panose="02020500000000000000" pitchFamily="18" charset="-120"/>
+                          <a:cs typeface="Times New Roman" panose="02020603050405020304" pitchFamily="18" charset="0"/>
+                        </a:rPr>
+                        <a:t>sg_B</a:t>
+                      </a:r>
+                      <a:r>
+                        <a:rPr lang="en-US" sz="1000" kern="0" dirty="0">
+                          <a:solidFill>
+                            <a:srgbClr val="808080"/>
+                          </a:solidFill>
+                          <a:effectLst/>
+                          <a:latin typeface="Consolas" panose="020B0609020204030204" pitchFamily="49" charset="0"/>
+                          <a:ea typeface="新細明體" panose="02020500000000000000" pitchFamily="18" charset="-120"/>
+                          <a:cs typeface="Times New Roman" panose="02020603050405020304" pitchFamily="18" charset="0"/>
+                        </a:rPr>
+                        <a:t>'</a:t>
+                      </a:r>
+                      <a:r>
+                        <a:rPr lang="en-US" sz="1000" b="1" kern="0" dirty="0">
+                          <a:solidFill>
+                            <a:srgbClr val="000080"/>
+                          </a:solidFill>
+                          <a:effectLst/>
+                          <a:latin typeface="Consolas" panose="020B0609020204030204" pitchFamily="49" charset="0"/>
+                          <a:ea typeface="新細明體" panose="02020500000000000000" pitchFamily="18" charset="-120"/>
+                          <a:cs typeface="Times New Roman" panose="02020603050405020304" pitchFamily="18" charset="0"/>
+                        </a:rPr>
+                        <a:t>][</a:t>
                       </a:r>
                       <a:r>
                         <a:rPr lang="en-US" sz="1000" kern="0" dirty="0">
@@ -22566,175 +22722,43 @@
                           <a:ea typeface="新細明體" panose="02020500000000000000" pitchFamily="18" charset="-120"/>
                           <a:cs typeface="Times New Roman" panose="02020603050405020304" pitchFamily="18" charset="0"/>
                         </a:rPr>
-                        <a:t>1</a:t>
-                      </a:r>
-                      <a:r>
-                        <a:rPr lang="en-US" sz="1000" kern="0" dirty="0">
-                          <a:solidFill>
-                            <a:srgbClr val="000000"/>
-                          </a:solidFill>
-                          <a:effectLst/>
-                          <a:latin typeface="Consolas" panose="020B0609020204030204" pitchFamily="49" charset="0"/>
-                          <a:ea typeface="新細明體" panose="02020500000000000000" pitchFamily="18" charset="-120"/>
-                          <a:cs typeface="Times New Roman" panose="02020603050405020304" pitchFamily="18" charset="0"/>
-                        </a:rPr>
-                        <a:t> </a:t>
-                      </a:r>
-                      <a:r>
-                        <a:rPr lang="en-US" sz="1000" b="1" kern="0" dirty="0">
-                          <a:solidFill>
-                            <a:srgbClr val="0000FF"/>
-                          </a:solidFill>
-                          <a:effectLst/>
-                          <a:latin typeface="Consolas" panose="020B0609020204030204" pitchFamily="49" charset="0"/>
-                          <a:ea typeface="新細明體" panose="02020500000000000000" pitchFamily="18" charset="-120"/>
-                          <a:cs typeface="Times New Roman" panose="02020603050405020304" pitchFamily="18" charset="0"/>
-                        </a:rPr>
-                        <a:t>if</a:t>
-                      </a:r>
-                      <a:r>
-                        <a:rPr lang="en-US" sz="1000" kern="0" dirty="0">
-                          <a:solidFill>
-                            <a:srgbClr val="000000"/>
-                          </a:solidFill>
-                          <a:effectLst/>
-                          <a:latin typeface="Consolas" panose="020B0609020204030204" pitchFamily="49" charset="0"/>
-                          <a:ea typeface="新細明體" panose="02020500000000000000" pitchFamily="18" charset="-120"/>
-                          <a:cs typeface="Times New Roman" panose="02020603050405020304" pitchFamily="18" charset="0"/>
-                        </a:rPr>
-                        <a:t> </a:t>
-                      </a:r>
-                      <a:r>
-                        <a:rPr lang="en-US" sz="1000" b="1" kern="0" dirty="0">
-                          <a:solidFill>
-                            <a:srgbClr val="880088"/>
-                          </a:solidFill>
-                          <a:effectLst/>
-                          <a:latin typeface="Consolas" panose="020B0609020204030204" pitchFamily="49" charset="0"/>
-                          <a:ea typeface="新細明體" panose="02020500000000000000" pitchFamily="18" charset="-120"/>
-                          <a:cs typeface="Times New Roman" panose="02020603050405020304" pitchFamily="18" charset="0"/>
-                        </a:rPr>
-                        <a:t>abs</a:t>
-                      </a:r>
-                      <a:r>
-                        <a:rPr lang="en-US" sz="1000" b="1" kern="0" dirty="0">
-                          <a:solidFill>
-                            <a:srgbClr val="000080"/>
-                          </a:solidFill>
-                          <a:effectLst/>
-                          <a:latin typeface="Consolas" panose="020B0609020204030204" pitchFamily="49" charset="0"/>
-                          <a:ea typeface="新細明體" panose="02020500000000000000" pitchFamily="18" charset="-120"/>
-                          <a:cs typeface="Times New Roman" panose="02020603050405020304" pitchFamily="18" charset="0"/>
-                        </a:rPr>
-                        <a:t>(</a:t>
-                      </a:r>
-                      <a:r>
-                        <a:rPr lang="en-US" sz="1000" kern="0" dirty="0" err="1">
-                          <a:solidFill>
-                            <a:srgbClr val="000000"/>
-                          </a:solidFill>
-                          <a:effectLst/>
-                          <a:latin typeface="Consolas" panose="020B0609020204030204" pitchFamily="49" charset="0"/>
-                          <a:ea typeface="新細明體" panose="02020500000000000000" pitchFamily="18" charset="-120"/>
-                          <a:cs typeface="Times New Roman" panose="02020603050405020304" pitchFamily="18" charset="0"/>
-                        </a:rPr>
-                        <a:t>sg_B</a:t>
-                      </a:r>
-                      <a:r>
-                        <a:rPr lang="en-US" sz="1000" b="1" kern="0" dirty="0">
-                          <a:solidFill>
-                            <a:srgbClr val="000080"/>
-                          </a:solidFill>
-                          <a:effectLst/>
-                          <a:latin typeface="Consolas" panose="020B0609020204030204" pitchFamily="49" charset="0"/>
-                          <a:ea typeface="新細明體" panose="02020500000000000000" pitchFamily="18" charset="-120"/>
-                          <a:cs typeface="Times New Roman" panose="02020603050405020304" pitchFamily="18" charset="0"/>
-                        </a:rPr>
-                        <a:t>[</a:t>
-                      </a:r>
-                      <a:r>
-                        <a:rPr lang="en-US" sz="1000" kern="0" dirty="0" err="1">
-                          <a:solidFill>
-                            <a:srgbClr val="000000"/>
-                          </a:solidFill>
-                          <a:effectLst/>
-                          <a:latin typeface="Consolas" panose="020B0609020204030204" pitchFamily="49" charset="0"/>
-                          <a:ea typeface="新細明體" panose="02020500000000000000" pitchFamily="18" charset="-120"/>
-                          <a:cs typeface="Times New Roman" panose="02020603050405020304" pitchFamily="18" charset="0"/>
-                        </a:rPr>
-                        <a:t>i</a:t>
-                      </a:r>
-                      <a:r>
-                        <a:rPr lang="en-US" sz="1000" b="1" kern="0" dirty="0">
-                          <a:solidFill>
-                            <a:srgbClr val="000080"/>
-                          </a:solidFill>
-                          <a:effectLst/>
-                          <a:latin typeface="Consolas" panose="020B0609020204030204" pitchFamily="49" charset="0"/>
-                          <a:ea typeface="新細明體" panose="02020500000000000000" pitchFamily="18" charset="-120"/>
-                          <a:cs typeface="Times New Roman" panose="02020603050405020304" pitchFamily="18" charset="0"/>
-                        </a:rPr>
-                        <a:t>][</a:t>
-                      </a:r>
-                      <a:r>
-                        <a:rPr lang="en-US" sz="1000" kern="0" dirty="0">
-                          <a:solidFill>
-                            <a:srgbClr val="000000"/>
-                          </a:solidFill>
-                          <a:effectLst/>
-                          <a:latin typeface="Consolas" panose="020B0609020204030204" pitchFamily="49" charset="0"/>
-                          <a:ea typeface="新細明體" panose="02020500000000000000" pitchFamily="18" charset="-120"/>
-                          <a:cs typeface="Times New Roman" panose="02020603050405020304" pitchFamily="18" charset="0"/>
-                        </a:rPr>
-                        <a:t>j</a:t>
-                      </a:r>
-                      <a:r>
-                        <a:rPr lang="en-US" sz="1000" b="1" kern="0" dirty="0">
-                          <a:solidFill>
-                            <a:srgbClr val="000080"/>
-                          </a:solidFill>
-                          <a:effectLst/>
-                          <a:latin typeface="Consolas" panose="020B0609020204030204" pitchFamily="49" charset="0"/>
-                          <a:ea typeface="新細明體" panose="02020500000000000000" pitchFamily="18" charset="-120"/>
-                          <a:cs typeface="Times New Roman" panose="02020603050405020304" pitchFamily="18" charset="0"/>
-                        </a:rPr>
-                        <a:t>])</a:t>
-                      </a:r>
-                      <a:r>
-                        <a:rPr lang="en-US" sz="1000" kern="0" dirty="0">
-                          <a:solidFill>
-                            <a:srgbClr val="000000"/>
-                          </a:solidFill>
-                          <a:effectLst/>
-                          <a:latin typeface="Consolas" panose="020B0609020204030204" pitchFamily="49" charset="0"/>
-                          <a:ea typeface="新細明體" panose="02020500000000000000" pitchFamily="18" charset="-120"/>
-                          <a:cs typeface="Times New Roman" panose="02020603050405020304" pitchFamily="18" charset="0"/>
-                        </a:rPr>
-                        <a:t> </a:t>
-                      </a:r>
-                      <a:r>
-                        <a:rPr lang="en-US" sz="1000" b="1" kern="0" dirty="0">
-                          <a:solidFill>
-                            <a:srgbClr val="000080"/>
-                          </a:solidFill>
-                          <a:effectLst/>
-                          <a:latin typeface="Consolas" panose="020B0609020204030204" pitchFamily="49" charset="0"/>
-                          <a:ea typeface="新細明體" panose="02020500000000000000" pitchFamily="18" charset="-120"/>
-                          <a:cs typeface="Times New Roman" panose="02020603050405020304" pitchFamily="18" charset="0"/>
-                        </a:rPr>
-                        <a:t>&gt;=</a:t>
-                      </a:r>
-                      <a:r>
-                        <a:rPr lang="en-US" sz="1000" kern="0" dirty="0">
-                          <a:solidFill>
-                            <a:srgbClr val="000000"/>
-                          </a:solidFill>
-                          <a:effectLst/>
-                          <a:latin typeface="Consolas" panose="020B0609020204030204" pitchFamily="49" charset="0"/>
-                          <a:ea typeface="新細明體" panose="02020500000000000000" pitchFamily="18" charset="-120"/>
-                          <a:cs typeface="Times New Roman" panose="02020603050405020304" pitchFamily="18" charset="0"/>
-                        </a:rPr>
-                        <a:t> </a:t>
+                        <a:t>0</a:t>
+                      </a:r>
+                      <a:r>
+                        <a:rPr lang="en-US" sz="1000" b="1" kern="0" dirty="0">
+                          <a:solidFill>
+                            <a:srgbClr val="000080"/>
+                          </a:solidFill>
+                          <a:effectLst/>
+                          <a:latin typeface="Consolas" panose="020B0609020204030204" pitchFamily="49" charset="0"/>
+                          <a:ea typeface="新細明體" panose="02020500000000000000" pitchFamily="18" charset="-120"/>
+                          <a:cs typeface="Times New Roman" panose="02020603050405020304" pitchFamily="18" charset="0"/>
+                        </a:rPr>
+                        <a:t>],</a:t>
+                      </a:r>
+                      <a:r>
+                        <a:rPr lang="en-US" sz="1000" kern="0" dirty="0">
+                          <a:solidFill>
+                            <a:srgbClr val="000000"/>
+                          </a:solidFill>
+                          <a:effectLst/>
+                          <a:latin typeface="Consolas" panose="020B0609020204030204" pitchFamily="49" charset="0"/>
+                          <a:ea typeface="新細明體" panose="02020500000000000000" pitchFamily="18" charset="-120"/>
+                          <a:cs typeface="Times New Roman" panose="02020603050405020304" pitchFamily="18" charset="0"/>
+                        </a:rPr>
+                        <a:t> decimals</a:t>
+                      </a:r>
+                      <a:r>
+                        <a:rPr lang="en-US" sz="1000" b="1" kern="0" dirty="0">
+                          <a:solidFill>
+                            <a:srgbClr val="000080"/>
+                          </a:solidFill>
+                          <a:effectLst/>
+                          <a:latin typeface="Consolas" panose="020B0609020204030204" pitchFamily="49" charset="0"/>
+                          <a:ea typeface="新細明體" panose="02020500000000000000" pitchFamily="18" charset="-120"/>
+                          <a:cs typeface="Times New Roman" panose="02020603050405020304" pitchFamily="18" charset="0"/>
+                        </a:rPr>
+                        <a:t>=</a:t>
                       </a:r>
                       <a:r>
                         <a:rPr lang="en-US" sz="1000" kern="0" dirty="0">
@@ -22746,235 +22770,19 @@
                           <a:ea typeface="新細明體" panose="02020500000000000000" pitchFamily="18" charset="-120"/>
                           <a:cs typeface="Times New Roman" panose="02020603050405020304" pitchFamily="18" charset="0"/>
                         </a:rPr>
-                        <a:t>0.0029</a:t>
-                      </a:r>
-                      <a:r>
-                        <a:rPr lang="en-US" sz="1000" kern="0" dirty="0">
-                          <a:solidFill>
-                            <a:srgbClr val="000000"/>
-                          </a:solidFill>
-                          <a:effectLst/>
-                          <a:latin typeface="Consolas" panose="020B0609020204030204" pitchFamily="49" charset="0"/>
-                          <a:ea typeface="新細明體" panose="02020500000000000000" pitchFamily="18" charset="-120"/>
-                          <a:cs typeface="Times New Roman" panose="02020603050405020304" pitchFamily="18" charset="0"/>
-                        </a:rPr>
-                        <a:t> </a:t>
-                      </a:r>
-                      <a:r>
-                        <a:rPr lang="en-US" sz="1000" b="1" kern="0" dirty="0">
-                          <a:solidFill>
-                            <a:srgbClr val="0000FF"/>
-                          </a:solidFill>
-                          <a:effectLst/>
-                          <a:latin typeface="Consolas" panose="020B0609020204030204" pitchFamily="49" charset="0"/>
-                          <a:ea typeface="新細明體" panose="02020500000000000000" pitchFamily="18" charset="-120"/>
-                          <a:cs typeface="Times New Roman" panose="02020603050405020304" pitchFamily="18" charset="0"/>
-                        </a:rPr>
-                        <a:t>and</a:t>
-                      </a:r>
-                      <a:r>
-                        <a:rPr lang="en-US" sz="1000" kern="0" dirty="0">
-                          <a:solidFill>
-                            <a:srgbClr val="000000"/>
-                          </a:solidFill>
-                          <a:effectLst/>
-                          <a:latin typeface="Consolas" panose="020B0609020204030204" pitchFamily="49" charset="0"/>
-                          <a:ea typeface="新細明體" panose="02020500000000000000" pitchFamily="18" charset="-120"/>
-                          <a:cs typeface="Times New Roman" panose="02020603050405020304" pitchFamily="18" charset="0"/>
-                        </a:rPr>
-                        <a:t> </a:t>
-                      </a:r>
-                      <a:r>
-                        <a:rPr lang="en-US" sz="1000" b="1" kern="0" dirty="0">
-                          <a:solidFill>
-                            <a:srgbClr val="880088"/>
-                          </a:solidFill>
-                          <a:effectLst/>
-                          <a:latin typeface="Consolas" panose="020B0609020204030204" pitchFamily="49" charset="0"/>
-                          <a:ea typeface="新細明體" panose="02020500000000000000" pitchFamily="18" charset="-120"/>
-                          <a:cs typeface="Times New Roman" panose="02020603050405020304" pitchFamily="18" charset="0"/>
-                        </a:rPr>
-                        <a:t>abs</a:t>
-                      </a:r>
-                      <a:r>
-                        <a:rPr lang="en-US" sz="1000" b="1" kern="0" dirty="0">
-                          <a:solidFill>
-                            <a:srgbClr val="000080"/>
-                          </a:solidFill>
-                          <a:effectLst/>
-                          <a:latin typeface="Consolas" panose="020B0609020204030204" pitchFamily="49" charset="0"/>
-                          <a:ea typeface="新細明體" panose="02020500000000000000" pitchFamily="18" charset="-120"/>
-                          <a:cs typeface="Times New Roman" panose="02020603050405020304" pitchFamily="18" charset="0"/>
-                        </a:rPr>
-                        <a:t>(</a:t>
-                      </a:r>
-                      <a:r>
-                        <a:rPr lang="en-US" sz="1000" kern="0" dirty="0" err="1">
-                          <a:solidFill>
-                            <a:srgbClr val="000000"/>
-                          </a:solidFill>
-                          <a:effectLst/>
-                          <a:latin typeface="Consolas" panose="020B0609020204030204" pitchFamily="49" charset="0"/>
-                          <a:ea typeface="新細明體" panose="02020500000000000000" pitchFamily="18" charset="-120"/>
-                          <a:cs typeface="Times New Roman" panose="02020603050405020304" pitchFamily="18" charset="0"/>
-                        </a:rPr>
-                        <a:t>sg_B</a:t>
-                      </a:r>
-                      <a:r>
-                        <a:rPr lang="en-US" sz="1000" b="1" kern="0" dirty="0">
-                          <a:solidFill>
-                            <a:srgbClr val="000080"/>
-                          </a:solidFill>
-                          <a:effectLst/>
-                          <a:latin typeface="Consolas" panose="020B0609020204030204" pitchFamily="49" charset="0"/>
-                          <a:ea typeface="新細明體" panose="02020500000000000000" pitchFamily="18" charset="-120"/>
-                          <a:cs typeface="Times New Roman" panose="02020603050405020304" pitchFamily="18" charset="0"/>
-                        </a:rPr>
-                        <a:t>[</a:t>
-                      </a:r>
-                      <a:r>
-                        <a:rPr lang="en-US" sz="1000" kern="0" dirty="0" err="1">
-                          <a:solidFill>
-                            <a:srgbClr val="000000"/>
-                          </a:solidFill>
-                          <a:effectLst/>
-                          <a:latin typeface="Consolas" panose="020B0609020204030204" pitchFamily="49" charset="0"/>
-                          <a:ea typeface="新細明體" panose="02020500000000000000" pitchFamily="18" charset="-120"/>
-                          <a:cs typeface="Times New Roman" panose="02020603050405020304" pitchFamily="18" charset="0"/>
-                        </a:rPr>
-                        <a:t>i</a:t>
-                      </a:r>
-                      <a:r>
-                        <a:rPr lang="en-US" sz="1000" b="1" kern="0" dirty="0">
-                          <a:solidFill>
-                            <a:srgbClr val="000080"/>
-                          </a:solidFill>
-                          <a:effectLst/>
-                          <a:latin typeface="Consolas" panose="020B0609020204030204" pitchFamily="49" charset="0"/>
-                          <a:ea typeface="新細明體" panose="02020500000000000000" pitchFamily="18" charset="-120"/>
-                          <a:cs typeface="Times New Roman" panose="02020603050405020304" pitchFamily="18" charset="0"/>
-                        </a:rPr>
-                        <a:t>][</a:t>
-                      </a:r>
-                      <a:r>
-                        <a:rPr lang="en-US" sz="1000" kern="0" dirty="0">
-                          <a:solidFill>
-                            <a:srgbClr val="000000"/>
-                          </a:solidFill>
-                          <a:effectLst/>
-                          <a:latin typeface="Consolas" panose="020B0609020204030204" pitchFamily="49" charset="0"/>
-                          <a:ea typeface="新細明體" panose="02020500000000000000" pitchFamily="18" charset="-120"/>
-                          <a:cs typeface="Times New Roman" panose="02020603050405020304" pitchFamily="18" charset="0"/>
-                        </a:rPr>
-                        <a:t>j</a:t>
-                      </a:r>
-                      <a:r>
-                        <a:rPr lang="en-US" sz="1000" b="1" kern="0" dirty="0">
-                          <a:solidFill>
-                            <a:srgbClr val="000080"/>
-                          </a:solidFill>
-                          <a:effectLst/>
-                          <a:latin typeface="Consolas" panose="020B0609020204030204" pitchFamily="49" charset="0"/>
-                          <a:ea typeface="新細明體" panose="02020500000000000000" pitchFamily="18" charset="-120"/>
-                          <a:cs typeface="Times New Roman" panose="02020603050405020304" pitchFamily="18" charset="0"/>
-                        </a:rPr>
-                        <a:t>])</a:t>
-                      </a:r>
-                      <a:r>
-                        <a:rPr lang="en-US" sz="1000" kern="0" dirty="0">
-                          <a:solidFill>
-                            <a:srgbClr val="000000"/>
-                          </a:solidFill>
-                          <a:effectLst/>
-                          <a:latin typeface="Consolas" panose="020B0609020204030204" pitchFamily="49" charset="0"/>
-                          <a:ea typeface="新細明體" panose="02020500000000000000" pitchFamily="18" charset="-120"/>
-                          <a:cs typeface="Times New Roman" panose="02020603050405020304" pitchFamily="18" charset="0"/>
-                        </a:rPr>
-                        <a:t> </a:t>
-                      </a:r>
-                      <a:r>
-                        <a:rPr lang="en-US" sz="1000" b="1" kern="0" dirty="0">
-                          <a:solidFill>
-                            <a:srgbClr val="000080"/>
-                          </a:solidFill>
-                          <a:effectLst/>
-                          <a:latin typeface="Consolas" panose="020B0609020204030204" pitchFamily="49" charset="0"/>
-                          <a:ea typeface="新細明體" panose="02020500000000000000" pitchFamily="18" charset="-120"/>
-                          <a:cs typeface="Times New Roman" panose="02020603050405020304" pitchFamily="18" charset="0"/>
-                        </a:rPr>
-                        <a:t>&lt;=</a:t>
-                      </a:r>
-                      <a:r>
-                        <a:rPr lang="en-US" sz="1000" kern="0" dirty="0">
-                          <a:solidFill>
-                            <a:srgbClr val="000000"/>
-                          </a:solidFill>
-                          <a:effectLst/>
-                          <a:latin typeface="Consolas" panose="020B0609020204030204" pitchFamily="49" charset="0"/>
-                          <a:ea typeface="新細明體" panose="02020500000000000000" pitchFamily="18" charset="-120"/>
-                          <a:cs typeface="Times New Roman" panose="02020603050405020304" pitchFamily="18" charset="0"/>
-                        </a:rPr>
-                        <a:t> </a:t>
-                      </a:r>
-                      <a:r>
-                        <a:rPr lang="en-US" sz="1000" kern="0" dirty="0">
-                          <a:solidFill>
-                            <a:srgbClr val="FF0000"/>
-                          </a:solidFill>
-                          <a:effectLst/>
-                          <a:latin typeface="Consolas" panose="020B0609020204030204" pitchFamily="49" charset="0"/>
-                          <a:ea typeface="新細明體" panose="02020500000000000000" pitchFamily="18" charset="-120"/>
-                          <a:cs typeface="Times New Roman" panose="02020603050405020304" pitchFamily="18" charset="0"/>
-                        </a:rPr>
-                        <a:t>0.0041</a:t>
-                      </a:r>
-                      <a:r>
-                        <a:rPr lang="en-US" sz="1000" kern="0" dirty="0">
-                          <a:solidFill>
-                            <a:srgbClr val="000000"/>
-                          </a:solidFill>
-                          <a:effectLst/>
-                          <a:latin typeface="Consolas" panose="020B0609020204030204" pitchFamily="49" charset="0"/>
-                          <a:ea typeface="新細明體" panose="02020500000000000000" pitchFamily="18" charset="-120"/>
-                          <a:cs typeface="Times New Roman" panose="02020603050405020304" pitchFamily="18" charset="0"/>
-                        </a:rPr>
-                        <a:t> </a:t>
-                      </a:r>
-                      <a:r>
-                        <a:rPr lang="en-US" sz="1000" b="1" kern="0" dirty="0">
-                          <a:solidFill>
-                            <a:srgbClr val="0000FF"/>
-                          </a:solidFill>
-                          <a:effectLst/>
-                          <a:latin typeface="Consolas" panose="020B0609020204030204" pitchFamily="49" charset="0"/>
-                          <a:ea typeface="新細明體" panose="02020500000000000000" pitchFamily="18" charset="-120"/>
-                          <a:cs typeface="Times New Roman" panose="02020603050405020304" pitchFamily="18" charset="0"/>
-                        </a:rPr>
-                        <a:t>else</a:t>
-                      </a:r>
-                      <a:r>
-                        <a:rPr lang="en-US" sz="1000" kern="0" dirty="0">
-                          <a:solidFill>
-                            <a:srgbClr val="000000"/>
-                          </a:solidFill>
-                          <a:effectLst/>
-                          <a:latin typeface="Consolas" panose="020B0609020204030204" pitchFamily="49" charset="0"/>
-                          <a:ea typeface="新細明體" panose="02020500000000000000" pitchFamily="18" charset="-120"/>
-                          <a:cs typeface="Times New Roman" panose="02020603050405020304" pitchFamily="18" charset="0"/>
-                        </a:rPr>
-                        <a:t> </a:t>
-                      </a:r>
-                      <a:r>
-                        <a:rPr lang="en-US" sz="1000" kern="0" dirty="0">
-                          <a:solidFill>
-                            <a:srgbClr val="FF0000"/>
-                          </a:solidFill>
-                          <a:effectLst/>
-                          <a:latin typeface="Consolas" panose="020B0609020204030204" pitchFamily="49" charset="0"/>
-                          <a:ea typeface="新細明體" panose="02020500000000000000" pitchFamily="18" charset="-120"/>
-                          <a:cs typeface="Times New Roman" panose="02020603050405020304" pitchFamily="18" charset="0"/>
-                        </a:rPr>
-                        <a:t>0</a:t>
+                        <a:t>4</a:t>
+                      </a:r>
+                      <a:r>
+                        <a:rPr lang="en-US" sz="1000" b="1" kern="0" dirty="0">
+                          <a:solidFill>
+                            <a:srgbClr val="000080"/>
+                          </a:solidFill>
+                          <a:effectLst/>
+                          <a:latin typeface="Consolas" panose="020B0609020204030204" pitchFamily="49" charset="0"/>
+                          <a:ea typeface="新細明體" panose="02020500000000000000" pitchFamily="18" charset="-120"/>
+                          <a:cs typeface="Times New Roman" panose="02020603050405020304" pitchFamily="18" charset="0"/>
+                        </a:rPr>
+                        <a:t>)))</a:t>
                       </a:r>
                       <a:endParaRPr lang="zh-TW" sz="1200" kern="100" dirty="0">
                         <a:effectLst/>
@@ -22994,43 +22802,19 @@
                           <a:ea typeface="新細明體" panose="02020500000000000000" pitchFamily="18" charset="-120"/>
                           <a:cs typeface="Times New Roman" panose="02020603050405020304" pitchFamily="18" charset="0"/>
                         </a:rPr>
-                        <a:t>           </a:t>
-                      </a:r>
-                      <a:r>
-                        <a:rPr lang="en-US" sz="1000" b="1" kern="0" dirty="0">
-                          <a:solidFill>
-                            <a:srgbClr val="0000FF"/>
-                          </a:solidFill>
-                          <a:effectLst/>
-                          <a:latin typeface="Consolas" panose="020B0609020204030204" pitchFamily="49" charset="0"/>
-                          <a:ea typeface="新細明體" panose="02020500000000000000" pitchFamily="18" charset="-120"/>
-                          <a:cs typeface="Times New Roman" panose="02020603050405020304" pitchFamily="18" charset="0"/>
-                        </a:rPr>
-                        <a:t>for</a:t>
-                      </a:r>
-                      <a:r>
-                        <a:rPr lang="en-US" sz="1000" kern="0" dirty="0">
-                          <a:solidFill>
-                            <a:srgbClr val="000000"/>
-                          </a:solidFill>
-                          <a:effectLst/>
-                          <a:latin typeface="Consolas" panose="020B0609020204030204" pitchFamily="49" charset="0"/>
-                          <a:ea typeface="新細明體" panose="02020500000000000000" pitchFamily="18" charset="-120"/>
-                          <a:cs typeface="Times New Roman" panose="02020603050405020304" pitchFamily="18" charset="0"/>
-                        </a:rPr>
-                        <a:t> j </a:t>
-                      </a:r>
-                      <a:r>
-                        <a:rPr lang="en-US" sz="1000" b="1" kern="0" dirty="0">
-                          <a:solidFill>
-                            <a:srgbClr val="0000FF"/>
-                          </a:solidFill>
-                          <a:effectLst/>
-                          <a:latin typeface="Consolas" panose="020B0609020204030204" pitchFamily="49" charset="0"/>
-                          <a:ea typeface="新細明體" panose="02020500000000000000" pitchFamily="18" charset="-120"/>
-                          <a:cs typeface="Times New Roman" panose="02020603050405020304" pitchFamily="18" charset="0"/>
-                        </a:rPr>
-                        <a:t>in</a:t>
+                        <a:t>counter </a:t>
+                      </a:r>
+                      <a:r>
+                        <a:rPr lang="en-US" sz="1000" b="1" kern="0" dirty="0">
+                          <a:solidFill>
+                            <a:srgbClr val="000080"/>
+                          </a:solidFill>
+                          <a:effectLst/>
+                          <a:latin typeface="Consolas" panose="020B0609020204030204" pitchFamily="49" charset="0"/>
+                          <a:ea typeface="新細明體" panose="02020500000000000000" pitchFamily="18" charset="-120"/>
+                          <a:cs typeface="Times New Roman" panose="02020603050405020304" pitchFamily="18" charset="0"/>
+                        </a:rPr>
+                        <a:t>=</a:t>
                       </a:r>
                       <a:r>
                         <a:rPr lang="en-US" sz="1000" kern="0" dirty="0">
@@ -23045,16 +22829,40 @@
                         <a:t> </a:t>
                       </a:r>
                       <a:r>
-                        <a:rPr lang="en-US" sz="1000" b="1" kern="0" dirty="0">
-                          <a:solidFill>
-                            <a:srgbClr val="880088"/>
-                          </a:solidFill>
-                          <a:effectLst/>
-                          <a:latin typeface="Consolas" panose="020B0609020204030204" pitchFamily="49" charset="0"/>
-                          <a:ea typeface="新細明體" panose="02020500000000000000" pitchFamily="18" charset="-120"/>
-                          <a:cs typeface="Times New Roman" panose="02020603050405020304" pitchFamily="18" charset="0"/>
-                        </a:rPr>
-                        <a:t>range</a:t>
+                        <a:rPr lang="en-US" sz="1000" kern="0" dirty="0" err="1">
+                          <a:solidFill>
+                            <a:srgbClr val="000000"/>
+                          </a:solidFill>
+                          <a:effectLst/>
+                          <a:latin typeface="Consolas" panose="020B0609020204030204" pitchFamily="49" charset="0"/>
+                          <a:ea typeface="新細明體" panose="02020500000000000000" pitchFamily="18" charset="-120"/>
+                          <a:cs typeface="Times New Roman" panose="02020603050405020304" pitchFamily="18" charset="0"/>
+                        </a:rPr>
+                        <a:t>collections</a:t>
+                      </a:r>
+                      <a:r>
+                        <a:rPr lang="en-US" sz="1000" b="1" kern="0" dirty="0" err="1">
+                          <a:solidFill>
+                            <a:srgbClr val="000080"/>
+                          </a:solidFill>
+                          <a:effectLst/>
+                          <a:latin typeface="Consolas" panose="020B0609020204030204" pitchFamily="49" charset="0"/>
+                          <a:ea typeface="新細明體" panose="02020500000000000000" pitchFamily="18" charset="-120"/>
+                          <a:cs typeface="Times New Roman" panose="02020603050405020304" pitchFamily="18" charset="0"/>
+                        </a:rPr>
+                        <a:t>.</a:t>
+                      </a:r>
+                      <a:r>
+                        <a:rPr lang="en-US" sz="1000" kern="0" dirty="0" err="1">
+                          <a:solidFill>
+                            <a:srgbClr val="000000"/>
+                          </a:solidFill>
+                          <a:effectLst/>
+                          <a:latin typeface="Consolas" panose="020B0609020204030204" pitchFamily="49" charset="0"/>
+                          <a:ea typeface="新細明體" panose="02020500000000000000" pitchFamily="18" charset="-120"/>
+                          <a:cs typeface="Times New Roman" panose="02020603050405020304" pitchFamily="18" charset="0"/>
+                        </a:rPr>
+                        <a:t>Counter</a:t>
                       </a:r>
                       <a:r>
                         <a:rPr lang="en-US" sz="1000" b="1" kern="0" dirty="0">
@@ -23069,30 +22877,6 @@
                         <a:t>(</a:t>
                       </a:r>
                       <a:r>
-                        <a:rPr lang="en-US" sz="1000" b="1" kern="0" dirty="0" err="1">
-                          <a:solidFill>
-                            <a:srgbClr val="880088"/>
-                          </a:solidFill>
-                          <a:effectLst/>
-                          <a:latin typeface="Consolas" panose="020B0609020204030204" pitchFamily="49" charset="0"/>
-                          <a:ea typeface="新細明體" panose="02020500000000000000" pitchFamily="18" charset="-120"/>
-                          <a:cs typeface="Times New Roman" panose="02020603050405020304" pitchFamily="18" charset="0"/>
-                        </a:rPr>
-                        <a:t>len</a:t>
-                      </a:r>
-                      <a:r>
-                        <a:rPr lang="en-US" sz="1000" b="1" kern="0" dirty="0">
-                          <a:solidFill>
-                            <a:srgbClr val="000080"/>
-                          </a:solidFill>
-                          <a:effectLst/>
-                          <a:latin typeface="Consolas" panose="020B0609020204030204" pitchFamily="49" charset="0"/>
-                          <a:ea typeface="新細明體" panose="02020500000000000000" pitchFamily="18" charset="-120"/>
-                          <a:cs typeface="Times New Roman" panose="02020603050405020304" pitchFamily="18" charset="0"/>
-                        </a:rPr>
-                        <a:t>(</a:t>
-                      </a:r>
-                      <a:r>
                         <a:rPr lang="en-US" sz="1000" kern="0" dirty="0" err="1">
                           <a:solidFill>
                             <a:srgbClr val="000000"/>
@@ -23102,199 +22886,19 @@
                           <a:ea typeface="新細明體" panose="02020500000000000000" pitchFamily="18" charset="-120"/>
                           <a:cs typeface="Times New Roman" panose="02020603050405020304" pitchFamily="18" charset="0"/>
                         </a:rPr>
-                        <a:t>sg_B</a:t>
-                      </a:r>
-                      <a:r>
-                        <a:rPr lang="en-US" sz="1000" b="1" kern="0" dirty="0">
-                          <a:solidFill>
-                            <a:srgbClr val="000080"/>
-                          </a:solidFill>
-                          <a:effectLst/>
-                          <a:latin typeface="Consolas" panose="020B0609020204030204" pitchFamily="49" charset="0"/>
-                          <a:ea typeface="新細明體" panose="02020500000000000000" pitchFamily="18" charset="-120"/>
-                          <a:cs typeface="Times New Roman" panose="02020603050405020304" pitchFamily="18" charset="0"/>
-                        </a:rPr>
-                        <a:t>[</a:t>
-                      </a:r>
-                      <a:r>
-                        <a:rPr lang="en-US" sz="1000" kern="0" dirty="0" err="1">
-                          <a:solidFill>
-                            <a:srgbClr val="000000"/>
-                          </a:solidFill>
-                          <a:effectLst/>
-                          <a:latin typeface="Consolas" panose="020B0609020204030204" pitchFamily="49" charset="0"/>
-                          <a:ea typeface="新細明體" panose="02020500000000000000" pitchFamily="18" charset="-120"/>
-                          <a:cs typeface="Times New Roman" panose="02020603050405020304" pitchFamily="18" charset="0"/>
-                        </a:rPr>
-                        <a:t>i</a:t>
-                      </a:r>
-                      <a:r>
-                        <a:rPr lang="en-US" sz="1000" b="1" kern="0" dirty="0">
-                          <a:solidFill>
-                            <a:srgbClr val="000080"/>
-                          </a:solidFill>
-                          <a:effectLst/>
-                          <a:latin typeface="Consolas" panose="020B0609020204030204" pitchFamily="49" charset="0"/>
-                          <a:ea typeface="新細明體" panose="02020500000000000000" pitchFamily="18" charset="-120"/>
-                          <a:cs typeface="Times New Roman" panose="02020603050405020304" pitchFamily="18" charset="0"/>
-                        </a:rPr>
-                        <a:t>]))]</a:t>
-                      </a:r>
-                      <a:r>
-                        <a:rPr lang="en-US" sz="1000" kern="0" dirty="0">
-                          <a:solidFill>
-                            <a:srgbClr val="000000"/>
-                          </a:solidFill>
-                          <a:effectLst/>
-                          <a:latin typeface="Consolas" panose="020B0609020204030204" pitchFamily="49" charset="0"/>
-                          <a:ea typeface="新細明體" panose="02020500000000000000" pitchFamily="18" charset="-120"/>
-                          <a:cs typeface="Times New Roman" panose="02020603050405020304" pitchFamily="18" charset="0"/>
-                        </a:rPr>
-                        <a:t> </a:t>
-                      </a:r>
-                      <a:r>
-                        <a:rPr lang="en-US" sz="1000" b="1" kern="0" dirty="0">
-                          <a:solidFill>
-                            <a:srgbClr val="0000FF"/>
-                          </a:solidFill>
-                          <a:effectLst/>
-                          <a:latin typeface="Consolas" panose="020B0609020204030204" pitchFamily="49" charset="0"/>
-                          <a:ea typeface="新細明體" panose="02020500000000000000" pitchFamily="18" charset="-120"/>
-                          <a:cs typeface="Times New Roman" panose="02020603050405020304" pitchFamily="18" charset="0"/>
-                        </a:rPr>
-                        <a:t>for</a:t>
-                      </a:r>
-                      <a:r>
-                        <a:rPr lang="en-US" sz="1000" kern="0" dirty="0">
-                          <a:solidFill>
-                            <a:srgbClr val="000000"/>
-                          </a:solidFill>
-                          <a:effectLst/>
-                          <a:latin typeface="Consolas" panose="020B0609020204030204" pitchFamily="49" charset="0"/>
-                          <a:ea typeface="新細明體" panose="02020500000000000000" pitchFamily="18" charset="-120"/>
-                          <a:cs typeface="Times New Roman" panose="02020603050405020304" pitchFamily="18" charset="0"/>
-                        </a:rPr>
-                        <a:t> </a:t>
-                      </a:r>
-                      <a:r>
-                        <a:rPr lang="en-US" sz="1000" kern="0" dirty="0" err="1">
-                          <a:solidFill>
-                            <a:srgbClr val="000000"/>
-                          </a:solidFill>
-                          <a:effectLst/>
-                          <a:latin typeface="Consolas" panose="020B0609020204030204" pitchFamily="49" charset="0"/>
-                          <a:ea typeface="新細明體" panose="02020500000000000000" pitchFamily="18" charset="-120"/>
-                          <a:cs typeface="Times New Roman" panose="02020603050405020304" pitchFamily="18" charset="0"/>
-                        </a:rPr>
-                        <a:t>i</a:t>
-                      </a:r>
-                      <a:r>
-                        <a:rPr lang="en-US" sz="1000" kern="0" dirty="0">
-                          <a:solidFill>
-                            <a:srgbClr val="000000"/>
-                          </a:solidFill>
-                          <a:effectLst/>
-                          <a:latin typeface="Consolas" panose="020B0609020204030204" pitchFamily="49" charset="0"/>
-                          <a:ea typeface="新細明體" panose="02020500000000000000" pitchFamily="18" charset="-120"/>
-                          <a:cs typeface="Times New Roman" panose="02020603050405020304" pitchFamily="18" charset="0"/>
-                        </a:rPr>
-                        <a:t> </a:t>
-                      </a:r>
-                      <a:r>
-                        <a:rPr lang="en-US" sz="1000" b="1" kern="0" dirty="0">
-                          <a:solidFill>
-                            <a:srgbClr val="0000FF"/>
-                          </a:solidFill>
-                          <a:effectLst/>
-                          <a:latin typeface="Consolas" panose="020B0609020204030204" pitchFamily="49" charset="0"/>
-                          <a:ea typeface="新細明體" panose="02020500000000000000" pitchFamily="18" charset="-120"/>
-                          <a:cs typeface="Times New Roman" panose="02020603050405020304" pitchFamily="18" charset="0"/>
-                        </a:rPr>
-                        <a:t>in</a:t>
-                      </a:r>
-                      <a:r>
-                        <a:rPr lang="en-US" sz="1000" kern="0" dirty="0">
-                          <a:solidFill>
-                            <a:srgbClr val="000000"/>
-                          </a:solidFill>
-                          <a:effectLst/>
-                          <a:latin typeface="Consolas" panose="020B0609020204030204" pitchFamily="49" charset="0"/>
-                          <a:ea typeface="新細明體" panose="02020500000000000000" pitchFamily="18" charset="-120"/>
-                          <a:cs typeface="Times New Roman" panose="02020603050405020304" pitchFamily="18" charset="0"/>
-                        </a:rPr>
-                        <a:t> </a:t>
-                      </a:r>
-                      <a:r>
-                        <a:rPr lang="en-US" sz="1000" b="1" kern="0" dirty="0">
-                          <a:solidFill>
-                            <a:srgbClr val="880088"/>
-                          </a:solidFill>
-                          <a:effectLst/>
-                          <a:latin typeface="Consolas" panose="020B0609020204030204" pitchFamily="49" charset="0"/>
-                          <a:ea typeface="新細明體" panose="02020500000000000000" pitchFamily="18" charset="-120"/>
-                          <a:cs typeface="Times New Roman" panose="02020603050405020304" pitchFamily="18" charset="0"/>
-                        </a:rPr>
-                        <a:t>range</a:t>
-                      </a:r>
-                      <a:r>
-                        <a:rPr lang="en-US" sz="1000" b="1" kern="0" dirty="0">
-                          <a:solidFill>
-                            <a:srgbClr val="000080"/>
-                          </a:solidFill>
-                          <a:effectLst/>
-                          <a:latin typeface="Consolas" panose="020B0609020204030204" pitchFamily="49" charset="0"/>
-                          <a:ea typeface="新細明體" panose="02020500000000000000" pitchFamily="18" charset="-120"/>
-                          <a:cs typeface="Times New Roman" panose="02020603050405020304" pitchFamily="18" charset="0"/>
-                        </a:rPr>
-                        <a:t>(</a:t>
-                      </a:r>
-                      <a:r>
-                        <a:rPr lang="en-US" sz="1000" b="1" kern="0" dirty="0" err="1">
-                          <a:solidFill>
-                            <a:srgbClr val="880088"/>
-                          </a:solidFill>
-                          <a:effectLst/>
-                          <a:latin typeface="Consolas" panose="020B0609020204030204" pitchFamily="49" charset="0"/>
-                          <a:ea typeface="新細明體" panose="02020500000000000000" pitchFamily="18" charset="-120"/>
-                          <a:cs typeface="Times New Roman" panose="02020603050405020304" pitchFamily="18" charset="0"/>
-                        </a:rPr>
-                        <a:t>len</a:t>
-                      </a:r>
-                      <a:r>
-                        <a:rPr lang="en-US" sz="1000" b="1" kern="0" dirty="0">
-                          <a:solidFill>
-                            <a:srgbClr val="000080"/>
-                          </a:solidFill>
-                          <a:effectLst/>
-                          <a:latin typeface="Consolas" panose="020B0609020204030204" pitchFamily="49" charset="0"/>
-                          <a:ea typeface="新細明體" panose="02020500000000000000" pitchFamily="18" charset="-120"/>
-                          <a:cs typeface="Times New Roman" panose="02020603050405020304" pitchFamily="18" charset="0"/>
-                        </a:rPr>
-                        <a:t>(</a:t>
-                      </a:r>
-                      <a:r>
-                        <a:rPr lang="en-US" sz="1000" kern="0" dirty="0" err="1">
-                          <a:solidFill>
-                            <a:srgbClr val="000000"/>
-                          </a:solidFill>
-                          <a:effectLst/>
-                          <a:latin typeface="Consolas" panose="020B0609020204030204" pitchFamily="49" charset="0"/>
-                          <a:ea typeface="新細明體" panose="02020500000000000000" pitchFamily="18" charset="-120"/>
-                          <a:cs typeface="Times New Roman" panose="02020603050405020304" pitchFamily="18" charset="0"/>
-                        </a:rPr>
-                        <a:t>sg_B</a:t>
-                      </a:r>
-                      <a:r>
-                        <a:rPr lang="en-US" sz="1000" b="1" kern="0" dirty="0">
-                          <a:solidFill>
-                            <a:srgbClr val="000080"/>
-                          </a:solidFill>
-                          <a:effectLst/>
-                          <a:latin typeface="Consolas" panose="020B0609020204030204" pitchFamily="49" charset="0"/>
-                          <a:ea typeface="新細明體" panose="02020500000000000000" pitchFamily="18" charset="-120"/>
-                          <a:cs typeface="Times New Roman" panose="02020603050405020304" pitchFamily="18" charset="0"/>
-                        </a:rPr>
-                        <a:t>))]</a:t>
+                        <a:t>temp_list</a:t>
+                      </a:r>
+                      <a:r>
+                        <a:rPr lang="en-US" sz="1000" b="1" kern="0" dirty="0">
+                          <a:solidFill>
+                            <a:srgbClr val="000080"/>
+                          </a:solidFill>
+                          <a:effectLst/>
+                          <a:latin typeface="Consolas" panose="020B0609020204030204" pitchFamily="49" charset="0"/>
+                          <a:ea typeface="新細明體" panose="02020500000000000000" pitchFamily="18" charset="-120"/>
+                          <a:cs typeface="Times New Roman" panose="02020603050405020304" pitchFamily="18" charset="0"/>
+                        </a:rPr>
+                        <a:t>)</a:t>
                       </a:r>
                       <a:endParaRPr lang="zh-TW" sz="1200" kern="100" dirty="0">
                         <a:effectLst/>
@@ -23305,16 +22909,100 @@
                     </a:p>
                     <a:p>
                       <a:r>
-                        <a:rPr lang="en-US" sz="1000" kern="0" dirty="0">
-                          <a:solidFill>
-                            <a:srgbClr val="000000"/>
-                          </a:solidFill>
-                          <a:effectLst/>
-                          <a:latin typeface="Consolas" panose="020B0609020204030204" pitchFamily="49" charset="0"/>
-                          <a:ea typeface="新細明體" panose="02020500000000000000" pitchFamily="18" charset="-120"/>
-                          <a:cs typeface="Times New Roman" panose="02020603050405020304" pitchFamily="18" charset="0"/>
-                        </a:rPr>
-                        <a:t> </a:t>
+                        <a:rPr lang="en-US" sz="1000" b="1" kern="0" dirty="0">
+                          <a:solidFill>
+                            <a:srgbClr val="880088"/>
+                          </a:solidFill>
+                          <a:effectLst/>
+                          <a:latin typeface="Consolas" panose="020B0609020204030204" pitchFamily="49" charset="0"/>
+                          <a:ea typeface="新細明體" panose="02020500000000000000" pitchFamily="18" charset="-120"/>
+                          <a:cs typeface="Times New Roman" panose="02020603050405020304" pitchFamily="18" charset="0"/>
+                        </a:rPr>
+                        <a:t>print</a:t>
+                      </a:r>
+                      <a:r>
+                        <a:rPr lang="en-US" sz="1000" b="1" kern="0" dirty="0">
+                          <a:solidFill>
+                            <a:srgbClr val="000080"/>
+                          </a:solidFill>
+                          <a:effectLst/>
+                          <a:latin typeface="Consolas" panose="020B0609020204030204" pitchFamily="49" charset="0"/>
+                          <a:ea typeface="新細明體" panose="02020500000000000000" pitchFamily="18" charset="-120"/>
+                          <a:cs typeface="Times New Roman" panose="02020603050405020304" pitchFamily="18" charset="0"/>
+                        </a:rPr>
+                        <a:t>(</a:t>
+                      </a:r>
+                      <a:r>
+                        <a:rPr lang="en-US" sz="1000" kern="0" dirty="0">
+                          <a:solidFill>
+                            <a:srgbClr val="808080"/>
+                          </a:solidFill>
+                          <a:effectLst/>
+                          <a:latin typeface="Consolas" panose="020B0609020204030204" pitchFamily="49" charset="0"/>
+                          <a:ea typeface="新細明體" panose="02020500000000000000" pitchFamily="18" charset="-120"/>
+                          <a:cs typeface="Times New Roman" panose="02020603050405020304" pitchFamily="18" charset="0"/>
+                        </a:rPr>
+                        <a:t>'Frequency of each value in </a:t>
+                      </a:r>
+                      <a:r>
+                        <a:rPr lang="en-US" sz="1000" kern="0" dirty="0" err="1">
+                          <a:solidFill>
+                            <a:srgbClr val="808080"/>
+                          </a:solidFill>
+                          <a:effectLst/>
+                          <a:latin typeface="Consolas" panose="020B0609020204030204" pitchFamily="49" charset="0"/>
+                          <a:ea typeface="新細明體" panose="02020500000000000000" pitchFamily="18" charset="-120"/>
+                          <a:cs typeface="Times New Roman" panose="02020603050405020304" pitchFamily="18" charset="0"/>
+                        </a:rPr>
+                        <a:t>sg_B</a:t>
+                      </a:r>
+                      <a:r>
+                        <a:rPr lang="en-US" sz="1000" kern="0" dirty="0">
+                          <a:solidFill>
+                            <a:srgbClr val="808080"/>
+                          </a:solidFill>
+                          <a:effectLst/>
+                          <a:latin typeface="Consolas" panose="020B0609020204030204" pitchFamily="49" charset="0"/>
+                          <a:ea typeface="新細明體" panose="02020500000000000000" pitchFamily="18" charset="-120"/>
+                          <a:cs typeface="Times New Roman" panose="02020603050405020304" pitchFamily="18" charset="0"/>
+                        </a:rPr>
+                        <a:t>[0]: '</a:t>
+                      </a:r>
+                      <a:r>
+                        <a:rPr lang="en-US" sz="1000" b="1" kern="0" dirty="0">
+                          <a:solidFill>
+                            <a:srgbClr val="000080"/>
+                          </a:solidFill>
+                          <a:effectLst/>
+                          <a:latin typeface="Consolas" panose="020B0609020204030204" pitchFamily="49" charset="0"/>
+                          <a:ea typeface="新細明體" panose="02020500000000000000" pitchFamily="18" charset="-120"/>
+                          <a:cs typeface="Times New Roman" panose="02020603050405020304" pitchFamily="18" charset="0"/>
+                        </a:rPr>
+                        <a:t>,</a:t>
+                      </a:r>
+                      <a:r>
+                        <a:rPr lang="en-US" sz="1000" kern="0" dirty="0">
+                          <a:solidFill>
+                            <a:srgbClr val="000000"/>
+                          </a:solidFill>
+                          <a:effectLst/>
+                          <a:latin typeface="Consolas" panose="020B0609020204030204" pitchFamily="49" charset="0"/>
+                          <a:ea typeface="新細明體" panose="02020500000000000000" pitchFamily="18" charset="-120"/>
+                          <a:cs typeface="Times New Roman" panose="02020603050405020304" pitchFamily="18" charset="0"/>
+                        </a:rPr>
+                        <a:t> counter</a:t>
+                      </a:r>
+                      <a:r>
+                        <a:rPr lang="en-US" sz="1000" b="1" kern="0" dirty="0">
+                          <a:solidFill>
+                            <a:srgbClr val="000080"/>
+                          </a:solidFill>
+                          <a:effectLst/>
+                          <a:latin typeface="Consolas" panose="020B0609020204030204" pitchFamily="49" charset="0"/>
+                          <a:ea typeface="新細明體" panose="02020500000000000000" pitchFamily="18" charset="-120"/>
+                          <a:cs typeface="Times New Roman" panose="02020603050405020304" pitchFamily="18" charset="0"/>
+                        </a:rPr>
+                        <a:t>)</a:t>
                       </a:r>
                       <a:endParaRPr lang="zh-TW" sz="1200" kern="100" dirty="0">
                         <a:effectLst/>
@@ -23325,6 +23013,42 @@
                     </a:p>
                     <a:p>
                       <a:r>
+                        <a:rPr lang="en-US" sz="1000" kern="0" dirty="0">
+                          <a:solidFill>
+                            <a:srgbClr val="000000"/>
+                          </a:solidFill>
+                          <a:effectLst/>
+                          <a:latin typeface="Consolas" panose="020B0609020204030204" pitchFamily="49" charset="0"/>
+                          <a:ea typeface="新細明體" panose="02020500000000000000" pitchFamily="18" charset="-120"/>
+                          <a:cs typeface="Times New Roman" panose="02020603050405020304" pitchFamily="18" charset="0"/>
+                        </a:rPr>
+                        <a:t>upper </a:t>
+                      </a:r>
+                      <a:r>
+                        <a:rPr lang="en-US" sz="1000" b="1" kern="0" dirty="0">
+                          <a:solidFill>
+                            <a:srgbClr val="000080"/>
+                          </a:solidFill>
+                          <a:effectLst/>
+                          <a:latin typeface="Consolas" panose="020B0609020204030204" pitchFamily="49" charset="0"/>
+                          <a:ea typeface="新細明體" panose="02020500000000000000" pitchFamily="18" charset="-120"/>
+                          <a:cs typeface="Times New Roman" panose="02020603050405020304" pitchFamily="18" charset="0"/>
+                        </a:rPr>
+                        <a:t>=</a:t>
+                      </a:r>
+                      <a:r>
+                        <a:rPr lang="en-US" sz="1000" kern="0" dirty="0">
+                          <a:solidFill>
+                            <a:srgbClr val="000000"/>
+                          </a:solidFill>
+                          <a:effectLst/>
+                          <a:latin typeface="Consolas" panose="020B0609020204030204" pitchFamily="49" charset="0"/>
+                          <a:ea typeface="新細明體" panose="02020500000000000000" pitchFamily="18" charset="-120"/>
+                          <a:cs typeface="Times New Roman" panose="02020603050405020304" pitchFamily="18" charset="0"/>
+                        </a:rPr>
+                        <a:t> </a:t>
+                      </a:r>
+                      <a:r>
                         <a:rPr lang="en-US" sz="1000" kern="0" dirty="0" err="1">
                           <a:solidFill>
                             <a:srgbClr val="000000"/>
@@ -23334,43 +23058,19 @@
                           <a:ea typeface="新細明體" panose="02020500000000000000" pitchFamily="18" charset="-120"/>
                           <a:cs typeface="Times New Roman" panose="02020603050405020304" pitchFamily="18" charset="0"/>
                         </a:rPr>
-                        <a:t>spike_abs_B_lower_noise</a:t>
-                      </a:r>
-                      <a:r>
-                        <a:rPr lang="en-US" sz="1000" kern="0" dirty="0">
-                          <a:solidFill>
-                            <a:srgbClr val="000000"/>
-                          </a:solidFill>
-                          <a:effectLst/>
-                          <a:latin typeface="Consolas" panose="020B0609020204030204" pitchFamily="49" charset="0"/>
-                          <a:ea typeface="新細明體" panose="02020500000000000000" pitchFamily="18" charset="-120"/>
-                          <a:cs typeface="Times New Roman" panose="02020603050405020304" pitchFamily="18" charset="0"/>
-                        </a:rPr>
-                        <a:t> </a:t>
-                      </a:r>
-                      <a:r>
-                        <a:rPr lang="en-US" sz="1000" b="1" kern="0" dirty="0">
-                          <a:solidFill>
-                            <a:srgbClr val="000080"/>
-                          </a:solidFill>
-                          <a:effectLst/>
-                          <a:latin typeface="Consolas" panose="020B0609020204030204" pitchFamily="49" charset="0"/>
-                          <a:ea typeface="新細明體" panose="02020500000000000000" pitchFamily="18" charset="-120"/>
-                          <a:cs typeface="Times New Roman" panose="02020603050405020304" pitchFamily="18" charset="0"/>
-                        </a:rPr>
-                        <a:t>=</a:t>
-                      </a:r>
-                      <a:r>
-                        <a:rPr lang="en-US" sz="1000" kern="0" dirty="0">
-                          <a:solidFill>
-                            <a:srgbClr val="000000"/>
-                          </a:solidFill>
-                          <a:effectLst/>
-                          <a:latin typeface="Consolas" panose="020B0609020204030204" pitchFamily="49" charset="0"/>
-                          <a:ea typeface="新細明體" panose="02020500000000000000" pitchFamily="18" charset="-120"/>
-                          <a:cs typeface="Times New Roman" panose="02020603050405020304" pitchFamily="18" charset="0"/>
-                        </a:rPr>
-                        <a:t> </a:t>
+                        <a:t>counter</a:t>
+                      </a:r>
+                      <a:r>
+                        <a:rPr lang="en-US" sz="1000" b="1" kern="0" dirty="0" err="1">
+                          <a:solidFill>
+                            <a:srgbClr val="000080"/>
+                          </a:solidFill>
+                          <a:effectLst/>
+                          <a:latin typeface="Consolas" panose="020B0609020204030204" pitchFamily="49" charset="0"/>
+                          <a:ea typeface="新細明體" panose="02020500000000000000" pitchFamily="18" charset="-120"/>
+                          <a:cs typeface="Times New Roman" panose="02020603050405020304" pitchFamily="18" charset="0"/>
+                        </a:rPr>
+                        <a:t>.</a:t>
                       </a:r>
                       <a:r>
                         <a:rPr lang="en-US" sz="1000" kern="0" dirty="0" err="1">
@@ -23382,55 +23082,67 @@
                           <a:ea typeface="新細明體" panose="02020500000000000000" pitchFamily="18" charset="-120"/>
                           <a:cs typeface="Times New Roman" panose="02020603050405020304" pitchFamily="18" charset="0"/>
                         </a:rPr>
-                        <a:t>spike_abs_B</a:t>
-                      </a:r>
-                      <a:r>
-                        <a:rPr lang="en-US" sz="1000" kern="0" dirty="0">
-                          <a:solidFill>
-                            <a:srgbClr val="000000"/>
-                          </a:solidFill>
-                          <a:effectLst/>
-                          <a:latin typeface="Consolas" panose="020B0609020204030204" pitchFamily="49" charset="0"/>
-                          <a:ea typeface="新細明體" panose="02020500000000000000" pitchFamily="18" charset="-120"/>
-                          <a:cs typeface="Times New Roman" panose="02020603050405020304" pitchFamily="18" charset="0"/>
-                        </a:rPr>
-                        <a:t> </a:t>
-                      </a:r>
-                      <a:r>
-                        <a:rPr lang="en-US" sz="1000" b="1" kern="0" dirty="0">
-                          <a:solidFill>
-                            <a:srgbClr val="000080"/>
-                          </a:solidFill>
-                          <a:effectLst/>
-                          <a:latin typeface="Consolas" panose="020B0609020204030204" pitchFamily="49" charset="0"/>
-                          <a:ea typeface="新細明體" panose="02020500000000000000" pitchFamily="18" charset="-120"/>
-                          <a:cs typeface="Times New Roman" panose="02020603050405020304" pitchFamily="18" charset="0"/>
-                        </a:rPr>
-                        <a:t>*</a:t>
-                      </a:r>
-                      <a:r>
-                        <a:rPr lang="en-US" sz="1000" kern="0" dirty="0">
-                          <a:solidFill>
-                            <a:srgbClr val="000000"/>
-                          </a:solidFill>
-                          <a:effectLst/>
-                          <a:latin typeface="Consolas" panose="020B0609020204030204" pitchFamily="49" charset="0"/>
-                          <a:ea typeface="新細明體" panose="02020500000000000000" pitchFamily="18" charset="-120"/>
-                          <a:cs typeface="Times New Roman" panose="02020603050405020304" pitchFamily="18" charset="0"/>
-                        </a:rPr>
-                        <a:t> </a:t>
-                      </a:r>
-                      <a:r>
-                        <a:rPr lang="en-US" sz="1000" kern="0" dirty="0" err="1">
-                          <a:solidFill>
-                            <a:srgbClr val="000000"/>
-                          </a:solidFill>
-                          <a:effectLst/>
-                          <a:latin typeface="Consolas" panose="020B0609020204030204" pitchFamily="49" charset="0"/>
-                          <a:ea typeface="新細明體" panose="02020500000000000000" pitchFamily="18" charset="-120"/>
-                          <a:cs typeface="Times New Roman" panose="02020603050405020304" pitchFamily="18" charset="0"/>
-                        </a:rPr>
-                        <a:t>work_B</a:t>
+                        <a:t>most_common</a:t>
+                      </a:r>
+                      <a:r>
+                        <a:rPr lang="en-US" sz="1000" b="1" kern="0" dirty="0">
+                          <a:solidFill>
+                            <a:srgbClr val="000080"/>
+                          </a:solidFill>
+                          <a:effectLst/>
+                          <a:latin typeface="Consolas" panose="020B0609020204030204" pitchFamily="49" charset="0"/>
+                          <a:ea typeface="新細明體" panose="02020500000000000000" pitchFamily="18" charset="-120"/>
+                          <a:cs typeface="Times New Roman" panose="02020603050405020304" pitchFamily="18" charset="0"/>
+                        </a:rPr>
+                        <a:t>()[</a:t>
+                      </a:r>
+                      <a:r>
+                        <a:rPr lang="en-US" sz="1000" kern="0" dirty="0">
+                          <a:solidFill>
+                            <a:srgbClr val="FF0000"/>
+                          </a:solidFill>
+                          <a:effectLst/>
+                          <a:latin typeface="Consolas" panose="020B0609020204030204" pitchFamily="49" charset="0"/>
+                          <a:ea typeface="新細明體" panose="02020500000000000000" pitchFamily="18" charset="-120"/>
+                          <a:cs typeface="Times New Roman" panose="02020603050405020304" pitchFamily="18" charset="0"/>
+                        </a:rPr>
+                        <a:t>0</a:t>
+                      </a:r>
+                      <a:r>
+                        <a:rPr lang="en-US" sz="1000" b="1" kern="0" dirty="0">
+                          <a:solidFill>
+                            <a:srgbClr val="000080"/>
+                          </a:solidFill>
+                          <a:effectLst/>
+                          <a:latin typeface="Consolas" panose="020B0609020204030204" pitchFamily="49" charset="0"/>
+                          <a:ea typeface="新細明體" panose="02020500000000000000" pitchFamily="18" charset="-120"/>
+                          <a:cs typeface="Times New Roman" panose="02020603050405020304" pitchFamily="18" charset="0"/>
+                        </a:rPr>
+                        <a:t>][</a:t>
+                      </a:r>
+                      <a:r>
+                        <a:rPr lang="en-US" sz="1000" kern="0" dirty="0">
+                          <a:solidFill>
+                            <a:srgbClr val="FF0000"/>
+                          </a:solidFill>
+                          <a:effectLst/>
+                          <a:latin typeface="Consolas" panose="020B0609020204030204" pitchFamily="49" charset="0"/>
+                          <a:ea typeface="新細明體" panose="02020500000000000000" pitchFamily="18" charset="-120"/>
+                          <a:cs typeface="Times New Roman" panose="02020603050405020304" pitchFamily="18" charset="0"/>
+                        </a:rPr>
+                        <a:t>0</a:t>
+                      </a:r>
+                      <a:r>
+                        <a:rPr lang="en-US" sz="1000" b="1" kern="0" dirty="0">
+                          <a:solidFill>
+                            <a:srgbClr val="000080"/>
+                          </a:solidFill>
+                          <a:effectLst/>
+                          <a:latin typeface="Consolas" panose="020B0609020204030204" pitchFamily="49" charset="0"/>
+                          <a:ea typeface="新細明體" panose="02020500000000000000" pitchFamily="18" charset="-120"/>
+                          <a:cs typeface="Times New Roman" panose="02020603050405020304" pitchFamily="18" charset="0"/>
+                        </a:rPr>
+                        <a:t>]</a:t>
                       </a:r>
                       <a:endParaRPr lang="zh-TW" sz="1200" kern="100" dirty="0">
                         <a:effectLst/>
@@ -23441,6 +23153,42 @@
                     </a:p>
                     <a:p>
                       <a:r>
+                        <a:rPr lang="en-US" sz="1000" kern="0" dirty="0">
+                          <a:solidFill>
+                            <a:srgbClr val="000000"/>
+                          </a:solidFill>
+                          <a:effectLst/>
+                          <a:latin typeface="Consolas" panose="020B0609020204030204" pitchFamily="49" charset="0"/>
+                          <a:ea typeface="新細明體" panose="02020500000000000000" pitchFamily="18" charset="-120"/>
+                          <a:cs typeface="Times New Roman" panose="02020603050405020304" pitchFamily="18" charset="0"/>
+                        </a:rPr>
+                        <a:t>lower </a:t>
+                      </a:r>
+                      <a:r>
+                        <a:rPr lang="en-US" sz="1000" b="1" kern="0" dirty="0">
+                          <a:solidFill>
+                            <a:srgbClr val="000080"/>
+                          </a:solidFill>
+                          <a:effectLst/>
+                          <a:latin typeface="Consolas" panose="020B0609020204030204" pitchFamily="49" charset="0"/>
+                          <a:ea typeface="新細明體" panose="02020500000000000000" pitchFamily="18" charset="-120"/>
+                          <a:cs typeface="Times New Roman" panose="02020603050405020304" pitchFamily="18" charset="0"/>
+                        </a:rPr>
+                        <a:t>=</a:t>
+                      </a:r>
+                      <a:r>
+                        <a:rPr lang="en-US" sz="1000" kern="0" dirty="0">
+                          <a:solidFill>
+                            <a:srgbClr val="000000"/>
+                          </a:solidFill>
+                          <a:effectLst/>
+                          <a:latin typeface="Consolas" panose="020B0609020204030204" pitchFamily="49" charset="0"/>
+                          <a:ea typeface="新細明體" panose="02020500000000000000" pitchFamily="18" charset="-120"/>
+                          <a:cs typeface="Times New Roman" panose="02020603050405020304" pitchFamily="18" charset="0"/>
+                        </a:rPr>
+                        <a:t> </a:t>
+                      </a:r>
+                      <a:r>
                         <a:rPr lang="en-US" sz="1000" kern="0" dirty="0" err="1">
                           <a:solidFill>
                             <a:srgbClr val="000000"/>
@@ -23450,7 +23198,251 @@
                           <a:ea typeface="新細明體" panose="02020500000000000000" pitchFamily="18" charset="-120"/>
                           <a:cs typeface="Times New Roman" panose="02020603050405020304" pitchFamily="18" charset="0"/>
                         </a:rPr>
-                        <a:t>spike_B_lower_noise</a:t>
+                        <a:t>counter</a:t>
+                      </a:r>
+                      <a:r>
+                        <a:rPr lang="en-US" sz="1000" b="1" kern="0" dirty="0" err="1">
+                          <a:solidFill>
+                            <a:srgbClr val="000080"/>
+                          </a:solidFill>
+                          <a:effectLst/>
+                          <a:latin typeface="Consolas" panose="020B0609020204030204" pitchFamily="49" charset="0"/>
+                          <a:ea typeface="新細明體" panose="02020500000000000000" pitchFamily="18" charset="-120"/>
+                          <a:cs typeface="Times New Roman" panose="02020603050405020304" pitchFamily="18" charset="0"/>
+                        </a:rPr>
+                        <a:t>.</a:t>
+                      </a:r>
+                      <a:r>
+                        <a:rPr lang="en-US" sz="1000" kern="0" dirty="0" err="1">
+                          <a:solidFill>
+                            <a:srgbClr val="000000"/>
+                          </a:solidFill>
+                          <a:effectLst/>
+                          <a:latin typeface="Consolas" panose="020B0609020204030204" pitchFamily="49" charset="0"/>
+                          <a:ea typeface="新細明體" panose="02020500000000000000" pitchFamily="18" charset="-120"/>
+                          <a:cs typeface="Times New Roman" panose="02020603050405020304" pitchFamily="18" charset="0"/>
+                        </a:rPr>
+                        <a:t>most_common</a:t>
+                      </a:r>
+                      <a:r>
+                        <a:rPr lang="en-US" sz="1000" b="1" kern="0" dirty="0">
+                          <a:solidFill>
+                            <a:srgbClr val="000080"/>
+                          </a:solidFill>
+                          <a:effectLst/>
+                          <a:latin typeface="Consolas" panose="020B0609020204030204" pitchFamily="49" charset="0"/>
+                          <a:ea typeface="新細明體" panose="02020500000000000000" pitchFamily="18" charset="-120"/>
+                          <a:cs typeface="Times New Roman" panose="02020603050405020304" pitchFamily="18" charset="0"/>
+                        </a:rPr>
+                        <a:t>()[</a:t>
+                      </a:r>
+                      <a:r>
+                        <a:rPr lang="en-US" sz="1000" kern="0" dirty="0">
+                          <a:solidFill>
+                            <a:srgbClr val="FF0000"/>
+                          </a:solidFill>
+                          <a:effectLst/>
+                          <a:latin typeface="Consolas" panose="020B0609020204030204" pitchFamily="49" charset="0"/>
+                          <a:ea typeface="新細明體" panose="02020500000000000000" pitchFamily="18" charset="-120"/>
+                          <a:cs typeface="Times New Roman" panose="02020603050405020304" pitchFamily="18" charset="0"/>
+                        </a:rPr>
+                        <a:t>1</a:t>
+                      </a:r>
+                      <a:r>
+                        <a:rPr lang="en-US" sz="1000" b="1" kern="0" dirty="0">
+                          <a:solidFill>
+                            <a:srgbClr val="000080"/>
+                          </a:solidFill>
+                          <a:effectLst/>
+                          <a:latin typeface="Consolas" panose="020B0609020204030204" pitchFamily="49" charset="0"/>
+                          <a:ea typeface="新細明體" panose="02020500000000000000" pitchFamily="18" charset="-120"/>
+                          <a:cs typeface="Times New Roman" panose="02020603050405020304" pitchFamily="18" charset="0"/>
+                        </a:rPr>
+                        <a:t>][</a:t>
+                      </a:r>
+                      <a:r>
+                        <a:rPr lang="en-US" sz="1000" kern="0" dirty="0">
+                          <a:solidFill>
+                            <a:srgbClr val="FF0000"/>
+                          </a:solidFill>
+                          <a:effectLst/>
+                          <a:latin typeface="Consolas" panose="020B0609020204030204" pitchFamily="49" charset="0"/>
+                          <a:ea typeface="新細明體" panose="02020500000000000000" pitchFamily="18" charset="-120"/>
+                          <a:cs typeface="Times New Roman" panose="02020603050405020304" pitchFamily="18" charset="0"/>
+                        </a:rPr>
+                        <a:t>0</a:t>
+                      </a:r>
+                      <a:r>
+                        <a:rPr lang="en-US" sz="1000" b="1" kern="0" dirty="0">
+                          <a:solidFill>
+                            <a:srgbClr val="000080"/>
+                          </a:solidFill>
+                          <a:effectLst/>
+                          <a:latin typeface="Consolas" panose="020B0609020204030204" pitchFamily="49" charset="0"/>
+                          <a:ea typeface="新細明體" panose="02020500000000000000" pitchFamily="18" charset="-120"/>
+                          <a:cs typeface="Times New Roman" panose="02020603050405020304" pitchFamily="18" charset="0"/>
+                        </a:rPr>
+                        <a:t>]</a:t>
+                      </a:r>
+                      <a:endParaRPr lang="zh-TW" sz="1200" kern="100" dirty="0">
+                        <a:effectLst/>
+                        <a:latin typeface="Consolas" panose="020B0609020204030204" pitchFamily="49" charset="0"/>
+                        <a:ea typeface="新細明體" panose="02020500000000000000" pitchFamily="18" charset="-120"/>
+                        <a:cs typeface="Times New Roman" panose="02020603050405020304" pitchFamily="18" charset="0"/>
+                      </a:endParaRPr>
+                    </a:p>
+                    <a:p>
+                      <a:pPr marL="0" algn="l" defTabSz="914400" rtl="0" eaLnBrk="1" latinLnBrk="0" hangingPunct="1"/>
+                      <a:r>
+                        <a:rPr lang="en-US" sz="1000" b="1" kern="0" dirty="0">
+                          <a:solidFill>
+                            <a:srgbClr val="880088"/>
+                          </a:solidFill>
+                          <a:effectLst/>
+                          <a:latin typeface="Consolas" panose="020B0609020204030204" pitchFamily="49" charset="0"/>
+                          <a:ea typeface="新細明體" panose="02020500000000000000" pitchFamily="18" charset="-120"/>
+                          <a:cs typeface="Times New Roman" panose="02020603050405020304" pitchFamily="18" charset="0"/>
+                        </a:rPr>
+                        <a:t>print</a:t>
+                      </a:r>
+                      <a:r>
+                        <a:rPr lang="en-US" sz="1000" b="1" kern="0" dirty="0">
+                          <a:solidFill>
+                            <a:srgbClr val="000080"/>
+                          </a:solidFill>
+                          <a:effectLst/>
+                          <a:latin typeface="Consolas" panose="020B0609020204030204" pitchFamily="49" charset="0"/>
+                          <a:ea typeface="新細明體" panose="02020500000000000000" pitchFamily="18" charset="-120"/>
+                          <a:cs typeface="Times New Roman" panose="02020603050405020304" pitchFamily="18" charset="0"/>
+                        </a:rPr>
+                        <a:t>(</a:t>
+                      </a:r>
+                      <a:r>
+                        <a:rPr lang="en-US" sz="1000" kern="0" dirty="0">
+                          <a:solidFill>
+                            <a:srgbClr val="808080"/>
+                          </a:solidFill>
+                          <a:effectLst/>
+                          <a:latin typeface="Consolas" panose="020B0609020204030204" pitchFamily="49" charset="0"/>
+                          <a:ea typeface="新細明體" panose="02020500000000000000" pitchFamily="18" charset="-120"/>
+                          <a:cs typeface="Times New Roman" panose="02020603050405020304" pitchFamily="18" charset="0"/>
+                        </a:rPr>
+                        <a:t>'B upper and lower'</a:t>
+                      </a:r>
+                      <a:r>
+                        <a:rPr lang="en-US" sz="1000" b="1" kern="0" dirty="0">
+                          <a:solidFill>
+                            <a:srgbClr val="000080"/>
+                          </a:solidFill>
+                          <a:effectLst/>
+                          <a:latin typeface="Consolas" panose="020B0609020204030204" pitchFamily="49" charset="0"/>
+                          <a:ea typeface="新細明體" panose="02020500000000000000" pitchFamily="18" charset="-120"/>
+                          <a:cs typeface="Times New Roman" panose="02020603050405020304" pitchFamily="18" charset="0"/>
+                        </a:rPr>
+                        <a:t>,</a:t>
+                      </a:r>
+                      <a:r>
+                        <a:rPr lang="en-US" sz="1000" kern="0" dirty="0">
+                          <a:solidFill>
+                            <a:srgbClr val="000000"/>
+                          </a:solidFill>
+                          <a:effectLst/>
+                          <a:latin typeface="Consolas" panose="020B0609020204030204" pitchFamily="49" charset="0"/>
+                          <a:ea typeface="新細明體" panose="02020500000000000000" pitchFamily="18" charset="-120"/>
+                          <a:cs typeface="Times New Roman" panose="02020603050405020304" pitchFamily="18" charset="0"/>
+                        </a:rPr>
+                        <a:t> upper</a:t>
+                      </a:r>
+                      <a:r>
+                        <a:rPr lang="en-US" sz="1000" b="1" kern="0" dirty="0">
+                          <a:solidFill>
+                            <a:srgbClr val="000080"/>
+                          </a:solidFill>
+                          <a:effectLst/>
+                          <a:latin typeface="Consolas" panose="020B0609020204030204" pitchFamily="49" charset="0"/>
+                          <a:ea typeface="新細明體" panose="02020500000000000000" pitchFamily="18" charset="-120"/>
+                          <a:cs typeface="Times New Roman" panose="02020603050405020304" pitchFamily="18" charset="0"/>
+                        </a:rPr>
+                        <a:t>,</a:t>
+                      </a:r>
+                      <a:r>
+                        <a:rPr lang="en-US" sz="1000" kern="0" dirty="0">
+                          <a:solidFill>
+                            <a:srgbClr val="000000"/>
+                          </a:solidFill>
+                          <a:effectLst/>
+                          <a:latin typeface="Consolas" panose="020B0609020204030204" pitchFamily="49" charset="0"/>
+                          <a:ea typeface="新細明體" panose="02020500000000000000" pitchFamily="18" charset="-120"/>
+                          <a:cs typeface="Times New Roman" panose="02020603050405020304" pitchFamily="18" charset="0"/>
+                        </a:rPr>
+                        <a:t> lower</a:t>
+                      </a:r>
+                      <a:r>
+                        <a:rPr lang="en-US" sz="1000" b="1" kern="0" dirty="0">
+                          <a:solidFill>
+                            <a:srgbClr val="000080"/>
+                          </a:solidFill>
+                          <a:effectLst/>
+                          <a:latin typeface="Consolas" panose="020B0609020204030204" pitchFamily="49" charset="0"/>
+                          <a:ea typeface="新細明體" panose="02020500000000000000" pitchFamily="18" charset="-120"/>
+                          <a:cs typeface="Times New Roman" panose="02020603050405020304" pitchFamily="18" charset="0"/>
+                        </a:rPr>
+                        <a:t>) </a:t>
+                      </a:r>
+                      <a:r>
+                        <a:rPr lang="en-US" sz="1000" kern="0" dirty="0">
+                          <a:solidFill>
+                            <a:srgbClr val="008000"/>
+                          </a:solidFill>
+                          <a:effectLst/>
+                          <a:latin typeface="Consolas" panose="020B0609020204030204" pitchFamily="49" charset="0"/>
+                          <a:ea typeface="新細明體" panose="02020500000000000000" pitchFamily="18" charset="-120"/>
+                          <a:cs typeface="Times New Roman" panose="02020603050405020304" pitchFamily="18" charset="0"/>
+                        </a:rPr>
+                        <a:t>#0.003, 0.004</a:t>
+                      </a:r>
+                      <a:endParaRPr lang="zh-TW" altLang="en-US" sz="1000" kern="0" dirty="0">
+                        <a:solidFill>
+                          <a:srgbClr val="008000"/>
+                        </a:solidFill>
+                        <a:effectLst/>
+                        <a:latin typeface="Consolas" panose="020B0609020204030204" pitchFamily="49" charset="0"/>
+                        <a:ea typeface="新細明體" panose="02020500000000000000" pitchFamily="18" charset="-120"/>
+                        <a:cs typeface="Times New Roman" panose="02020603050405020304" pitchFamily="18" charset="0"/>
+                      </a:endParaRPr>
+                    </a:p>
+                    <a:p>
+                      <a:r>
+                        <a:rPr lang="en-US" sz="1000" b="1" kern="0" dirty="0">
+                          <a:solidFill>
+                            <a:srgbClr val="000080"/>
+                          </a:solidFill>
+                          <a:effectLst/>
+                          <a:latin typeface="Consolas" panose="020B0609020204030204" pitchFamily="49" charset="0"/>
+                          <a:ea typeface="新細明體" panose="02020500000000000000" pitchFamily="18" charset="-120"/>
+                          <a:cs typeface="Times New Roman" panose="02020603050405020304" pitchFamily="18" charset="0"/>
+                        </a:rPr>
+                        <a:t> </a:t>
+                      </a:r>
+                      <a:endParaRPr lang="zh-TW" sz="1200" kern="100" dirty="0">
+                        <a:effectLst/>
+                        <a:latin typeface="Consolas" panose="020B0609020204030204" pitchFamily="49" charset="0"/>
+                        <a:ea typeface="新細明體" panose="02020500000000000000" pitchFamily="18" charset="-120"/>
+                        <a:cs typeface="Times New Roman" panose="02020603050405020304" pitchFamily="18" charset="0"/>
+                      </a:endParaRPr>
+                    </a:p>
+                    <a:p>
+                      <a:r>
+                        <a:rPr lang="en-US" sz="1000" kern="0" dirty="0" err="1">
+                          <a:solidFill>
+                            <a:srgbClr val="000000"/>
+                          </a:solidFill>
+                          <a:effectLst/>
+                          <a:latin typeface="Consolas" panose="020B0609020204030204" pitchFamily="49" charset="0"/>
+                          <a:ea typeface="新細明體" panose="02020500000000000000" pitchFamily="18" charset="-120"/>
+                          <a:cs typeface="Times New Roman" panose="02020603050405020304" pitchFamily="18" charset="0"/>
+                        </a:rPr>
+                        <a:t>work_B</a:t>
                       </a:r>
                       <a:r>
                         <a:rPr lang="en-US" sz="1000" kern="0" dirty="0">
@@ -23489,16 +23481,208 @@
                         <a:t> </a:t>
                       </a:r>
                       <a:r>
+                        <a:rPr lang="en-US" sz="1000" b="1" kern="0" dirty="0">
+                          <a:solidFill>
+                            <a:srgbClr val="000080"/>
+                          </a:solidFill>
+                          <a:effectLst/>
+                          <a:latin typeface="Consolas" panose="020B0609020204030204" pitchFamily="49" charset="0"/>
+                          <a:ea typeface="新細明體" panose="02020500000000000000" pitchFamily="18" charset="-120"/>
+                          <a:cs typeface="Times New Roman" panose="02020603050405020304" pitchFamily="18" charset="0"/>
+                        </a:rPr>
+                        <a:t>[[</a:t>
+                      </a:r>
+                      <a:r>
+                        <a:rPr lang="en-US" sz="1000" kern="0" dirty="0">
+                          <a:solidFill>
+                            <a:srgbClr val="FF0000"/>
+                          </a:solidFill>
+                          <a:effectLst/>
+                          <a:latin typeface="Consolas" panose="020B0609020204030204" pitchFamily="49" charset="0"/>
+                          <a:ea typeface="新細明體" panose="02020500000000000000" pitchFamily="18" charset="-120"/>
+                          <a:cs typeface="Times New Roman" panose="02020603050405020304" pitchFamily="18" charset="0"/>
+                        </a:rPr>
+                        <a:t>1</a:t>
+                      </a:r>
+                      <a:r>
+                        <a:rPr lang="en-US" sz="1000" kern="0" dirty="0">
+                          <a:solidFill>
+                            <a:srgbClr val="000000"/>
+                          </a:solidFill>
+                          <a:effectLst/>
+                          <a:latin typeface="Consolas" panose="020B0609020204030204" pitchFamily="49" charset="0"/>
+                          <a:ea typeface="新細明體" panose="02020500000000000000" pitchFamily="18" charset="-120"/>
+                          <a:cs typeface="Times New Roman" panose="02020603050405020304" pitchFamily="18" charset="0"/>
+                        </a:rPr>
+                        <a:t> </a:t>
+                      </a:r>
+                      <a:r>
+                        <a:rPr lang="en-US" sz="1000" b="1" kern="0" dirty="0">
+                          <a:solidFill>
+                            <a:srgbClr val="0000FF"/>
+                          </a:solidFill>
+                          <a:effectLst/>
+                          <a:latin typeface="Consolas" panose="020B0609020204030204" pitchFamily="49" charset="0"/>
+                          <a:ea typeface="新細明體" panose="02020500000000000000" pitchFamily="18" charset="-120"/>
+                          <a:cs typeface="Times New Roman" panose="02020603050405020304" pitchFamily="18" charset="0"/>
+                        </a:rPr>
+                        <a:t>if</a:t>
+                      </a:r>
+                      <a:r>
+                        <a:rPr lang="en-US" sz="1000" kern="0" dirty="0">
+                          <a:solidFill>
+                            <a:srgbClr val="000000"/>
+                          </a:solidFill>
+                          <a:effectLst/>
+                          <a:latin typeface="Consolas" panose="020B0609020204030204" pitchFamily="49" charset="0"/>
+                          <a:ea typeface="新細明體" panose="02020500000000000000" pitchFamily="18" charset="-120"/>
+                          <a:cs typeface="Times New Roman" panose="02020603050405020304" pitchFamily="18" charset="0"/>
+                        </a:rPr>
+                        <a:t> </a:t>
+                      </a:r>
+                      <a:r>
+                        <a:rPr lang="en-US" sz="1000" b="1" kern="0" dirty="0">
+                          <a:solidFill>
+                            <a:srgbClr val="880088"/>
+                          </a:solidFill>
+                          <a:effectLst/>
+                          <a:latin typeface="Consolas" panose="020B0609020204030204" pitchFamily="49" charset="0"/>
+                          <a:ea typeface="新細明體" panose="02020500000000000000" pitchFamily="18" charset="-120"/>
+                          <a:cs typeface="Times New Roman" panose="02020603050405020304" pitchFamily="18" charset="0"/>
+                        </a:rPr>
+                        <a:t>abs</a:t>
+                      </a:r>
+                      <a:r>
+                        <a:rPr lang="en-US" sz="1000" b="1" kern="0" dirty="0">
+                          <a:solidFill>
+                            <a:srgbClr val="000080"/>
+                          </a:solidFill>
+                          <a:effectLst/>
+                          <a:latin typeface="Consolas" panose="020B0609020204030204" pitchFamily="49" charset="0"/>
+                          <a:ea typeface="新細明體" panose="02020500000000000000" pitchFamily="18" charset="-120"/>
+                          <a:cs typeface="Times New Roman" panose="02020603050405020304" pitchFamily="18" charset="0"/>
+                        </a:rPr>
+                        <a:t>(</a:t>
+                      </a:r>
+                      <a:r>
+                        <a:rPr lang="en-US" sz="1000" kern="0" dirty="0">
+                          <a:solidFill>
+                            <a:srgbClr val="000000"/>
+                          </a:solidFill>
+                          <a:effectLst/>
+                          <a:latin typeface="Consolas" panose="020B0609020204030204" pitchFamily="49" charset="0"/>
+                          <a:ea typeface="新細明體" panose="02020500000000000000" pitchFamily="18" charset="-120"/>
+                          <a:cs typeface="Times New Roman" panose="02020603050405020304" pitchFamily="18" charset="0"/>
+                        </a:rPr>
+                        <a:t>sg</a:t>
+                      </a:r>
+                      <a:r>
+                        <a:rPr lang="en-US" sz="1000" b="1" kern="0" dirty="0">
+                          <a:solidFill>
+                            <a:srgbClr val="000080"/>
+                          </a:solidFill>
+                          <a:effectLst/>
+                          <a:latin typeface="Consolas" panose="020B0609020204030204" pitchFamily="49" charset="0"/>
+                          <a:ea typeface="新細明體" panose="02020500000000000000" pitchFamily="18" charset="-120"/>
+                          <a:cs typeface="Times New Roman" panose="02020603050405020304" pitchFamily="18" charset="0"/>
+                        </a:rPr>
+                        <a:t>[</a:t>
+                      </a:r>
+                      <a:r>
+                        <a:rPr lang="en-US" sz="1000" kern="0" dirty="0">
+                          <a:solidFill>
+                            <a:srgbClr val="808080"/>
+                          </a:solidFill>
+                          <a:effectLst/>
+                          <a:latin typeface="Consolas" panose="020B0609020204030204" pitchFamily="49" charset="0"/>
+                          <a:ea typeface="新細明體" panose="02020500000000000000" pitchFamily="18" charset="-120"/>
+                          <a:cs typeface="Times New Roman" panose="02020603050405020304" pitchFamily="18" charset="0"/>
+                        </a:rPr>
+                        <a:t>'</a:t>
+                      </a:r>
+                      <a:r>
                         <a:rPr lang="en-US" sz="1000" kern="0" dirty="0" err="1">
                           <a:solidFill>
-                            <a:srgbClr val="000000"/>
-                          </a:solidFill>
-                          <a:effectLst/>
-                          <a:latin typeface="Consolas" panose="020B0609020204030204" pitchFamily="49" charset="0"/>
-                          <a:ea typeface="新細明體" panose="02020500000000000000" pitchFamily="18" charset="-120"/>
-                          <a:cs typeface="Times New Roman" panose="02020603050405020304" pitchFamily="18" charset="0"/>
-                        </a:rPr>
-                        <a:t>spike_B</a:t>
+                            <a:srgbClr val="808080"/>
+                          </a:solidFill>
+                          <a:effectLst/>
+                          <a:latin typeface="Consolas" panose="020B0609020204030204" pitchFamily="49" charset="0"/>
+                          <a:ea typeface="新細明體" panose="02020500000000000000" pitchFamily="18" charset="-120"/>
+                          <a:cs typeface="Times New Roman" panose="02020603050405020304" pitchFamily="18" charset="0"/>
+                        </a:rPr>
+                        <a:t>sg_B</a:t>
+                      </a:r>
+                      <a:r>
+                        <a:rPr lang="en-US" sz="1000" kern="0" dirty="0">
+                          <a:solidFill>
+                            <a:srgbClr val="808080"/>
+                          </a:solidFill>
+                          <a:effectLst/>
+                          <a:latin typeface="Consolas" panose="020B0609020204030204" pitchFamily="49" charset="0"/>
+                          <a:ea typeface="新細明體" panose="02020500000000000000" pitchFamily="18" charset="-120"/>
+                          <a:cs typeface="Times New Roman" panose="02020603050405020304" pitchFamily="18" charset="0"/>
+                        </a:rPr>
+                        <a:t>'</a:t>
+                      </a:r>
+                      <a:r>
+                        <a:rPr lang="en-US" sz="1000" b="1" kern="0" dirty="0">
+                          <a:solidFill>
+                            <a:srgbClr val="000080"/>
+                          </a:solidFill>
+                          <a:effectLst/>
+                          <a:latin typeface="Consolas" panose="020B0609020204030204" pitchFamily="49" charset="0"/>
+                          <a:ea typeface="新細明體" panose="02020500000000000000" pitchFamily="18" charset="-120"/>
+                          <a:cs typeface="Times New Roman" panose="02020603050405020304" pitchFamily="18" charset="0"/>
+                        </a:rPr>
+                        <a:t>][</a:t>
+                      </a:r>
+                      <a:r>
+                        <a:rPr lang="en-US" sz="1000" kern="0" dirty="0" err="1">
+                          <a:solidFill>
+                            <a:srgbClr val="000000"/>
+                          </a:solidFill>
+                          <a:effectLst/>
+                          <a:latin typeface="Consolas" panose="020B0609020204030204" pitchFamily="49" charset="0"/>
+                          <a:ea typeface="新細明體" panose="02020500000000000000" pitchFamily="18" charset="-120"/>
+                          <a:cs typeface="Times New Roman" panose="02020603050405020304" pitchFamily="18" charset="0"/>
+                        </a:rPr>
+                        <a:t>i</a:t>
+                      </a:r>
+                      <a:r>
+                        <a:rPr lang="en-US" sz="1000" b="1" kern="0" dirty="0">
+                          <a:solidFill>
+                            <a:srgbClr val="000080"/>
+                          </a:solidFill>
+                          <a:effectLst/>
+                          <a:latin typeface="Consolas" panose="020B0609020204030204" pitchFamily="49" charset="0"/>
+                          <a:ea typeface="新細明體" panose="02020500000000000000" pitchFamily="18" charset="-120"/>
+                          <a:cs typeface="Times New Roman" panose="02020603050405020304" pitchFamily="18" charset="0"/>
+                        </a:rPr>
+                        <a:t>][</a:t>
+                      </a:r>
+                      <a:r>
+                        <a:rPr lang="en-US" sz="1000" kern="0" dirty="0">
+                          <a:solidFill>
+                            <a:srgbClr val="000000"/>
+                          </a:solidFill>
+                          <a:effectLst/>
+                          <a:latin typeface="Consolas" panose="020B0609020204030204" pitchFamily="49" charset="0"/>
+                          <a:ea typeface="新細明體" panose="02020500000000000000" pitchFamily="18" charset="-120"/>
+                          <a:cs typeface="Times New Roman" panose="02020603050405020304" pitchFamily="18" charset="0"/>
+                        </a:rPr>
+                        <a:t>j</a:t>
+                      </a:r>
+                      <a:r>
+                        <a:rPr lang="en-US" sz="1000" b="1" kern="0" dirty="0">
+                          <a:solidFill>
+                            <a:srgbClr val="000080"/>
+                          </a:solidFill>
+                          <a:effectLst/>
+                          <a:latin typeface="Consolas" panose="020B0609020204030204" pitchFamily="49" charset="0"/>
+                          <a:ea typeface="新細明體" panose="02020500000000000000" pitchFamily="18" charset="-120"/>
+                          <a:cs typeface="Times New Roman" panose="02020603050405020304" pitchFamily="18" charset="0"/>
+                        </a:rPr>
+                        <a:t>])</a:t>
                       </a:r>
                       <a:r>
                         <a:rPr lang="en-US" sz="1000" kern="0" dirty="0">
@@ -23522,7 +23706,43 @@
                           <a:ea typeface="新細明體" panose="02020500000000000000" pitchFamily="18" charset="-120"/>
                           <a:cs typeface="Times New Roman" panose="02020603050405020304" pitchFamily="18" charset="0"/>
                         </a:rPr>
-                        <a:t>*</a:t>
+                        <a:t>&gt;=</a:t>
+                      </a:r>
+                      <a:r>
+                        <a:rPr lang="en-US" sz="1000" kern="0" dirty="0">
+                          <a:solidFill>
+                            <a:srgbClr val="000000"/>
+                          </a:solidFill>
+                          <a:effectLst/>
+                          <a:latin typeface="Consolas" panose="020B0609020204030204" pitchFamily="49" charset="0"/>
+                          <a:ea typeface="新細明體" panose="02020500000000000000" pitchFamily="18" charset="-120"/>
+                          <a:cs typeface="Times New Roman" panose="02020603050405020304" pitchFamily="18" charset="0"/>
+                        </a:rPr>
+                        <a:t> lower</a:t>
+                      </a:r>
+                      <a:r>
+                        <a:rPr lang="en-US" sz="1000" b="1" kern="0" dirty="0">
+                          <a:solidFill>
+                            <a:srgbClr val="000080"/>
+                          </a:solidFill>
+                          <a:effectLst/>
+                          <a:latin typeface="Consolas" panose="020B0609020204030204" pitchFamily="49" charset="0"/>
+                          <a:ea typeface="新細明體" panose="02020500000000000000" pitchFamily="18" charset="-120"/>
+                          <a:cs typeface="Times New Roman" panose="02020603050405020304" pitchFamily="18" charset="0"/>
+                        </a:rPr>
+                        <a:t>-</a:t>
+                      </a:r>
+                      <a:r>
+                        <a:rPr lang="en-US" sz="1000" kern="0" dirty="0">
+                          <a:solidFill>
+                            <a:srgbClr val="FF0000"/>
+                          </a:solidFill>
+                          <a:effectLst/>
+                          <a:latin typeface="Consolas" panose="020B0609020204030204" pitchFamily="49" charset="0"/>
+                          <a:ea typeface="新細明體" panose="02020500000000000000" pitchFamily="18" charset="-120"/>
+                          <a:cs typeface="Times New Roman" panose="02020603050405020304" pitchFamily="18" charset="0"/>
+                        </a:rPr>
+                        <a:t>0.0001</a:t>
                       </a:r>
                       <a:r>
                         <a:rPr lang="en-US" sz="1000" kern="0" dirty="0">
@@ -23537,16 +23757,696 @@
                         <a:t> </a:t>
                       </a:r>
                       <a:r>
+                        <a:rPr lang="en-US" sz="1000" b="1" kern="0" dirty="0">
+                          <a:solidFill>
+                            <a:srgbClr val="0000FF"/>
+                          </a:solidFill>
+                          <a:effectLst/>
+                          <a:latin typeface="Consolas" panose="020B0609020204030204" pitchFamily="49" charset="0"/>
+                          <a:ea typeface="新細明體" panose="02020500000000000000" pitchFamily="18" charset="-120"/>
+                          <a:cs typeface="Times New Roman" panose="02020603050405020304" pitchFamily="18" charset="0"/>
+                        </a:rPr>
+                        <a:t>and</a:t>
+                      </a:r>
+                      <a:r>
+                        <a:rPr lang="en-US" sz="1000" kern="0" dirty="0">
+                          <a:solidFill>
+                            <a:srgbClr val="000000"/>
+                          </a:solidFill>
+                          <a:effectLst/>
+                          <a:latin typeface="Consolas" panose="020B0609020204030204" pitchFamily="49" charset="0"/>
+                          <a:ea typeface="新細明體" panose="02020500000000000000" pitchFamily="18" charset="-120"/>
+                          <a:cs typeface="Times New Roman" panose="02020603050405020304" pitchFamily="18" charset="0"/>
+                        </a:rPr>
+                        <a:t> </a:t>
+                      </a:r>
+                      <a:r>
+                        <a:rPr lang="en-US" sz="1000" b="1" kern="0" dirty="0">
+                          <a:solidFill>
+                            <a:srgbClr val="880088"/>
+                          </a:solidFill>
+                          <a:effectLst/>
+                          <a:latin typeface="Consolas" panose="020B0609020204030204" pitchFamily="49" charset="0"/>
+                          <a:ea typeface="新細明體" panose="02020500000000000000" pitchFamily="18" charset="-120"/>
+                          <a:cs typeface="Times New Roman" panose="02020603050405020304" pitchFamily="18" charset="0"/>
+                        </a:rPr>
+                        <a:t>abs</a:t>
+                      </a:r>
+                      <a:r>
+                        <a:rPr lang="en-US" sz="1000" b="1" kern="0" dirty="0">
+                          <a:solidFill>
+                            <a:srgbClr val="000080"/>
+                          </a:solidFill>
+                          <a:effectLst/>
+                          <a:latin typeface="Consolas" panose="020B0609020204030204" pitchFamily="49" charset="0"/>
+                          <a:ea typeface="新細明體" panose="02020500000000000000" pitchFamily="18" charset="-120"/>
+                          <a:cs typeface="Times New Roman" panose="02020603050405020304" pitchFamily="18" charset="0"/>
+                        </a:rPr>
+                        <a:t>(</a:t>
+                      </a:r>
+                      <a:r>
+                        <a:rPr lang="en-US" sz="1000" kern="0" dirty="0">
+                          <a:solidFill>
+                            <a:srgbClr val="000000"/>
+                          </a:solidFill>
+                          <a:effectLst/>
+                          <a:latin typeface="Consolas" panose="020B0609020204030204" pitchFamily="49" charset="0"/>
+                          <a:ea typeface="新細明體" panose="02020500000000000000" pitchFamily="18" charset="-120"/>
+                          <a:cs typeface="Times New Roman" panose="02020603050405020304" pitchFamily="18" charset="0"/>
+                        </a:rPr>
+                        <a:t>sg</a:t>
+                      </a:r>
+                      <a:r>
+                        <a:rPr lang="en-US" sz="1000" b="1" kern="0" dirty="0">
+                          <a:solidFill>
+                            <a:srgbClr val="000080"/>
+                          </a:solidFill>
+                          <a:effectLst/>
+                          <a:latin typeface="Consolas" panose="020B0609020204030204" pitchFamily="49" charset="0"/>
+                          <a:ea typeface="新細明體" panose="02020500000000000000" pitchFamily="18" charset="-120"/>
+                          <a:cs typeface="Times New Roman" panose="02020603050405020304" pitchFamily="18" charset="0"/>
+                        </a:rPr>
+                        <a:t>[</a:t>
+                      </a:r>
+                      <a:r>
+                        <a:rPr lang="en-US" sz="1000" kern="0" dirty="0">
+                          <a:solidFill>
+                            <a:srgbClr val="808080"/>
+                          </a:solidFill>
+                          <a:effectLst/>
+                          <a:latin typeface="Consolas" panose="020B0609020204030204" pitchFamily="49" charset="0"/>
+                          <a:ea typeface="新細明體" panose="02020500000000000000" pitchFamily="18" charset="-120"/>
+                          <a:cs typeface="Times New Roman" panose="02020603050405020304" pitchFamily="18" charset="0"/>
+                        </a:rPr>
+                        <a:t>'</a:t>
+                      </a:r>
+                      <a:r>
                         <a:rPr lang="en-US" sz="1000" kern="0" dirty="0" err="1">
                           <a:solidFill>
-                            <a:srgbClr val="000000"/>
-                          </a:solidFill>
-                          <a:effectLst/>
-                          <a:latin typeface="Consolas" panose="020B0609020204030204" pitchFamily="49" charset="0"/>
-                          <a:ea typeface="新細明體" panose="02020500000000000000" pitchFamily="18" charset="-120"/>
-                          <a:cs typeface="Times New Roman" panose="02020603050405020304" pitchFamily="18" charset="0"/>
-                        </a:rPr>
-                        <a:t>work_B</a:t>
+                            <a:srgbClr val="808080"/>
+                          </a:solidFill>
+                          <a:effectLst/>
+                          <a:latin typeface="Consolas" panose="020B0609020204030204" pitchFamily="49" charset="0"/>
+                          <a:ea typeface="新細明體" panose="02020500000000000000" pitchFamily="18" charset="-120"/>
+                          <a:cs typeface="Times New Roman" panose="02020603050405020304" pitchFamily="18" charset="0"/>
+                        </a:rPr>
+                        <a:t>sg_B</a:t>
+                      </a:r>
+                      <a:r>
+                        <a:rPr lang="en-US" sz="1000" kern="0" dirty="0">
+                          <a:solidFill>
+                            <a:srgbClr val="808080"/>
+                          </a:solidFill>
+                          <a:effectLst/>
+                          <a:latin typeface="Consolas" panose="020B0609020204030204" pitchFamily="49" charset="0"/>
+                          <a:ea typeface="新細明體" panose="02020500000000000000" pitchFamily="18" charset="-120"/>
+                          <a:cs typeface="Times New Roman" panose="02020603050405020304" pitchFamily="18" charset="0"/>
+                        </a:rPr>
+                        <a:t>'</a:t>
+                      </a:r>
+                      <a:r>
+                        <a:rPr lang="en-US" sz="1000" b="1" kern="0" dirty="0">
+                          <a:solidFill>
+                            <a:srgbClr val="000080"/>
+                          </a:solidFill>
+                          <a:effectLst/>
+                          <a:latin typeface="Consolas" panose="020B0609020204030204" pitchFamily="49" charset="0"/>
+                          <a:ea typeface="新細明體" panose="02020500000000000000" pitchFamily="18" charset="-120"/>
+                          <a:cs typeface="Times New Roman" panose="02020603050405020304" pitchFamily="18" charset="0"/>
+                        </a:rPr>
+                        <a:t>][</a:t>
+                      </a:r>
+                      <a:r>
+                        <a:rPr lang="en-US" sz="1000" kern="0" dirty="0" err="1">
+                          <a:solidFill>
+                            <a:srgbClr val="000000"/>
+                          </a:solidFill>
+                          <a:effectLst/>
+                          <a:latin typeface="Consolas" panose="020B0609020204030204" pitchFamily="49" charset="0"/>
+                          <a:ea typeface="新細明體" panose="02020500000000000000" pitchFamily="18" charset="-120"/>
+                          <a:cs typeface="Times New Roman" panose="02020603050405020304" pitchFamily="18" charset="0"/>
+                        </a:rPr>
+                        <a:t>i</a:t>
+                      </a:r>
+                      <a:r>
+                        <a:rPr lang="en-US" sz="1000" b="1" kern="0" dirty="0">
+                          <a:solidFill>
+                            <a:srgbClr val="000080"/>
+                          </a:solidFill>
+                          <a:effectLst/>
+                          <a:latin typeface="Consolas" panose="020B0609020204030204" pitchFamily="49" charset="0"/>
+                          <a:ea typeface="新細明體" panose="02020500000000000000" pitchFamily="18" charset="-120"/>
+                          <a:cs typeface="Times New Roman" panose="02020603050405020304" pitchFamily="18" charset="0"/>
+                        </a:rPr>
+                        <a:t>][</a:t>
+                      </a:r>
+                      <a:r>
+                        <a:rPr lang="en-US" sz="1000" kern="0" dirty="0">
+                          <a:solidFill>
+                            <a:srgbClr val="000000"/>
+                          </a:solidFill>
+                          <a:effectLst/>
+                          <a:latin typeface="Consolas" panose="020B0609020204030204" pitchFamily="49" charset="0"/>
+                          <a:ea typeface="新細明體" panose="02020500000000000000" pitchFamily="18" charset="-120"/>
+                          <a:cs typeface="Times New Roman" panose="02020603050405020304" pitchFamily="18" charset="0"/>
+                        </a:rPr>
+                        <a:t>j</a:t>
+                      </a:r>
+                      <a:r>
+                        <a:rPr lang="en-US" sz="1000" b="1" kern="0" dirty="0">
+                          <a:solidFill>
+                            <a:srgbClr val="000080"/>
+                          </a:solidFill>
+                          <a:effectLst/>
+                          <a:latin typeface="Consolas" panose="020B0609020204030204" pitchFamily="49" charset="0"/>
+                          <a:ea typeface="新細明體" panose="02020500000000000000" pitchFamily="18" charset="-120"/>
+                          <a:cs typeface="Times New Roman" panose="02020603050405020304" pitchFamily="18" charset="0"/>
+                        </a:rPr>
+                        <a:t>])</a:t>
+                      </a:r>
+                      <a:r>
+                        <a:rPr lang="en-US" sz="1000" kern="0" dirty="0">
+                          <a:solidFill>
+                            <a:srgbClr val="000000"/>
+                          </a:solidFill>
+                          <a:effectLst/>
+                          <a:latin typeface="Consolas" panose="020B0609020204030204" pitchFamily="49" charset="0"/>
+                          <a:ea typeface="新細明體" panose="02020500000000000000" pitchFamily="18" charset="-120"/>
+                          <a:cs typeface="Times New Roman" panose="02020603050405020304" pitchFamily="18" charset="0"/>
+                        </a:rPr>
+                        <a:t> </a:t>
+                      </a:r>
+                      <a:r>
+                        <a:rPr lang="en-US" sz="1000" b="1" kern="0" dirty="0">
+                          <a:solidFill>
+                            <a:srgbClr val="000080"/>
+                          </a:solidFill>
+                          <a:effectLst/>
+                          <a:latin typeface="Consolas" panose="020B0609020204030204" pitchFamily="49" charset="0"/>
+                          <a:ea typeface="新細明體" panose="02020500000000000000" pitchFamily="18" charset="-120"/>
+                          <a:cs typeface="Times New Roman" panose="02020603050405020304" pitchFamily="18" charset="0"/>
+                        </a:rPr>
+                        <a:t>&lt;=</a:t>
+                      </a:r>
+                      <a:r>
+                        <a:rPr lang="en-US" sz="1000" kern="0" dirty="0">
+                          <a:solidFill>
+                            <a:srgbClr val="000000"/>
+                          </a:solidFill>
+                          <a:effectLst/>
+                          <a:latin typeface="Consolas" panose="020B0609020204030204" pitchFamily="49" charset="0"/>
+                          <a:ea typeface="新細明體" panose="02020500000000000000" pitchFamily="18" charset="-120"/>
+                          <a:cs typeface="Times New Roman" panose="02020603050405020304" pitchFamily="18" charset="0"/>
+                        </a:rPr>
+                        <a:t> upper</a:t>
+                      </a:r>
+                      <a:r>
+                        <a:rPr lang="en-US" sz="1000" b="1" kern="0" dirty="0">
+                          <a:solidFill>
+                            <a:srgbClr val="000080"/>
+                          </a:solidFill>
+                          <a:effectLst/>
+                          <a:latin typeface="Consolas" panose="020B0609020204030204" pitchFamily="49" charset="0"/>
+                          <a:ea typeface="新細明體" panose="02020500000000000000" pitchFamily="18" charset="-120"/>
+                          <a:cs typeface="Times New Roman" panose="02020603050405020304" pitchFamily="18" charset="0"/>
+                        </a:rPr>
+                        <a:t>+</a:t>
+                      </a:r>
+                      <a:r>
+                        <a:rPr lang="en-US" sz="1000" kern="0" dirty="0">
+                          <a:solidFill>
+                            <a:srgbClr val="FF0000"/>
+                          </a:solidFill>
+                          <a:effectLst/>
+                          <a:latin typeface="Consolas" panose="020B0609020204030204" pitchFamily="49" charset="0"/>
+                          <a:ea typeface="新細明體" panose="02020500000000000000" pitchFamily="18" charset="-120"/>
+                          <a:cs typeface="Times New Roman" panose="02020603050405020304" pitchFamily="18" charset="0"/>
+                        </a:rPr>
+                        <a:t>0.0001</a:t>
+                      </a:r>
+                      <a:r>
+                        <a:rPr lang="en-US" sz="1000" kern="0" dirty="0">
+                          <a:solidFill>
+                            <a:srgbClr val="000000"/>
+                          </a:solidFill>
+                          <a:effectLst/>
+                          <a:latin typeface="Consolas" panose="020B0609020204030204" pitchFamily="49" charset="0"/>
+                          <a:ea typeface="新細明體" panose="02020500000000000000" pitchFamily="18" charset="-120"/>
+                          <a:cs typeface="Times New Roman" panose="02020603050405020304" pitchFamily="18" charset="0"/>
+                        </a:rPr>
+                        <a:t> </a:t>
+                      </a:r>
+                      <a:r>
+                        <a:rPr lang="en-US" sz="1000" b="1" kern="0" dirty="0">
+                          <a:solidFill>
+                            <a:srgbClr val="0000FF"/>
+                          </a:solidFill>
+                          <a:effectLst/>
+                          <a:latin typeface="Consolas" panose="020B0609020204030204" pitchFamily="49" charset="0"/>
+                          <a:ea typeface="新細明體" panose="02020500000000000000" pitchFamily="18" charset="-120"/>
+                          <a:cs typeface="Times New Roman" panose="02020603050405020304" pitchFamily="18" charset="0"/>
+                        </a:rPr>
+                        <a:t>else</a:t>
+                      </a:r>
+                      <a:r>
+                        <a:rPr lang="en-US" sz="1000" kern="0" dirty="0">
+                          <a:solidFill>
+                            <a:srgbClr val="000000"/>
+                          </a:solidFill>
+                          <a:effectLst/>
+                          <a:latin typeface="Consolas" panose="020B0609020204030204" pitchFamily="49" charset="0"/>
+                          <a:ea typeface="新細明體" panose="02020500000000000000" pitchFamily="18" charset="-120"/>
+                          <a:cs typeface="Times New Roman" panose="02020603050405020304" pitchFamily="18" charset="0"/>
+                        </a:rPr>
+                        <a:t> </a:t>
+                      </a:r>
+                      <a:r>
+                        <a:rPr lang="en-US" sz="1000" kern="0" dirty="0">
+                          <a:solidFill>
+                            <a:srgbClr val="FF0000"/>
+                          </a:solidFill>
+                          <a:effectLst/>
+                          <a:latin typeface="Consolas" panose="020B0609020204030204" pitchFamily="49" charset="0"/>
+                          <a:ea typeface="新細明體" panose="02020500000000000000" pitchFamily="18" charset="-120"/>
+                          <a:cs typeface="Times New Roman" panose="02020603050405020304" pitchFamily="18" charset="0"/>
+                        </a:rPr>
+                        <a:t>0</a:t>
+                      </a:r>
+                      <a:endParaRPr lang="zh-TW" sz="1200" kern="100" dirty="0">
+                        <a:effectLst/>
+                        <a:latin typeface="Consolas" panose="020B0609020204030204" pitchFamily="49" charset="0"/>
+                        <a:ea typeface="新細明體" panose="02020500000000000000" pitchFamily="18" charset="-120"/>
+                        <a:cs typeface="Times New Roman" panose="02020603050405020304" pitchFamily="18" charset="0"/>
+                      </a:endParaRPr>
+                    </a:p>
+                    <a:p>
+                      <a:r>
+                        <a:rPr lang="en-US" sz="1000" kern="0" dirty="0">
+                          <a:solidFill>
+                            <a:srgbClr val="000000"/>
+                          </a:solidFill>
+                          <a:effectLst/>
+                          <a:latin typeface="Consolas" panose="020B0609020204030204" pitchFamily="49" charset="0"/>
+                          <a:ea typeface="新細明體" panose="02020500000000000000" pitchFamily="18" charset="-120"/>
+                          <a:cs typeface="Times New Roman" panose="02020603050405020304" pitchFamily="18" charset="0"/>
+                        </a:rPr>
+                        <a:t>           </a:t>
+                      </a:r>
+                      <a:r>
+                        <a:rPr lang="en-US" sz="1000" b="1" kern="0" dirty="0">
+                          <a:solidFill>
+                            <a:srgbClr val="0000FF"/>
+                          </a:solidFill>
+                          <a:effectLst/>
+                          <a:latin typeface="Consolas" panose="020B0609020204030204" pitchFamily="49" charset="0"/>
+                          <a:ea typeface="新細明體" panose="02020500000000000000" pitchFamily="18" charset="-120"/>
+                          <a:cs typeface="Times New Roman" panose="02020603050405020304" pitchFamily="18" charset="0"/>
+                        </a:rPr>
+                        <a:t>for</a:t>
+                      </a:r>
+                      <a:r>
+                        <a:rPr lang="en-US" sz="1000" kern="0" dirty="0">
+                          <a:solidFill>
+                            <a:srgbClr val="000000"/>
+                          </a:solidFill>
+                          <a:effectLst/>
+                          <a:latin typeface="Consolas" panose="020B0609020204030204" pitchFamily="49" charset="0"/>
+                          <a:ea typeface="新細明體" panose="02020500000000000000" pitchFamily="18" charset="-120"/>
+                          <a:cs typeface="Times New Roman" panose="02020603050405020304" pitchFamily="18" charset="0"/>
+                        </a:rPr>
+                        <a:t> j </a:t>
+                      </a:r>
+                      <a:r>
+                        <a:rPr lang="en-US" sz="1000" b="1" kern="0" dirty="0">
+                          <a:solidFill>
+                            <a:srgbClr val="0000FF"/>
+                          </a:solidFill>
+                          <a:effectLst/>
+                          <a:latin typeface="Consolas" panose="020B0609020204030204" pitchFamily="49" charset="0"/>
+                          <a:ea typeface="新細明體" panose="02020500000000000000" pitchFamily="18" charset="-120"/>
+                          <a:cs typeface="Times New Roman" panose="02020603050405020304" pitchFamily="18" charset="0"/>
+                        </a:rPr>
+                        <a:t>in</a:t>
+                      </a:r>
+                      <a:r>
+                        <a:rPr lang="en-US" sz="1000" kern="0" dirty="0">
+                          <a:solidFill>
+                            <a:srgbClr val="000000"/>
+                          </a:solidFill>
+                          <a:effectLst/>
+                          <a:latin typeface="Consolas" panose="020B0609020204030204" pitchFamily="49" charset="0"/>
+                          <a:ea typeface="新細明體" panose="02020500000000000000" pitchFamily="18" charset="-120"/>
+                          <a:cs typeface="Times New Roman" panose="02020603050405020304" pitchFamily="18" charset="0"/>
+                        </a:rPr>
+                        <a:t> </a:t>
+                      </a:r>
+                      <a:r>
+                        <a:rPr lang="en-US" sz="1000" b="1" kern="0" dirty="0">
+                          <a:solidFill>
+                            <a:srgbClr val="880088"/>
+                          </a:solidFill>
+                          <a:effectLst/>
+                          <a:latin typeface="Consolas" panose="020B0609020204030204" pitchFamily="49" charset="0"/>
+                          <a:ea typeface="新細明體" panose="02020500000000000000" pitchFamily="18" charset="-120"/>
+                          <a:cs typeface="Times New Roman" panose="02020603050405020304" pitchFamily="18" charset="0"/>
+                        </a:rPr>
+                        <a:t>range</a:t>
+                      </a:r>
+                      <a:r>
+                        <a:rPr lang="en-US" sz="1000" b="1" kern="0" dirty="0">
+                          <a:solidFill>
+                            <a:srgbClr val="000080"/>
+                          </a:solidFill>
+                          <a:effectLst/>
+                          <a:latin typeface="Consolas" panose="020B0609020204030204" pitchFamily="49" charset="0"/>
+                          <a:ea typeface="新細明體" panose="02020500000000000000" pitchFamily="18" charset="-120"/>
+                          <a:cs typeface="Times New Roman" panose="02020603050405020304" pitchFamily="18" charset="0"/>
+                        </a:rPr>
+                        <a:t>(</a:t>
+                      </a:r>
+                      <a:r>
+                        <a:rPr lang="en-US" sz="1000" b="1" kern="0" dirty="0" err="1">
+                          <a:solidFill>
+                            <a:srgbClr val="880088"/>
+                          </a:solidFill>
+                          <a:effectLst/>
+                          <a:latin typeface="Consolas" panose="020B0609020204030204" pitchFamily="49" charset="0"/>
+                          <a:ea typeface="新細明體" panose="02020500000000000000" pitchFamily="18" charset="-120"/>
+                          <a:cs typeface="Times New Roman" panose="02020603050405020304" pitchFamily="18" charset="0"/>
+                        </a:rPr>
+                        <a:t>len</a:t>
+                      </a:r>
+                      <a:r>
+                        <a:rPr lang="en-US" sz="1000" b="1" kern="0" dirty="0">
+                          <a:solidFill>
+                            <a:srgbClr val="000080"/>
+                          </a:solidFill>
+                          <a:effectLst/>
+                          <a:latin typeface="Consolas" panose="020B0609020204030204" pitchFamily="49" charset="0"/>
+                          <a:ea typeface="新細明體" panose="02020500000000000000" pitchFamily="18" charset="-120"/>
+                          <a:cs typeface="Times New Roman" panose="02020603050405020304" pitchFamily="18" charset="0"/>
+                        </a:rPr>
+                        <a:t>(</a:t>
+                      </a:r>
+                      <a:r>
+                        <a:rPr lang="en-US" sz="1000" kern="0" dirty="0">
+                          <a:solidFill>
+                            <a:srgbClr val="000000"/>
+                          </a:solidFill>
+                          <a:effectLst/>
+                          <a:latin typeface="Consolas" panose="020B0609020204030204" pitchFamily="49" charset="0"/>
+                          <a:ea typeface="新細明體" panose="02020500000000000000" pitchFamily="18" charset="-120"/>
+                          <a:cs typeface="Times New Roman" panose="02020603050405020304" pitchFamily="18" charset="0"/>
+                        </a:rPr>
+                        <a:t>sg</a:t>
+                      </a:r>
+                      <a:r>
+                        <a:rPr lang="en-US" sz="1000" b="1" kern="0" dirty="0">
+                          <a:solidFill>
+                            <a:srgbClr val="000080"/>
+                          </a:solidFill>
+                          <a:effectLst/>
+                          <a:latin typeface="Consolas" panose="020B0609020204030204" pitchFamily="49" charset="0"/>
+                          <a:ea typeface="新細明體" panose="02020500000000000000" pitchFamily="18" charset="-120"/>
+                          <a:cs typeface="Times New Roman" panose="02020603050405020304" pitchFamily="18" charset="0"/>
+                        </a:rPr>
+                        <a:t>[</a:t>
+                      </a:r>
+                      <a:r>
+                        <a:rPr lang="en-US" sz="1000" kern="0" dirty="0">
+                          <a:solidFill>
+                            <a:srgbClr val="808080"/>
+                          </a:solidFill>
+                          <a:effectLst/>
+                          <a:latin typeface="Consolas" panose="020B0609020204030204" pitchFamily="49" charset="0"/>
+                          <a:ea typeface="新細明體" panose="02020500000000000000" pitchFamily="18" charset="-120"/>
+                          <a:cs typeface="Times New Roman" panose="02020603050405020304" pitchFamily="18" charset="0"/>
+                        </a:rPr>
+                        <a:t>'</a:t>
+                      </a:r>
+                      <a:r>
+                        <a:rPr lang="en-US" sz="1000" kern="0" dirty="0" err="1">
+                          <a:solidFill>
+                            <a:srgbClr val="808080"/>
+                          </a:solidFill>
+                          <a:effectLst/>
+                          <a:latin typeface="Consolas" panose="020B0609020204030204" pitchFamily="49" charset="0"/>
+                          <a:ea typeface="新細明體" panose="02020500000000000000" pitchFamily="18" charset="-120"/>
+                          <a:cs typeface="Times New Roman" panose="02020603050405020304" pitchFamily="18" charset="0"/>
+                        </a:rPr>
+                        <a:t>sg_B</a:t>
+                      </a:r>
+                      <a:r>
+                        <a:rPr lang="en-US" sz="1000" kern="0" dirty="0">
+                          <a:solidFill>
+                            <a:srgbClr val="808080"/>
+                          </a:solidFill>
+                          <a:effectLst/>
+                          <a:latin typeface="Consolas" panose="020B0609020204030204" pitchFamily="49" charset="0"/>
+                          <a:ea typeface="新細明體" panose="02020500000000000000" pitchFamily="18" charset="-120"/>
+                          <a:cs typeface="Times New Roman" panose="02020603050405020304" pitchFamily="18" charset="0"/>
+                        </a:rPr>
+                        <a:t>'</a:t>
+                      </a:r>
+                      <a:r>
+                        <a:rPr lang="en-US" sz="1000" b="1" kern="0" dirty="0">
+                          <a:solidFill>
+                            <a:srgbClr val="000080"/>
+                          </a:solidFill>
+                          <a:effectLst/>
+                          <a:latin typeface="Consolas" panose="020B0609020204030204" pitchFamily="49" charset="0"/>
+                          <a:ea typeface="新細明體" panose="02020500000000000000" pitchFamily="18" charset="-120"/>
+                          <a:cs typeface="Times New Roman" panose="02020603050405020304" pitchFamily="18" charset="0"/>
+                        </a:rPr>
+                        <a:t>][</a:t>
+                      </a:r>
+                      <a:r>
+                        <a:rPr lang="en-US" sz="1000" kern="0" dirty="0" err="1">
+                          <a:solidFill>
+                            <a:srgbClr val="000000"/>
+                          </a:solidFill>
+                          <a:effectLst/>
+                          <a:latin typeface="Consolas" panose="020B0609020204030204" pitchFamily="49" charset="0"/>
+                          <a:ea typeface="新細明體" panose="02020500000000000000" pitchFamily="18" charset="-120"/>
+                          <a:cs typeface="Times New Roman" panose="02020603050405020304" pitchFamily="18" charset="0"/>
+                        </a:rPr>
+                        <a:t>i</a:t>
+                      </a:r>
+                      <a:r>
+                        <a:rPr lang="en-US" sz="1000" b="1" kern="0" dirty="0">
+                          <a:solidFill>
+                            <a:srgbClr val="000080"/>
+                          </a:solidFill>
+                          <a:effectLst/>
+                          <a:latin typeface="Consolas" panose="020B0609020204030204" pitchFamily="49" charset="0"/>
+                          <a:ea typeface="新細明體" panose="02020500000000000000" pitchFamily="18" charset="-120"/>
+                          <a:cs typeface="Times New Roman" panose="02020603050405020304" pitchFamily="18" charset="0"/>
+                        </a:rPr>
+                        <a:t>]))]</a:t>
+                      </a:r>
+                      <a:r>
+                        <a:rPr lang="en-US" sz="1000" kern="0" dirty="0">
+                          <a:solidFill>
+                            <a:srgbClr val="000000"/>
+                          </a:solidFill>
+                          <a:effectLst/>
+                          <a:latin typeface="Consolas" panose="020B0609020204030204" pitchFamily="49" charset="0"/>
+                          <a:ea typeface="新細明體" panose="02020500000000000000" pitchFamily="18" charset="-120"/>
+                          <a:cs typeface="Times New Roman" panose="02020603050405020304" pitchFamily="18" charset="0"/>
+                        </a:rPr>
+                        <a:t> </a:t>
+                      </a:r>
+                      <a:r>
+                        <a:rPr lang="en-US" sz="1000" b="1" kern="0" dirty="0">
+                          <a:solidFill>
+                            <a:srgbClr val="0000FF"/>
+                          </a:solidFill>
+                          <a:effectLst/>
+                          <a:latin typeface="Consolas" panose="020B0609020204030204" pitchFamily="49" charset="0"/>
+                          <a:ea typeface="新細明體" panose="02020500000000000000" pitchFamily="18" charset="-120"/>
+                          <a:cs typeface="Times New Roman" panose="02020603050405020304" pitchFamily="18" charset="0"/>
+                        </a:rPr>
+                        <a:t>for</a:t>
+                      </a:r>
+                      <a:r>
+                        <a:rPr lang="en-US" sz="1000" kern="0" dirty="0">
+                          <a:solidFill>
+                            <a:srgbClr val="000000"/>
+                          </a:solidFill>
+                          <a:effectLst/>
+                          <a:latin typeface="Consolas" panose="020B0609020204030204" pitchFamily="49" charset="0"/>
+                          <a:ea typeface="新細明體" panose="02020500000000000000" pitchFamily="18" charset="-120"/>
+                          <a:cs typeface="Times New Roman" panose="02020603050405020304" pitchFamily="18" charset="0"/>
+                        </a:rPr>
+                        <a:t> </a:t>
+                      </a:r>
+                      <a:r>
+                        <a:rPr lang="en-US" sz="1000" kern="0" dirty="0" err="1">
+                          <a:solidFill>
+                            <a:srgbClr val="000000"/>
+                          </a:solidFill>
+                          <a:effectLst/>
+                          <a:latin typeface="Consolas" panose="020B0609020204030204" pitchFamily="49" charset="0"/>
+                          <a:ea typeface="新細明體" panose="02020500000000000000" pitchFamily="18" charset="-120"/>
+                          <a:cs typeface="Times New Roman" panose="02020603050405020304" pitchFamily="18" charset="0"/>
+                        </a:rPr>
+                        <a:t>i</a:t>
+                      </a:r>
+                      <a:r>
+                        <a:rPr lang="en-US" sz="1000" kern="0" dirty="0">
+                          <a:solidFill>
+                            <a:srgbClr val="000000"/>
+                          </a:solidFill>
+                          <a:effectLst/>
+                          <a:latin typeface="Consolas" panose="020B0609020204030204" pitchFamily="49" charset="0"/>
+                          <a:ea typeface="新細明體" panose="02020500000000000000" pitchFamily="18" charset="-120"/>
+                          <a:cs typeface="Times New Roman" panose="02020603050405020304" pitchFamily="18" charset="0"/>
+                        </a:rPr>
+                        <a:t> </a:t>
+                      </a:r>
+                      <a:r>
+                        <a:rPr lang="en-US" sz="1000" b="1" kern="0" dirty="0">
+                          <a:solidFill>
+                            <a:srgbClr val="0000FF"/>
+                          </a:solidFill>
+                          <a:effectLst/>
+                          <a:latin typeface="Consolas" panose="020B0609020204030204" pitchFamily="49" charset="0"/>
+                          <a:ea typeface="新細明體" panose="02020500000000000000" pitchFamily="18" charset="-120"/>
+                          <a:cs typeface="Times New Roman" panose="02020603050405020304" pitchFamily="18" charset="0"/>
+                        </a:rPr>
+                        <a:t>in</a:t>
+                      </a:r>
+                      <a:r>
+                        <a:rPr lang="en-US" sz="1000" kern="0" dirty="0">
+                          <a:solidFill>
+                            <a:srgbClr val="000000"/>
+                          </a:solidFill>
+                          <a:effectLst/>
+                          <a:latin typeface="Consolas" panose="020B0609020204030204" pitchFamily="49" charset="0"/>
+                          <a:ea typeface="新細明體" panose="02020500000000000000" pitchFamily="18" charset="-120"/>
+                          <a:cs typeface="Times New Roman" panose="02020603050405020304" pitchFamily="18" charset="0"/>
+                        </a:rPr>
+                        <a:t> </a:t>
+                      </a:r>
+                      <a:r>
+                        <a:rPr lang="en-US" sz="1000" b="1" kern="0" dirty="0">
+                          <a:solidFill>
+                            <a:srgbClr val="880088"/>
+                          </a:solidFill>
+                          <a:effectLst/>
+                          <a:latin typeface="Consolas" panose="020B0609020204030204" pitchFamily="49" charset="0"/>
+                          <a:ea typeface="新細明體" panose="02020500000000000000" pitchFamily="18" charset="-120"/>
+                          <a:cs typeface="Times New Roman" panose="02020603050405020304" pitchFamily="18" charset="0"/>
+                        </a:rPr>
+                        <a:t>range</a:t>
+                      </a:r>
+                      <a:r>
+                        <a:rPr lang="en-US" sz="1000" b="1" kern="0" dirty="0">
+                          <a:solidFill>
+                            <a:srgbClr val="000080"/>
+                          </a:solidFill>
+                          <a:effectLst/>
+                          <a:latin typeface="Consolas" panose="020B0609020204030204" pitchFamily="49" charset="0"/>
+                          <a:ea typeface="新細明體" panose="02020500000000000000" pitchFamily="18" charset="-120"/>
+                          <a:cs typeface="Times New Roman" panose="02020603050405020304" pitchFamily="18" charset="0"/>
+                        </a:rPr>
+                        <a:t>(</a:t>
+                      </a:r>
+                      <a:r>
+                        <a:rPr lang="en-US" sz="1000" b="1" kern="0" dirty="0" err="1">
+                          <a:solidFill>
+                            <a:srgbClr val="880088"/>
+                          </a:solidFill>
+                          <a:effectLst/>
+                          <a:latin typeface="Consolas" panose="020B0609020204030204" pitchFamily="49" charset="0"/>
+                          <a:ea typeface="新細明體" panose="02020500000000000000" pitchFamily="18" charset="-120"/>
+                          <a:cs typeface="Times New Roman" panose="02020603050405020304" pitchFamily="18" charset="0"/>
+                        </a:rPr>
+                        <a:t>len</a:t>
+                      </a:r>
+                      <a:r>
+                        <a:rPr lang="en-US" sz="1000" b="1" kern="0" dirty="0">
+                          <a:solidFill>
+                            <a:srgbClr val="000080"/>
+                          </a:solidFill>
+                          <a:effectLst/>
+                          <a:latin typeface="Consolas" panose="020B0609020204030204" pitchFamily="49" charset="0"/>
+                          <a:ea typeface="新細明體" panose="02020500000000000000" pitchFamily="18" charset="-120"/>
+                          <a:cs typeface="Times New Roman" panose="02020603050405020304" pitchFamily="18" charset="0"/>
+                        </a:rPr>
+                        <a:t>(</a:t>
+                      </a:r>
+                      <a:r>
+                        <a:rPr lang="en-US" sz="1000" kern="0" dirty="0">
+                          <a:solidFill>
+                            <a:srgbClr val="000000"/>
+                          </a:solidFill>
+                          <a:effectLst/>
+                          <a:latin typeface="Consolas" panose="020B0609020204030204" pitchFamily="49" charset="0"/>
+                          <a:ea typeface="新細明體" panose="02020500000000000000" pitchFamily="18" charset="-120"/>
+                          <a:cs typeface="Times New Roman" panose="02020603050405020304" pitchFamily="18" charset="0"/>
+                        </a:rPr>
+                        <a:t>sg</a:t>
+                      </a:r>
+                      <a:r>
+                        <a:rPr lang="en-US" sz="1000" b="1" kern="0" dirty="0">
+                          <a:solidFill>
+                            <a:srgbClr val="000080"/>
+                          </a:solidFill>
+                          <a:effectLst/>
+                          <a:latin typeface="Consolas" panose="020B0609020204030204" pitchFamily="49" charset="0"/>
+                          <a:ea typeface="新細明體" panose="02020500000000000000" pitchFamily="18" charset="-120"/>
+                          <a:cs typeface="Times New Roman" panose="02020603050405020304" pitchFamily="18" charset="0"/>
+                        </a:rPr>
+                        <a:t>[</a:t>
+                      </a:r>
+                      <a:r>
+                        <a:rPr lang="en-US" sz="1000" kern="0" dirty="0">
+                          <a:solidFill>
+                            <a:srgbClr val="808080"/>
+                          </a:solidFill>
+                          <a:effectLst/>
+                          <a:latin typeface="Consolas" panose="020B0609020204030204" pitchFamily="49" charset="0"/>
+                          <a:ea typeface="新細明體" panose="02020500000000000000" pitchFamily="18" charset="-120"/>
+                          <a:cs typeface="Times New Roman" panose="02020603050405020304" pitchFamily="18" charset="0"/>
+                        </a:rPr>
+                        <a:t>'</a:t>
+                      </a:r>
+                      <a:r>
+                        <a:rPr lang="en-US" sz="1000" kern="0" dirty="0" err="1">
+                          <a:solidFill>
+                            <a:srgbClr val="808080"/>
+                          </a:solidFill>
+                          <a:effectLst/>
+                          <a:latin typeface="Consolas" panose="020B0609020204030204" pitchFamily="49" charset="0"/>
+                          <a:ea typeface="新細明體" panose="02020500000000000000" pitchFamily="18" charset="-120"/>
+                          <a:cs typeface="Times New Roman" panose="02020603050405020304" pitchFamily="18" charset="0"/>
+                        </a:rPr>
+                        <a:t>sg_B</a:t>
+                      </a:r>
+                      <a:r>
+                        <a:rPr lang="en-US" sz="1000" kern="0" dirty="0">
+                          <a:solidFill>
+                            <a:srgbClr val="808080"/>
+                          </a:solidFill>
+                          <a:effectLst/>
+                          <a:latin typeface="Consolas" panose="020B0609020204030204" pitchFamily="49" charset="0"/>
+                          <a:ea typeface="新細明體" panose="02020500000000000000" pitchFamily="18" charset="-120"/>
+                          <a:cs typeface="Times New Roman" panose="02020603050405020304" pitchFamily="18" charset="0"/>
+                        </a:rPr>
+                        <a:t>'</a:t>
+                      </a:r>
+                      <a:r>
+                        <a:rPr lang="en-US" sz="1000" b="1" kern="0" dirty="0">
+                          <a:solidFill>
+                            <a:srgbClr val="000080"/>
+                          </a:solidFill>
+                          <a:effectLst/>
+                          <a:latin typeface="Consolas" panose="020B0609020204030204" pitchFamily="49" charset="0"/>
+                          <a:ea typeface="新細明體" panose="02020500000000000000" pitchFamily="18" charset="-120"/>
+                          <a:cs typeface="Times New Roman" panose="02020603050405020304" pitchFamily="18" charset="0"/>
+                        </a:rPr>
+                        <a:t>]))]</a:t>
                       </a:r>
                       <a:endParaRPr lang="zh-TW" sz="1200" kern="100" dirty="0">
                         <a:effectLst/>
@@ -23600,7 +24500,7 @@
                 </a:tc>
                 <a:extLst>
                   <a:ext uri="{0D108BD9-81ED-4DB2-BD59-A6C34878D82A}">
-                    <a16:rowId xmlns:a16="http://schemas.microsoft.com/office/drawing/2014/main" val="2497435808"/>
+                    <a16:rowId xmlns:a16="http://schemas.microsoft.com/office/drawing/2014/main" val="1074851152"/>
                   </a:ext>
                 </a:extLst>
               </a:tr>
@@ -23608,88 +24508,821 @@
           </a:graphicData>
         </a:graphic>
       </p:graphicFrame>
-      <p:pic>
-        <p:nvPicPr>
-          <p:cNvPr id="61" name="圖片 60">
+      <p:graphicFrame>
+        <p:nvGraphicFramePr>
+          <p:cNvPr id="6" name="表格 5">
             <a:extLst>
               <a:ext uri="{FF2B5EF4-FFF2-40B4-BE49-F238E27FC236}">
-                <a16:creationId xmlns:a16="http://schemas.microsoft.com/office/drawing/2014/main" id="{6061F6BB-EBAE-9F86-5D5A-5A697E8D785A}"/>
+                <a16:creationId xmlns:a16="http://schemas.microsoft.com/office/drawing/2014/main" id="{294F9C34-64AC-40A3-ADC0-80CD652CB16F}"/>
               </a:ext>
             </a:extLst>
           </p:cNvPr>
-          <p:cNvPicPr>
-            <a:picLocks noChangeAspect="1"/>
-          </p:cNvPicPr>
-          <p:nvPr/>
-        </p:nvPicPr>
-        <p:blipFill>
-          <a:blip r:embed="rId2">
-            <a:extLst>
-              <a:ext uri="{28A0092B-C50C-407E-A947-70E740481C1C}">
-                <a14:useLocalDpi xmlns:a14="http://schemas.microsoft.com/office/drawing/2010/main" val="0"/>
-              </a:ext>
-            </a:extLst>
-          </a:blip>
-          <a:stretch>
-            <a:fillRect/>
-          </a:stretch>
-        </p:blipFill>
-        <p:spPr>
-          <a:xfrm>
-            <a:off x="3174521" y="3653072"/>
-            <a:ext cx="5417389" cy="2409478"/>
-          </a:xfrm>
-          <a:prstGeom prst="rect">
-            <a:avLst/>
-          </a:prstGeom>
-        </p:spPr>
-      </p:pic>
-      <p:sp>
-        <p:nvSpPr>
-          <p:cNvPr id="62" name="文字方塊 61">
+          <p:cNvGraphicFramePr>
+            <a:graphicFrameLocks noGrp="1"/>
+          </p:cNvGraphicFramePr>
+          <p:nvPr>
+            <p:extLst>
+              <p:ext uri="{D42A27DB-BD31-4B8C-83A1-F6EECF244321}">
+                <p14:modId xmlns:p14="http://schemas.microsoft.com/office/powerpoint/2010/main" val="1495679382"/>
+              </p:ext>
+            </p:extLst>
+          </p:nvPr>
+        </p:nvGraphicFramePr>
+        <p:xfrm>
+          <a:off x="1132421" y="4847272"/>
+          <a:ext cx="5267960" cy="640080"/>
+        </p:xfrm>
+        <a:graphic>
+          <a:graphicData uri="http://schemas.openxmlformats.org/drawingml/2006/table">
+            <a:tbl>
+              <a:tblPr firstRow="1" firstCol="1" bandRow="1"/>
+              <a:tblGrid>
+                <a:gridCol w="5267960">
+                  <a:extLst>
+                    <a:ext uri="{9D8B030D-6E8A-4147-A177-3AD203B41FA5}">
+                      <a16:colId xmlns:a16="http://schemas.microsoft.com/office/drawing/2014/main" val="3225045104"/>
+                    </a:ext>
+                  </a:extLst>
+                </a:gridCol>
+              </a:tblGrid>
+              <a:tr h="0">
+                <a:tc>
+                  <a:txBody>
+                    <a:bodyPr/>
+                    <a:lstStyle/>
+                    <a:p>
+                      <a:r>
+                        <a:rPr lang="en-US" sz="1000" kern="0" dirty="0" err="1">
+                          <a:solidFill>
+                            <a:srgbClr val="000000"/>
+                          </a:solidFill>
+                          <a:effectLst/>
+                          <a:latin typeface="Consolas" panose="020B0609020204030204" pitchFamily="49" charset="0"/>
+                          <a:ea typeface="新細明體" panose="02020500000000000000" pitchFamily="18" charset="-120"/>
+                          <a:cs typeface="Times New Roman" panose="02020603050405020304" pitchFamily="18" charset="0"/>
+                        </a:rPr>
+                        <a:t>spike_abs_B_lower_noise</a:t>
+                      </a:r>
+                      <a:r>
+                        <a:rPr lang="en-US" sz="1000" kern="0" dirty="0">
+                          <a:solidFill>
+                            <a:srgbClr val="000000"/>
+                          </a:solidFill>
+                          <a:effectLst/>
+                          <a:latin typeface="Consolas" panose="020B0609020204030204" pitchFamily="49" charset="0"/>
+                          <a:ea typeface="新細明體" panose="02020500000000000000" pitchFamily="18" charset="-120"/>
+                          <a:cs typeface="Times New Roman" panose="02020603050405020304" pitchFamily="18" charset="0"/>
+                        </a:rPr>
+                        <a:t> </a:t>
+                      </a:r>
+                      <a:r>
+                        <a:rPr lang="en-US" sz="1000" b="1" kern="0" dirty="0">
+                          <a:solidFill>
+                            <a:srgbClr val="000080"/>
+                          </a:solidFill>
+                          <a:effectLst/>
+                          <a:latin typeface="Consolas" panose="020B0609020204030204" pitchFamily="49" charset="0"/>
+                          <a:ea typeface="新細明體" panose="02020500000000000000" pitchFamily="18" charset="-120"/>
+                          <a:cs typeface="Times New Roman" panose="02020603050405020304" pitchFamily="18" charset="0"/>
+                        </a:rPr>
+                        <a:t>=</a:t>
+                      </a:r>
+                      <a:r>
+                        <a:rPr lang="en-US" sz="1000" kern="0" dirty="0">
+                          <a:solidFill>
+                            <a:srgbClr val="000000"/>
+                          </a:solidFill>
+                          <a:effectLst/>
+                          <a:latin typeface="Consolas" panose="020B0609020204030204" pitchFamily="49" charset="0"/>
+                          <a:ea typeface="新細明體" panose="02020500000000000000" pitchFamily="18" charset="-120"/>
+                          <a:cs typeface="Times New Roman" panose="02020603050405020304" pitchFamily="18" charset="0"/>
+                        </a:rPr>
+                        <a:t> </a:t>
+                      </a:r>
+                      <a:r>
+                        <a:rPr lang="en-US" sz="1000" kern="0" dirty="0" err="1">
+                          <a:solidFill>
+                            <a:srgbClr val="000000"/>
+                          </a:solidFill>
+                          <a:effectLst/>
+                          <a:latin typeface="Consolas" panose="020B0609020204030204" pitchFamily="49" charset="0"/>
+                          <a:ea typeface="新細明體" panose="02020500000000000000" pitchFamily="18" charset="-120"/>
+                          <a:cs typeface="Times New Roman" panose="02020603050405020304" pitchFamily="18" charset="0"/>
+                        </a:rPr>
+                        <a:t>spike_abs</a:t>
+                      </a:r>
+                      <a:r>
+                        <a:rPr lang="en-US" sz="1000" b="1" kern="0" dirty="0">
+                          <a:solidFill>
+                            <a:srgbClr val="000080"/>
+                          </a:solidFill>
+                          <a:effectLst/>
+                          <a:latin typeface="Consolas" panose="020B0609020204030204" pitchFamily="49" charset="0"/>
+                          <a:ea typeface="新細明體" panose="02020500000000000000" pitchFamily="18" charset="-120"/>
+                          <a:cs typeface="Times New Roman" panose="02020603050405020304" pitchFamily="18" charset="0"/>
+                        </a:rPr>
+                        <a:t>[</a:t>
+                      </a:r>
+                      <a:r>
+                        <a:rPr lang="en-US" sz="1000" kern="0" dirty="0">
+                          <a:solidFill>
+                            <a:srgbClr val="808080"/>
+                          </a:solidFill>
+                          <a:effectLst/>
+                          <a:latin typeface="Consolas" panose="020B0609020204030204" pitchFamily="49" charset="0"/>
+                          <a:ea typeface="新細明體" panose="02020500000000000000" pitchFamily="18" charset="-120"/>
+                          <a:cs typeface="Times New Roman" panose="02020603050405020304" pitchFamily="18" charset="0"/>
+                        </a:rPr>
+                        <a:t>'</a:t>
+                      </a:r>
+                      <a:r>
+                        <a:rPr lang="en-US" sz="1000" kern="0" dirty="0" err="1">
+                          <a:solidFill>
+                            <a:srgbClr val="808080"/>
+                          </a:solidFill>
+                          <a:effectLst/>
+                          <a:latin typeface="Consolas" panose="020B0609020204030204" pitchFamily="49" charset="0"/>
+                          <a:ea typeface="新細明體" panose="02020500000000000000" pitchFamily="18" charset="-120"/>
+                          <a:cs typeface="Times New Roman" panose="02020603050405020304" pitchFamily="18" charset="0"/>
+                        </a:rPr>
+                        <a:t>spike_B</a:t>
+                      </a:r>
+                      <a:r>
+                        <a:rPr lang="en-US" sz="1000" kern="0" dirty="0">
+                          <a:solidFill>
+                            <a:srgbClr val="808080"/>
+                          </a:solidFill>
+                          <a:effectLst/>
+                          <a:latin typeface="Consolas" panose="020B0609020204030204" pitchFamily="49" charset="0"/>
+                          <a:ea typeface="新細明體" panose="02020500000000000000" pitchFamily="18" charset="-120"/>
+                          <a:cs typeface="Times New Roman" panose="02020603050405020304" pitchFamily="18" charset="0"/>
+                        </a:rPr>
+                        <a:t>'</a:t>
+                      </a:r>
+                      <a:r>
+                        <a:rPr lang="en-US" sz="1000" b="1" kern="0" dirty="0">
+                          <a:solidFill>
+                            <a:srgbClr val="000080"/>
+                          </a:solidFill>
+                          <a:effectLst/>
+                          <a:latin typeface="Consolas" panose="020B0609020204030204" pitchFamily="49" charset="0"/>
+                          <a:ea typeface="新細明體" panose="02020500000000000000" pitchFamily="18" charset="-120"/>
+                          <a:cs typeface="Times New Roman" panose="02020603050405020304" pitchFamily="18" charset="0"/>
+                        </a:rPr>
+                        <a:t>]</a:t>
+                      </a:r>
+                      <a:r>
+                        <a:rPr lang="en-US" sz="1000" kern="0" dirty="0">
+                          <a:solidFill>
+                            <a:srgbClr val="000000"/>
+                          </a:solidFill>
+                          <a:effectLst/>
+                          <a:latin typeface="Consolas" panose="020B0609020204030204" pitchFamily="49" charset="0"/>
+                          <a:ea typeface="新細明體" panose="02020500000000000000" pitchFamily="18" charset="-120"/>
+                          <a:cs typeface="Times New Roman" panose="02020603050405020304" pitchFamily="18" charset="0"/>
+                        </a:rPr>
+                        <a:t> </a:t>
+                      </a:r>
+                      <a:r>
+                        <a:rPr lang="en-US" sz="1000" b="1" kern="0" dirty="0">
+                          <a:solidFill>
+                            <a:srgbClr val="000080"/>
+                          </a:solidFill>
+                          <a:effectLst/>
+                          <a:latin typeface="Consolas" panose="020B0609020204030204" pitchFamily="49" charset="0"/>
+                          <a:ea typeface="新細明體" panose="02020500000000000000" pitchFamily="18" charset="-120"/>
+                          <a:cs typeface="Times New Roman" panose="02020603050405020304" pitchFamily="18" charset="0"/>
+                        </a:rPr>
+                        <a:t>*</a:t>
+                      </a:r>
+                      <a:r>
+                        <a:rPr lang="en-US" sz="1000" kern="0" dirty="0">
+                          <a:solidFill>
+                            <a:srgbClr val="000000"/>
+                          </a:solidFill>
+                          <a:effectLst/>
+                          <a:latin typeface="Consolas" panose="020B0609020204030204" pitchFamily="49" charset="0"/>
+                          <a:ea typeface="新細明體" panose="02020500000000000000" pitchFamily="18" charset="-120"/>
+                          <a:cs typeface="Times New Roman" panose="02020603050405020304" pitchFamily="18" charset="0"/>
+                        </a:rPr>
+                        <a:t> </a:t>
+                      </a:r>
+                      <a:r>
+                        <a:rPr lang="en-US" sz="1000" kern="0" dirty="0" err="1">
+                          <a:solidFill>
+                            <a:srgbClr val="000000"/>
+                          </a:solidFill>
+                          <a:effectLst/>
+                          <a:latin typeface="Consolas" panose="020B0609020204030204" pitchFamily="49" charset="0"/>
+                          <a:ea typeface="新細明體" panose="02020500000000000000" pitchFamily="18" charset="-120"/>
+                          <a:cs typeface="Times New Roman" panose="02020603050405020304" pitchFamily="18" charset="0"/>
+                        </a:rPr>
+                        <a:t>work_B</a:t>
+                      </a:r>
+                      <a:endParaRPr lang="zh-TW" sz="1200" kern="100" dirty="0">
+                        <a:effectLst/>
+                        <a:latin typeface="Consolas" panose="020B0609020204030204" pitchFamily="49" charset="0"/>
+                        <a:ea typeface="新細明體" panose="02020500000000000000" pitchFamily="18" charset="-120"/>
+                        <a:cs typeface="Times New Roman" panose="02020603050405020304" pitchFamily="18" charset="0"/>
+                      </a:endParaRPr>
+                    </a:p>
+                    <a:p>
+                      <a:r>
+                        <a:rPr lang="en-US" sz="1000" kern="0" dirty="0" err="1">
+                          <a:solidFill>
+                            <a:srgbClr val="000000"/>
+                          </a:solidFill>
+                          <a:effectLst/>
+                          <a:latin typeface="Consolas" panose="020B0609020204030204" pitchFamily="49" charset="0"/>
+                          <a:ea typeface="新細明體" panose="02020500000000000000" pitchFamily="18" charset="-120"/>
+                          <a:cs typeface="Times New Roman" panose="02020603050405020304" pitchFamily="18" charset="0"/>
+                        </a:rPr>
+                        <a:t>spike_B_lower_noise</a:t>
+                      </a:r>
+                      <a:r>
+                        <a:rPr lang="en-US" sz="1000" kern="0" dirty="0">
+                          <a:solidFill>
+                            <a:srgbClr val="000000"/>
+                          </a:solidFill>
+                          <a:effectLst/>
+                          <a:latin typeface="Consolas" panose="020B0609020204030204" pitchFamily="49" charset="0"/>
+                          <a:ea typeface="新細明體" panose="02020500000000000000" pitchFamily="18" charset="-120"/>
+                          <a:cs typeface="Times New Roman" panose="02020603050405020304" pitchFamily="18" charset="0"/>
+                        </a:rPr>
+                        <a:t> </a:t>
+                      </a:r>
+                      <a:r>
+                        <a:rPr lang="en-US" sz="1000" b="1" kern="0" dirty="0">
+                          <a:solidFill>
+                            <a:srgbClr val="000080"/>
+                          </a:solidFill>
+                          <a:effectLst/>
+                          <a:latin typeface="Consolas" panose="020B0609020204030204" pitchFamily="49" charset="0"/>
+                          <a:ea typeface="新細明體" panose="02020500000000000000" pitchFamily="18" charset="-120"/>
+                          <a:cs typeface="Times New Roman" panose="02020603050405020304" pitchFamily="18" charset="0"/>
+                        </a:rPr>
+                        <a:t>=</a:t>
+                      </a:r>
+                      <a:r>
+                        <a:rPr lang="en-US" sz="1000" kern="0" dirty="0">
+                          <a:solidFill>
+                            <a:srgbClr val="000000"/>
+                          </a:solidFill>
+                          <a:effectLst/>
+                          <a:latin typeface="Consolas" panose="020B0609020204030204" pitchFamily="49" charset="0"/>
+                          <a:ea typeface="新細明體" panose="02020500000000000000" pitchFamily="18" charset="-120"/>
+                          <a:cs typeface="Times New Roman" panose="02020603050405020304" pitchFamily="18" charset="0"/>
+                        </a:rPr>
+                        <a:t> spike</a:t>
+                      </a:r>
+                      <a:r>
+                        <a:rPr lang="en-US" sz="1000" b="1" kern="0" dirty="0">
+                          <a:solidFill>
+                            <a:srgbClr val="000080"/>
+                          </a:solidFill>
+                          <a:effectLst/>
+                          <a:latin typeface="Consolas" panose="020B0609020204030204" pitchFamily="49" charset="0"/>
+                          <a:ea typeface="新細明體" panose="02020500000000000000" pitchFamily="18" charset="-120"/>
+                          <a:cs typeface="Times New Roman" panose="02020603050405020304" pitchFamily="18" charset="0"/>
+                        </a:rPr>
+                        <a:t>[</a:t>
+                      </a:r>
+                      <a:r>
+                        <a:rPr lang="en-US" sz="1000" kern="0" dirty="0">
+                          <a:solidFill>
+                            <a:srgbClr val="808080"/>
+                          </a:solidFill>
+                          <a:effectLst/>
+                          <a:latin typeface="Consolas" panose="020B0609020204030204" pitchFamily="49" charset="0"/>
+                          <a:ea typeface="新細明體" panose="02020500000000000000" pitchFamily="18" charset="-120"/>
+                          <a:cs typeface="Times New Roman" panose="02020603050405020304" pitchFamily="18" charset="0"/>
+                        </a:rPr>
+                        <a:t>'</a:t>
+                      </a:r>
+                      <a:r>
+                        <a:rPr lang="en-US" sz="1000" kern="0" dirty="0" err="1">
+                          <a:solidFill>
+                            <a:srgbClr val="808080"/>
+                          </a:solidFill>
+                          <a:effectLst/>
+                          <a:latin typeface="Consolas" panose="020B0609020204030204" pitchFamily="49" charset="0"/>
+                          <a:ea typeface="新細明體" panose="02020500000000000000" pitchFamily="18" charset="-120"/>
+                          <a:cs typeface="Times New Roman" panose="02020603050405020304" pitchFamily="18" charset="0"/>
+                        </a:rPr>
+                        <a:t>spike_B</a:t>
+                      </a:r>
+                      <a:r>
+                        <a:rPr lang="en-US" sz="1000" kern="0" dirty="0">
+                          <a:solidFill>
+                            <a:srgbClr val="808080"/>
+                          </a:solidFill>
+                          <a:effectLst/>
+                          <a:latin typeface="Consolas" panose="020B0609020204030204" pitchFamily="49" charset="0"/>
+                          <a:ea typeface="新細明體" panose="02020500000000000000" pitchFamily="18" charset="-120"/>
+                          <a:cs typeface="Times New Roman" panose="02020603050405020304" pitchFamily="18" charset="0"/>
+                        </a:rPr>
+                        <a:t>'</a:t>
+                      </a:r>
+                      <a:r>
+                        <a:rPr lang="en-US" sz="1000" b="1" kern="0" dirty="0">
+                          <a:solidFill>
+                            <a:srgbClr val="000080"/>
+                          </a:solidFill>
+                          <a:effectLst/>
+                          <a:latin typeface="Consolas" panose="020B0609020204030204" pitchFamily="49" charset="0"/>
+                          <a:ea typeface="新細明體" panose="02020500000000000000" pitchFamily="18" charset="-120"/>
+                          <a:cs typeface="Times New Roman" panose="02020603050405020304" pitchFamily="18" charset="0"/>
+                        </a:rPr>
+                        <a:t>]</a:t>
+                      </a:r>
+                      <a:r>
+                        <a:rPr lang="en-US" sz="1000" kern="0" dirty="0">
+                          <a:solidFill>
+                            <a:srgbClr val="000000"/>
+                          </a:solidFill>
+                          <a:effectLst/>
+                          <a:latin typeface="Consolas" panose="020B0609020204030204" pitchFamily="49" charset="0"/>
+                          <a:ea typeface="新細明體" panose="02020500000000000000" pitchFamily="18" charset="-120"/>
+                          <a:cs typeface="Times New Roman" panose="02020603050405020304" pitchFamily="18" charset="0"/>
+                        </a:rPr>
+                        <a:t> </a:t>
+                      </a:r>
+                      <a:r>
+                        <a:rPr lang="en-US" sz="1000" b="1" kern="0" dirty="0">
+                          <a:solidFill>
+                            <a:srgbClr val="000080"/>
+                          </a:solidFill>
+                          <a:effectLst/>
+                          <a:latin typeface="Consolas" panose="020B0609020204030204" pitchFamily="49" charset="0"/>
+                          <a:ea typeface="新細明體" panose="02020500000000000000" pitchFamily="18" charset="-120"/>
+                          <a:cs typeface="Times New Roman" panose="02020603050405020304" pitchFamily="18" charset="0"/>
+                        </a:rPr>
+                        <a:t>*</a:t>
+                      </a:r>
+                      <a:r>
+                        <a:rPr lang="en-US" sz="1000" kern="0" dirty="0">
+                          <a:solidFill>
+                            <a:srgbClr val="000000"/>
+                          </a:solidFill>
+                          <a:effectLst/>
+                          <a:latin typeface="Consolas" panose="020B0609020204030204" pitchFamily="49" charset="0"/>
+                          <a:ea typeface="新細明體" panose="02020500000000000000" pitchFamily="18" charset="-120"/>
+                          <a:cs typeface="Times New Roman" panose="02020603050405020304" pitchFamily="18" charset="0"/>
+                        </a:rPr>
+                        <a:t> </a:t>
+                      </a:r>
+                      <a:r>
+                        <a:rPr lang="en-US" sz="1000" kern="0" dirty="0" err="1">
+                          <a:solidFill>
+                            <a:srgbClr val="000000"/>
+                          </a:solidFill>
+                          <a:effectLst/>
+                          <a:latin typeface="Consolas" panose="020B0609020204030204" pitchFamily="49" charset="0"/>
+                          <a:ea typeface="新細明體" panose="02020500000000000000" pitchFamily="18" charset="-120"/>
+                          <a:cs typeface="Times New Roman" panose="02020603050405020304" pitchFamily="18" charset="0"/>
+                        </a:rPr>
+                        <a:t>work_B</a:t>
+                      </a:r>
+                      <a:endParaRPr lang="zh-TW" sz="1200" kern="100" dirty="0">
+                        <a:effectLst/>
+                        <a:latin typeface="Consolas" panose="020B0609020204030204" pitchFamily="49" charset="0"/>
+                        <a:ea typeface="新細明體" panose="02020500000000000000" pitchFamily="18" charset="-120"/>
+                        <a:cs typeface="Times New Roman" panose="02020603050405020304" pitchFamily="18" charset="0"/>
+                      </a:endParaRPr>
+                    </a:p>
+                    <a:p>
+                      <a:r>
+                        <a:rPr lang="en-US" sz="1200" kern="0" dirty="0">
+                          <a:effectLst/>
+                          <a:latin typeface="Consolas" panose="020B0609020204030204" pitchFamily="49" charset="0"/>
+                          <a:ea typeface="新細明體" panose="02020500000000000000" pitchFamily="18" charset="-120"/>
+                          <a:cs typeface="新細明體" panose="02020500000000000000" pitchFamily="18" charset="-120"/>
+                        </a:rPr>
+                        <a:t> </a:t>
+                      </a:r>
+                      <a:endParaRPr lang="zh-TW" sz="1200" kern="100" dirty="0">
+                        <a:effectLst/>
+                        <a:latin typeface="Consolas" panose="020B0609020204030204" pitchFamily="49" charset="0"/>
+                        <a:ea typeface="新細明體" panose="02020500000000000000" pitchFamily="18" charset="-120"/>
+                        <a:cs typeface="Times New Roman" panose="02020603050405020304" pitchFamily="18" charset="0"/>
+                      </a:endParaRPr>
+                    </a:p>
+                    <a:p>
+                      <a:r>
+                        <a:rPr lang="en-US" sz="1000" kern="0" dirty="0" err="1">
+                          <a:solidFill>
+                            <a:srgbClr val="000000"/>
+                          </a:solidFill>
+                          <a:effectLst/>
+                          <a:latin typeface="Consolas" panose="020B0609020204030204" pitchFamily="49" charset="0"/>
+                          <a:ea typeface="新細明體" panose="02020500000000000000" pitchFamily="18" charset="-120"/>
+                          <a:cs typeface="Times New Roman" panose="02020603050405020304" pitchFamily="18" charset="0"/>
+                        </a:rPr>
+                        <a:t>sg_B_lower_noise</a:t>
+                      </a:r>
+                      <a:r>
+                        <a:rPr lang="en-US" sz="1000" kern="0" dirty="0">
+                          <a:solidFill>
+                            <a:srgbClr val="000000"/>
+                          </a:solidFill>
+                          <a:effectLst/>
+                          <a:latin typeface="Consolas" panose="020B0609020204030204" pitchFamily="49" charset="0"/>
+                          <a:ea typeface="新細明體" panose="02020500000000000000" pitchFamily="18" charset="-120"/>
+                          <a:cs typeface="Times New Roman" panose="02020603050405020304" pitchFamily="18" charset="0"/>
+                        </a:rPr>
+                        <a:t> </a:t>
+                      </a:r>
+                      <a:r>
+                        <a:rPr lang="en-US" sz="1000" b="1" kern="0" dirty="0">
+                          <a:solidFill>
+                            <a:srgbClr val="000080"/>
+                          </a:solidFill>
+                          <a:effectLst/>
+                          <a:latin typeface="Consolas" panose="020B0609020204030204" pitchFamily="49" charset="0"/>
+                          <a:ea typeface="新細明體" panose="02020500000000000000" pitchFamily="18" charset="-120"/>
+                          <a:cs typeface="Times New Roman" panose="02020603050405020304" pitchFamily="18" charset="0"/>
+                        </a:rPr>
+                        <a:t>=</a:t>
+                      </a:r>
+                      <a:r>
+                        <a:rPr lang="en-US" sz="1000" kern="0" dirty="0">
+                          <a:solidFill>
+                            <a:srgbClr val="000000"/>
+                          </a:solidFill>
+                          <a:effectLst/>
+                          <a:latin typeface="Consolas" panose="020B0609020204030204" pitchFamily="49" charset="0"/>
+                          <a:ea typeface="新細明體" panose="02020500000000000000" pitchFamily="18" charset="-120"/>
+                          <a:cs typeface="Times New Roman" panose="02020603050405020304" pitchFamily="18" charset="0"/>
+                        </a:rPr>
+                        <a:t> </a:t>
+                      </a:r>
+                      <a:r>
+                        <a:rPr lang="en-US" sz="1000" kern="0" dirty="0" err="1">
+                          <a:solidFill>
+                            <a:srgbClr val="000000"/>
+                          </a:solidFill>
+                          <a:effectLst/>
+                          <a:latin typeface="Consolas" panose="020B0609020204030204" pitchFamily="49" charset="0"/>
+                          <a:ea typeface="新細明體" panose="02020500000000000000" pitchFamily="18" charset="-120"/>
+                          <a:cs typeface="Times New Roman" panose="02020603050405020304" pitchFamily="18" charset="0"/>
+                        </a:rPr>
+                        <a:t>np</a:t>
+                      </a:r>
+                      <a:r>
+                        <a:rPr lang="en-US" sz="1000" b="1" kern="0" dirty="0" err="1">
+                          <a:solidFill>
+                            <a:srgbClr val="000080"/>
+                          </a:solidFill>
+                          <a:effectLst/>
+                          <a:latin typeface="Consolas" panose="020B0609020204030204" pitchFamily="49" charset="0"/>
+                          <a:ea typeface="新細明體" panose="02020500000000000000" pitchFamily="18" charset="-120"/>
+                          <a:cs typeface="Times New Roman" panose="02020603050405020304" pitchFamily="18" charset="0"/>
+                        </a:rPr>
+                        <a:t>.</a:t>
+                      </a:r>
+                      <a:r>
+                        <a:rPr lang="en-US" sz="1000" kern="0" dirty="0" err="1">
+                          <a:solidFill>
+                            <a:srgbClr val="000000"/>
+                          </a:solidFill>
+                          <a:effectLst/>
+                          <a:latin typeface="Consolas" panose="020B0609020204030204" pitchFamily="49" charset="0"/>
+                          <a:ea typeface="新細明體" panose="02020500000000000000" pitchFamily="18" charset="-120"/>
+                          <a:cs typeface="Times New Roman" panose="02020603050405020304" pitchFamily="18" charset="0"/>
+                        </a:rPr>
+                        <a:t>array</a:t>
+                      </a:r>
+                      <a:r>
+                        <a:rPr lang="en-US" sz="1000" b="1" kern="0" dirty="0">
+                          <a:solidFill>
+                            <a:srgbClr val="000080"/>
+                          </a:solidFill>
+                          <a:effectLst/>
+                          <a:latin typeface="Consolas" panose="020B0609020204030204" pitchFamily="49" charset="0"/>
+                          <a:ea typeface="新細明體" panose="02020500000000000000" pitchFamily="18" charset="-120"/>
+                          <a:cs typeface="Times New Roman" panose="02020603050405020304" pitchFamily="18" charset="0"/>
+                        </a:rPr>
+                        <a:t>(</a:t>
+                      </a:r>
+                      <a:r>
+                        <a:rPr lang="en-US" sz="1000" kern="0" dirty="0">
+                          <a:solidFill>
+                            <a:srgbClr val="000000"/>
+                          </a:solidFill>
+                          <a:effectLst/>
+                          <a:latin typeface="Consolas" panose="020B0609020204030204" pitchFamily="49" charset="0"/>
+                          <a:ea typeface="新細明體" panose="02020500000000000000" pitchFamily="18" charset="-120"/>
+                          <a:cs typeface="Times New Roman" panose="02020603050405020304" pitchFamily="18" charset="0"/>
+                        </a:rPr>
+                        <a:t>sg</a:t>
+                      </a:r>
+                      <a:r>
+                        <a:rPr lang="en-US" sz="1000" b="1" kern="0" dirty="0">
+                          <a:solidFill>
+                            <a:srgbClr val="000080"/>
+                          </a:solidFill>
+                          <a:effectLst/>
+                          <a:latin typeface="Consolas" panose="020B0609020204030204" pitchFamily="49" charset="0"/>
+                          <a:ea typeface="新細明體" panose="02020500000000000000" pitchFamily="18" charset="-120"/>
+                          <a:cs typeface="Times New Roman" panose="02020603050405020304" pitchFamily="18" charset="0"/>
+                        </a:rPr>
+                        <a:t>[</a:t>
+                      </a:r>
+                      <a:r>
+                        <a:rPr lang="en-US" sz="1000" kern="0" dirty="0">
+                          <a:solidFill>
+                            <a:srgbClr val="808080"/>
+                          </a:solidFill>
+                          <a:effectLst/>
+                          <a:latin typeface="Consolas" panose="020B0609020204030204" pitchFamily="49" charset="0"/>
+                          <a:ea typeface="新細明體" panose="02020500000000000000" pitchFamily="18" charset="-120"/>
+                          <a:cs typeface="Times New Roman" panose="02020603050405020304" pitchFamily="18" charset="0"/>
+                        </a:rPr>
+                        <a:t>'</a:t>
+                      </a:r>
+                      <a:r>
+                        <a:rPr lang="en-US" sz="1000" kern="0" dirty="0" err="1">
+                          <a:solidFill>
+                            <a:srgbClr val="808080"/>
+                          </a:solidFill>
+                          <a:effectLst/>
+                          <a:latin typeface="Consolas" panose="020B0609020204030204" pitchFamily="49" charset="0"/>
+                          <a:ea typeface="新細明體" panose="02020500000000000000" pitchFamily="18" charset="-120"/>
+                          <a:cs typeface="Times New Roman" panose="02020603050405020304" pitchFamily="18" charset="0"/>
+                        </a:rPr>
+                        <a:t>sg_B</a:t>
+                      </a:r>
+                      <a:r>
+                        <a:rPr lang="en-US" sz="1000" kern="0" dirty="0">
+                          <a:solidFill>
+                            <a:srgbClr val="808080"/>
+                          </a:solidFill>
+                          <a:effectLst/>
+                          <a:latin typeface="Consolas" panose="020B0609020204030204" pitchFamily="49" charset="0"/>
+                          <a:ea typeface="新細明體" panose="02020500000000000000" pitchFamily="18" charset="-120"/>
+                          <a:cs typeface="Times New Roman" panose="02020603050405020304" pitchFamily="18" charset="0"/>
+                        </a:rPr>
+                        <a:t>'</a:t>
+                      </a:r>
+                      <a:r>
+                        <a:rPr lang="en-US" sz="1000" b="1" kern="0" dirty="0">
+                          <a:solidFill>
+                            <a:srgbClr val="000080"/>
+                          </a:solidFill>
+                          <a:effectLst/>
+                          <a:latin typeface="Consolas" panose="020B0609020204030204" pitchFamily="49" charset="0"/>
+                          <a:ea typeface="新細明體" panose="02020500000000000000" pitchFamily="18" charset="-120"/>
+                          <a:cs typeface="Times New Roman" panose="02020603050405020304" pitchFamily="18" charset="0"/>
+                        </a:rPr>
+                        <a:t>])</a:t>
+                      </a:r>
+                      <a:r>
+                        <a:rPr lang="en-US" sz="1000" kern="0" dirty="0">
+                          <a:solidFill>
+                            <a:srgbClr val="000000"/>
+                          </a:solidFill>
+                          <a:effectLst/>
+                          <a:latin typeface="Consolas" panose="020B0609020204030204" pitchFamily="49" charset="0"/>
+                          <a:ea typeface="新細明體" panose="02020500000000000000" pitchFamily="18" charset="-120"/>
+                          <a:cs typeface="Times New Roman" panose="02020603050405020304" pitchFamily="18" charset="0"/>
+                        </a:rPr>
+                        <a:t> </a:t>
+                      </a:r>
+                      <a:r>
+                        <a:rPr lang="en-US" sz="1000" b="1" kern="0" dirty="0">
+                          <a:solidFill>
+                            <a:srgbClr val="000080"/>
+                          </a:solidFill>
+                          <a:effectLst/>
+                          <a:latin typeface="Consolas" panose="020B0609020204030204" pitchFamily="49" charset="0"/>
+                          <a:ea typeface="新細明體" panose="02020500000000000000" pitchFamily="18" charset="-120"/>
+                          <a:cs typeface="Times New Roman" panose="02020603050405020304" pitchFamily="18" charset="0"/>
+                        </a:rPr>
+                        <a:t>*</a:t>
+                      </a:r>
+                      <a:r>
+                        <a:rPr lang="en-US" sz="1000" kern="0" dirty="0">
+                          <a:solidFill>
+                            <a:srgbClr val="000000"/>
+                          </a:solidFill>
+                          <a:effectLst/>
+                          <a:latin typeface="Consolas" panose="020B0609020204030204" pitchFamily="49" charset="0"/>
+                          <a:ea typeface="新細明體" panose="02020500000000000000" pitchFamily="18" charset="-120"/>
+                          <a:cs typeface="Times New Roman" panose="02020603050405020304" pitchFamily="18" charset="0"/>
+                        </a:rPr>
+                        <a:t> </a:t>
+                      </a:r>
+                      <a:r>
+                        <a:rPr lang="en-US" sz="1000" kern="0" dirty="0" err="1">
+                          <a:solidFill>
+                            <a:srgbClr val="000000"/>
+                          </a:solidFill>
+                          <a:effectLst/>
+                          <a:latin typeface="Consolas" panose="020B0609020204030204" pitchFamily="49" charset="0"/>
+                          <a:ea typeface="新細明體" panose="02020500000000000000" pitchFamily="18" charset="-120"/>
+                          <a:cs typeface="Times New Roman" panose="02020603050405020304" pitchFamily="18" charset="0"/>
+                        </a:rPr>
+                        <a:t>work_B</a:t>
+                      </a:r>
+                      <a:endParaRPr lang="zh-TW" sz="1200" kern="100" dirty="0">
+                        <a:effectLst/>
+                        <a:latin typeface="Consolas" panose="020B0609020204030204" pitchFamily="49" charset="0"/>
+                        <a:ea typeface="新細明體" panose="02020500000000000000" pitchFamily="18" charset="-120"/>
+                        <a:cs typeface="Times New Roman" panose="02020603050405020304" pitchFamily="18" charset="0"/>
+                      </a:endParaRPr>
+                    </a:p>
+                  </a:txBody>
+                  <a:tcPr marL="68580" marR="68580" marT="0" marB="0">
+                    <a:lnL w="12700" cap="flat" cmpd="sng" algn="ctr">
+                      <a:solidFill>
+                        <a:srgbClr val="000000"/>
+                      </a:solidFill>
+                      <a:prstDash val="solid"/>
+                      <a:round/>
+                      <a:headEnd type="none" w="med" len="med"/>
+                      <a:tailEnd type="none" w="med" len="med"/>
+                    </a:lnL>
+                    <a:lnR w="12700" cap="flat" cmpd="sng" algn="ctr">
+                      <a:solidFill>
+                        <a:srgbClr val="000000"/>
+                      </a:solidFill>
+                      <a:prstDash val="solid"/>
+                      <a:round/>
+                      <a:headEnd type="none" w="med" len="med"/>
+                      <a:tailEnd type="none" w="med" len="med"/>
+                    </a:lnR>
+                    <a:lnT w="12700" cap="flat" cmpd="sng" algn="ctr">
+                      <a:solidFill>
+                        <a:srgbClr val="000000"/>
+                      </a:solidFill>
+                      <a:prstDash val="solid"/>
+                      <a:round/>
+                      <a:headEnd type="none" w="med" len="med"/>
+                      <a:tailEnd type="none" w="med" len="med"/>
+                    </a:lnT>
+                    <a:lnB w="12700" cap="flat" cmpd="sng" algn="ctr">
+                      <a:solidFill>
+                        <a:srgbClr val="000000"/>
+                      </a:solidFill>
+                      <a:prstDash val="solid"/>
+                      <a:round/>
+                      <a:headEnd type="none" w="med" len="med"/>
+                      <a:tailEnd type="none" w="med" len="med"/>
+                    </a:lnB>
+                    <a:solidFill>
+                      <a:srgbClr val="F4F9F1"/>
+                    </a:solidFill>
+                  </a:tcPr>
+                </a:tc>
+                <a:extLst>
+                  <a:ext uri="{0D108BD9-81ED-4DB2-BD59-A6C34878D82A}">
+                    <a16:rowId xmlns:a16="http://schemas.microsoft.com/office/drawing/2014/main" val="2086477581"/>
+                  </a:ext>
+                </a:extLst>
+              </a:tr>
+            </a:tbl>
+          </a:graphicData>
+        </a:graphic>
+      </p:graphicFrame>
+      <p:graphicFrame>
+        <p:nvGraphicFramePr>
+          <p:cNvPr id="7" name="表格 6">
             <a:extLst>
               <a:ext uri="{FF2B5EF4-FFF2-40B4-BE49-F238E27FC236}">
-                <a16:creationId xmlns:a16="http://schemas.microsoft.com/office/drawing/2014/main" id="{D9CFEF71-B86D-9251-4AAE-1A37A8C7D90E}"/>
+                <a16:creationId xmlns:a16="http://schemas.microsoft.com/office/drawing/2014/main" id="{8142B901-5C99-4282-9F6B-E82922EDE305}"/>
               </a:ext>
             </a:extLst>
           </p:cNvPr>
-          <p:cNvSpPr txBox="1"/>
-          <p:nvPr/>
-        </p:nvSpPr>
-        <p:spPr>
-          <a:xfrm>
-            <a:off x="6564703" y="5939439"/>
-            <a:ext cx="2027207" cy="246221"/>
-          </a:xfrm>
-          <a:prstGeom prst="rect">
-            <a:avLst/>
-          </a:prstGeom>
-          <a:noFill/>
-        </p:spPr>
-        <p:txBody>
-          <a:bodyPr wrap="square" rtlCol="0">
-            <a:spAutoFit/>
-          </a:bodyPr>
-          <a:lstStyle/>
-          <a:p>
-            <a:pPr algn="ctr"/>
-            <a:r>
-              <a:rPr lang="en-US" altLang="zh-TW" sz="1000" b="1" dirty="0">
-                <a:latin typeface="微軟正黑體" panose="020B0604030504040204" pitchFamily="34" charset="-120"/>
-                <a:ea typeface="微軟正黑體" panose="020B0604030504040204" pitchFamily="34" charset="-120"/>
-              </a:rPr>
-              <a:t>*</a:t>
-            </a:r>
-            <a:r>
-              <a:rPr lang="zh-TW" altLang="en-US" sz="1000" b="1" dirty="0">
-                <a:latin typeface="微軟正黑體" panose="020B0604030504040204" pitchFamily="34" charset="-120"/>
-                <a:ea typeface="微軟正黑體" panose="020B0604030504040204" pitchFamily="34" charset="-120"/>
-              </a:rPr>
-              <a:t>示意圖僅供參考</a:t>
-            </a:r>
-          </a:p>
-        </p:txBody>
-      </p:sp>
+          <p:cNvGraphicFramePr>
+            <a:graphicFrameLocks noGrp="1"/>
+          </p:cNvGraphicFramePr>
+          <p:nvPr>
+            <p:extLst>
+              <p:ext uri="{D42A27DB-BD31-4B8C-83A1-F6EECF244321}">
+                <p14:modId xmlns:p14="http://schemas.microsoft.com/office/powerpoint/2010/main" val="2480026417"/>
+              </p:ext>
+            </p:extLst>
+          </p:nvPr>
+        </p:nvGraphicFramePr>
+        <p:xfrm>
+          <a:off x="1132421" y="3969605"/>
+          <a:ext cx="7459488" cy="304800"/>
+        </p:xfrm>
+        <a:graphic>
+          <a:graphicData uri="http://schemas.openxmlformats.org/drawingml/2006/table">
+            <a:tbl>
+              <a:tblPr firstRow="1" firstCol="1" bandRow="1"/>
+              <a:tblGrid>
+                <a:gridCol w="7459488">
+                  <a:extLst>
+                    <a:ext uri="{9D8B030D-6E8A-4147-A177-3AD203B41FA5}">
+                      <a16:colId xmlns:a16="http://schemas.microsoft.com/office/drawing/2014/main" val="2674856449"/>
+                    </a:ext>
+                  </a:extLst>
+                </a:gridCol>
+              </a:tblGrid>
+              <a:tr h="0">
+                <a:tc>
+                  <a:txBody>
+                    <a:bodyPr/>
+                    <a:lstStyle/>
+                    <a:p>
+                      <a:r>
+                        <a:rPr lang="en-US" sz="1000" kern="0" dirty="0">
+                          <a:solidFill>
+                            <a:srgbClr val="000000"/>
+                          </a:solidFill>
+                          <a:effectLst/>
+                          <a:latin typeface="Consolas" panose="020B0609020204030204" pitchFamily="49" charset="0"/>
+                          <a:ea typeface="新細明體" panose="02020500000000000000" pitchFamily="18" charset="-120"/>
+                          <a:cs typeface="Courier New" panose="02070309020205020404" pitchFamily="49" charset="0"/>
+                        </a:rPr>
+                        <a:t>Frequency of each value in </a:t>
+                      </a:r>
+                      <a:r>
+                        <a:rPr lang="en-US" sz="1000" kern="0" dirty="0" err="1">
+                          <a:solidFill>
+                            <a:srgbClr val="000000"/>
+                          </a:solidFill>
+                          <a:effectLst/>
+                          <a:latin typeface="Consolas" panose="020B0609020204030204" pitchFamily="49" charset="0"/>
+                          <a:ea typeface="新細明體" panose="02020500000000000000" pitchFamily="18" charset="-120"/>
+                          <a:cs typeface="Courier New" panose="02070309020205020404" pitchFamily="49" charset="0"/>
+                        </a:rPr>
+                        <a:t>sg_B</a:t>
+                      </a:r>
+                      <a:r>
+                        <a:rPr lang="en-US" sz="1000" kern="0" dirty="0">
+                          <a:solidFill>
+                            <a:srgbClr val="000000"/>
+                          </a:solidFill>
+                          <a:effectLst/>
+                          <a:latin typeface="Consolas" panose="020B0609020204030204" pitchFamily="49" charset="0"/>
+                          <a:ea typeface="新細明體" panose="02020500000000000000" pitchFamily="18" charset="-120"/>
+                          <a:cs typeface="Courier New" panose="02070309020205020404" pitchFamily="49" charset="0"/>
+                        </a:rPr>
+                        <a:t>[0]:  Counter({0.004: 274995, 0.003: 93076, 0.005: 23303, 0.006: 9872, 0.0: 9500, 0.001: 3374, 0.002: 1881})</a:t>
+                      </a:r>
+                      <a:endParaRPr lang="zh-TW" sz="1200" kern="100" dirty="0">
+                        <a:effectLst/>
+                        <a:latin typeface="Calibri" panose="020F0502020204030204" pitchFamily="34" charset="0"/>
+                        <a:ea typeface="新細明體" panose="02020500000000000000" pitchFamily="18" charset="-120"/>
+                        <a:cs typeface="Times New Roman" panose="02020603050405020304" pitchFamily="18" charset="0"/>
+                      </a:endParaRPr>
+                    </a:p>
+                  </a:txBody>
+                  <a:tcPr marL="68580" marR="68580" marT="0" marB="0">
+                    <a:lnL w="12700" cap="flat" cmpd="sng" algn="ctr">
+                      <a:solidFill>
+                        <a:srgbClr val="000000"/>
+                      </a:solidFill>
+                      <a:prstDash val="solid"/>
+                      <a:round/>
+                      <a:headEnd type="none" w="med" len="med"/>
+                      <a:tailEnd type="none" w="med" len="med"/>
+                    </a:lnL>
+                    <a:lnR w="12700" cap="flat" cmpd="sng" algn="ctr">
+                      <a:solidFill>
+                        <a:srgbClr val="000000"/>
+                      </a:solidFill>
+                      <a:prstDash val="solid"/>
+                      <a:round/>
+                      <a:headEnd type="none" w="med" len="med"/>
+                      <a:tailEnd type="none" w="med" len="med"/>
+                    </a:lnR>
+                    <a:lnT w="12700" cap="flat" cmpd="sng" algn="ctr">
+                      <a:solidFill>
+                        <a:srgbClr val="000000"/>
+                      </a:solidFill>
+                      <a:prstDash val="solid"/>
+                      <a:round/>
+                      <a:headEnd type="none" w="med" len="med"/>
+                      <a:tailEnd type="none" w="med" len="med"/>
+                    </a:lnT>
+                    <a:lnB w="12700" cap="flat" cmpd="sng" algn="ctr">
+                      <a:solidFill>
+                        <a:srgbClr val="000000"/>
+                      </a:solidFill>
+                      <a:prstDash val="solid"/>
+                      <a:round/>
+                      <a:headEnd type="none" w="med" len="med"/>
+                      <a:tailEnd type="none" w="med" len="med"/>
+                    </a:lnB>
+                    <a:solidFill>
+                      <a:srgbClr val="F4F9F1"/>
+                    </a:solidFill>
+                  </a:tcPr>
+                </a:tc>
+                <a:extLst>
+                  <a:ext uri="{0D108BD9-81ED-4DB2-BD59-A6C34878D82A}">
+                    <a16:rowId xmlns:a16="http://schemas.microsoft.com/office/drawing/2014/main" val="1473082461"/>
+                  </a:ext>
+                </a:extLst>
+              </a:tr>
+            </a:tbl>
+          </a:graphicData>
+        </a:graphic>
+      </p:graphicFrame>
     </p:spTree>
     <p:extLst>
       <p:ext uri="{BB962C8B-B14F-4D97-AF65-F5344CB8AC3E}">

--- a/imbd2022final-ProjectB/111052_projectB_report.pptx
+++ b/imbd2022final-ProjectB/111052_projectB_report.pptx
@@ -25460,6 +25460,30 @@
               <a:rPr lang="en-US" altLang="zh-TW" sz="1400" dirty="0" err="1"/>
               <a:t>n_spike_D</a:t>
             </a:r>
+            <a:r>
+              <a:rPr lang="zh-TW" altLang="en-US" sz="1400" dirty="0"/>
+              <a:t>、</a:t>
+            </a:r>
+            <a:r>
+              <a:rPr lang="en-US" altLang="zh-TW" sz="1400" dirty="0" err="1"/>
+              <a:t>n_sg_B</a:t>
+            </a:r>
+            <a:r>
+              <a:rPr lang="zh-TW" altLang="en-US" sz="1400" dirty="0"/>
+              <a:t>、</a:t>
+            </a:r>
+            <a:r>
+              <a:rPr lang="en-US" altLang="zh-TW" sz="1400" dirty="0" err="1"/>
+              <a:t>n_sg_D</a:t>
+            </a:r>
+            <a:r>
+              <a:rPr lang="zh-TW" altLang="en-US" sz="1400" dirty="0"/>
+              <a:t>、</a:t>
+            </a:r>
+            <a:r>
+              <a:rPr lang="en-US" altLang="zh-TW" sz="1400" dirty="0" err="1"/>
+              <a:t>n_sg_F</a:t>
+            </a:r>
             <a:endParaRPr lang="en-US" altLang="zh-TW" sz="1400" u="sng" dirty="0"/>
           </a:p>
           <a:p>
@@ -25526,11 +25550,7 @@
             </a:r>
             <a:r>
               <a:rPr lang="zh-TW" altLang="en-US" sz="1400" dirty="0"/>
-              <a:t>相絕對值與</a:t>
-            </a:r>
-            <a:r>
-              <a:rPr lang="en-US" altLang="zh-TW" sz="1400" dirty="0" err="1"/>
-              <a:t>n_spike_D</a:t>
+              <a:t>相絕對值</a:t>
             </a:r>
             <a:endParaRPr lang="en-US" altLang="zh-TW" sz="1400" u="sng" dirty="0"/>
           </a:p>
@@ -25611,7 +25631,7 @@
             </a:r>
             <a:r>
               <a:rPr lang="en-US" altLang="zh-TW" sz="2400" dirty="0"/>
-              <a:t>shape(70, 15)</a:t>
+              <a:t>shape(70, 13)</a:t>
             </a:r>
             <a:r>
               <a:rPr lang="zh-TW" altLang="en-US" sz="2400" dirty="0"/>
